--- a/Final Project.pptx
+++ b/Final Project.pptx
@@ -6,15 +6,16 @@
   </p:sldMasterIdLst>
   <p:sldIdLst>
     <p:sldId id="256" r:id="rId2"/>
-    <p:sldId id="257" r:id="rId3"/>
-    <p:sldId id="258" r:id="rId4"/>
-    <p:sldId id="259" r:id="rId5"/>
-    <p:sldId id="266" r:id="rId6"/>
-    <p:sldId id="261" r:id="rId7"/>
-    <p:sldId id="262" r:id="rId8"/>
-    <p:sldId id="263" r:id="rId9"/>
-    <p:sldId id="264" r:id="rId10"/>
-    <p:sldId id="265" r:id="rId11"/>
+    <p:sldId id="267" r:id="rId3"/>
+    <p:sldId id="257" r:id="rId4"/>
+    <p:sldId id="258" r:id="rId5"/>
+    <p:sldId id="259" r:id="rId6"/>
+    <p:sldId id="266" r:id="rId7"/>
+    <p:sldId id="261" r:id="rId8"/>
+    <p:sldId id="262" r:id="rId9"/>
+    <p:sldId id="263" r:id="rId10"/>
+    <p:sldId id="264" r:id="rId11"/>
+    <p:sldId id="265" r:id="rId12"/>
   </p:sldIdLst>
   <p:sldSz cx="12192000" cy="6858000"/>
   <p:notesSz cx="6858000" cy="9144000"/>
@@ -113,10 +114,762 @@
       </a:defRPr>
     </a:lvl9pPr>
   </p:defaultTextStyle>
+  <p:extLst>
+    <p:ext uri="{EFAFB233-063F-42B5-8137-9DF3F51BA10A}">
+      <p15:sldGuideLst xmlns:p15="http://schemas.microsoft.com/office/powerpoint/2012/main"/>
+    </p:ext>
+  </p:extLst>
 </p:presentation>
 </file>
 
 <file path=ppt/diagrams/colors1.xml><?xml version="1.0" encoding="utf-8"?>
+<dgm:colorsDef xmlns:dgm="http://schemas.openxmlformats.org/drawingml/2006/diagram" xmlns:a="http://schemas.openxmlformats.org/drawingml/2006/main" uniqueId="urn:microsoft.com/office/officeart/2005/8/colors/accent1_2">
+  <dgm:title val=""/>
+  <dgm:desc val=""/>
+  <dgm:catLst>
+    <dgm:cat type="accent1" pri="11200"/>
+  </dgm:catLst>
+  <dgm:styleLbl name="node0">
+    <dgm:fillClrLst meth="repeat">
+      <a:schemeClr val="accent1"/>
+    </dgm:fillClrLst>
+    <dgm:linClrLst meth="repeat">
+      <a:schemeClr val="lt1"/>
+    </dgm:linClrLst>
+    <dgm:effectClrLst/>
+    <dgm:txLinClrLst/>
+    <dgm:txFillClrLst/>
+    <dgm:txEffectClrLst/>
+  </dgm:styleLbl>
+  <dgm:styleLbl name="alignNode1">
+    <dgm:fillClrLst meth="repeat">
+      <a:schemeClr val="accent1"/>
+    </dgm:fillClrLst>
+    <dgm:linClrLst meth="repeat">
+      <a:schemeClr val="accent1"/>
+    </dgm:linClrLst>
+    <dgm:effectClrLst/>
+    <dgm:txLinClrLst/>
+    <dgm:txFillClrLst/>
+    <dgm:txEffectClrLst/>
+  </dgm:styleLbl>
+  <dgm:styleLbl name="node1">
+    <dgm:fillClrLst meth="repeat">
+      <a:schemeClr val="accent1"/>
+    </dgm:fillClrLst>
+    <dgm:linClrLst meth="repeat">
+      <a:schemeClr val="lt1"/>
+    </dgm:linClrLst>
+    <dgm:effectClrLst/>
+    <dgm:txLinClrLst/>
+    <dgm:txFillClrLst/>
+    <dgm:txEffectClrLst/>
+  </dgm:styleLbl>
+  <dgm:styleLbl name="lnNode1">
+    <dgm:fillClrLst meth="repeat">
+      <a:schemeClr val="accent1"/>
+    </dgm:fillClrLst>
+    <dgm:linClrLst meth="repeat">
+      <a:schemeClr val="lt1"/>
+    </dgm:linClrLst>
+    <dgm:effectClrLst/>
+    <dgm:txLinClrLst/>
+    <dgm:txFillClrLst/>
+    <dgm:txEffectClrLst/>
+  </dgm:styleLbl>
+  <dgm:styleLbl name="vennNode1">
+    <dgm:fillClrLst meth="repeat">
+      <a:schemeClr val="accent1">
+        <a:alpha val="50000"/>
+      </a:schemeClr>
+    </dgm:fillClrLst>
+    <dgm:linClrLst meth="repeat">
+      <a:schemeClr val="lt1"/>
+    </dgm:linClrLst>
+    <dgm:effectClrLst/>
+    <dgm:txLinClrLst/>
+    <dgm:txFillClrLst/>
+    <dgm:txEffectClrLst/>
+  </dgm:styleLbl>
+  <dgm:styleLbl name="node2">
+    <dgm:fillClrLst meth="repeat">
+      <a:schemeClr val="accent1"/>
+    </dgm:fillClrLst>
+    <dgm:linClrLst meth="repeat">
+      <a:schemeClr val="lt1"/>
+    </dgm:linClrLst>
+    <dgm:effectClrLst/>
+    <dgm:txLinClrLst/>
+    <dgm:txFillClrLst/>
+    <dgm:txEffectClrLst/>
+  </dgm:styleLbl>
+  <dgm:styleLbl name="node3">
+    <dgm:fillClrLst meth="repeat">
+      <a:schemeClr val="accent1"/>
+    </dgm:fillClrLst>
+    <dgm:linClrLst meth="repeat">
+      <a:schemeClr val="lt1"/>
+    </dgm:linClrLst>
+    <dgm:effectClrLst/>
+    <dgm:txLinClrLst/>
+    <dgm:txFillClrLst/>
+    <dgm:txEffectClrLst/>
+  </dgm:styleLbl>
+  <dgm:styleLbl name="node4">
+    <dgm:fillClrLst meth="repeat">
+      <a:schemeClr val="accent1"/>
+    </dgm:fillClrLst>
+    <dgm:linClrLst meth="repeat">
+      <a:schemeClr val="lt1"/>
+    </dgm:linClrLst>
+    <dgm:effectClrLst/>
+    <dgm:txLinClrLst/>
+    <dgm:txFillClrLst/>
+    <dgm:txEffectClrLst/>
+  </dgm:styleLbl>
+  <dgm:styleLbl name="fgImgPlace1">
+    <dgm:fillClrLst meth="repeat">
+      <a:schemeClr val="accent1">
+        <a:tint val="50000"/>
+      </a:schemeClr>
+    </dgm:fillClrLst>
+    <dgm:linClrLst meth="repeat">
+      <a:schemeClr val="lt1"/>
+    </dgm:linClrLst>
+    <dgm:effectClrLst/>
+    <dgm:txLinClrLst/>
+    <dgm:txFillClrLst meth="repeat">
+      <a:schemeClr val="lt1"/>
+    </dgm:txFillClrLst>
+    <dgm:txEffectClrLst/>
+  </dgm:styleLbl>
+  <dgm:styleLbl name="alignImgPlace1">
+    <dgm:fillClrLst meth="repeat">
+      <a:schemeClr val="accent1">
+        <a:tint val="50000"/>
+      </a:schemeClr>
+    </dgm:fillClrLst>
+    <dgm:linClrLst meth="repeat">
+      <a:schemeClr val="lt1"/>
+    </dgm:linClrLst>
+    <dgm:effectClrLst/>
+    <dgm:txLinClrLst/>
+    <dgm:txFillClrLst meth="repeat">
+      <a:schemeClr val="lt1"/>
+    </dgm:txFillClrLst>
+    <dgm:txEffectClrLst/>
+  </dgm:styleLbl>
+  <dgm:styleLbl name="bgImgPlace1">
+    <dgm:fillClrLst meth="repeat">
+      <a:schemeClr val="accent1">
+        <a:tint val="50000"/>
+      </a:schemeClr>
+    </dgm:fillClrLst>
+    <dgm:linClrLst meth="repeat">
+      <a:schemeClr val="lt1"/>
+    </dgm:linClrLst>
+    <dgm:effectClrLst/>
+    <dgm:txLinClrLst/>
+    <dgm:txFillClrLst meth="repeat">
+      <a:schemeClr val="lt1"/>
+    </dgm:txFillClrLst>
+    <dgm:txEffectClrLst/>
+  </dgm:styleLbl>
+  <dgm:styleLbl name="sibTrans2D1">
+    <dgm:fillClrLst meth="repeat">
+      <a:schemeClr val="accent1">
+        <a:tint val="60000"/>
+      </a:schemeClr>
+    </dgm:fillClrLst>
+    <dgm:linClrLst meth="repeat">
+      <a:schemeClr val="accent1">
+        <a:tint val="60000"/>
+      </a:schemeClr>
+    </dgm:linClrLst>
+    <dgm:effectClrLst/>
+    <dgm:txLinClrLst/>
+    <dgm:txFillClrLst/>
+    <dgm:txEffectClrLst/>
+  </dgm:styleLbl>
+  <dgm:styleLbl name="fgSibTrans2D1">
+    <dgm:fillClrLst meth="repeat">
+      <a:schemeClr val="accent1">
+        <a:tint val="60000"/>
+      </a:schemeClr>
+    </dgm:fillClrLst>
+    <dgm:linClrLst meth="repeat">
+      <a:schemeClr val="accent1">
+        <a:tint val="60000"/>
+      </a:schemeClr>
+    </dgm:linClrLst>
+    <dgm:effectClrLst/>
+    <dgm:txLinClrLst/>
+    <dgm:txFillClrLst/>
+    <dgm:txEffectClrLst/>
+  </dgm:styleLbl>
+  <dgm:styleLbl name="bgSibTrans2D1">
+    <dgm:fillClrLst meth="repeat">
+      <a:schemeClr val="accent1">
+        <a:tint val="60000"/>
+      </a:schemeClr>
+    </dgm:fillClrLst>
+    <dgm:linClrLst meth="repeat">
+      <a:schemeClr val="accent1">
+        <a:tint val="60000"/>
+      </a:schemeClr>
+    </dgm:linClrLst>
+    <dgm:effectClrLst/>
+    <dgm:txLinClrLst/>
+    <dgm:txFillClrLst/>
+    <dgm:txEffectClrLst/>
+  </dgm:styleLbl>
+  <dgm:styleLbl name="sibTrans1D1">
+    <dgm:fillClrLst meth="repeat">
+      <a:schemeClr val="accent1"/>
+    </dgm:fillClrLst>
+    <dgm:linClrLst meth="repeat">
+      <a:schemeClr val="accent1"/>
+    </dgm:linClrLst>
+    <dgm:effectClrLst/>
+    <dgm:txLinClrLst/>
+    <dgm:txFillClrLst meth="repeat">
+      <a:schemeClr val="tx1"/>
+    </dgm:txFillClrLst>
+    <dgm:txEffectClrLst/>
+  </dgm:styleLbl>
+  <dgm:styleLbl name="callout">
+    <dgm:fillClrLst meth="repeat">
+      <a:schemeClr val="accent1"/>
+    </dgm:fillClrLst>
+    <dgm:linClrLst meth="repeat">
+      <a:schemeClr val="accent1">
+        <a:tint val="50000"/>
+      </a:schemeClr>
+    </dgm:linClrLst>
+    <dgm:effectClrLst/>
+    <dgm:txLinClrLst/>
+    <dgm:txFillClrLst meth="repeat">
+      <a:schemeClr val="tx1"/>
+    </dgm:txFillClrLst>
+    <dgm:txEffectClrLst/>
+  </dgm:styleLbl>
+  <dgm:styleLbl name="asst0">
+    <dgm:fillClrLst meth="repeat">
+      <a:schemeClr val="accent1"/>
+    </dgm:fillClrLst>
+    <dgm:linClrLst meth="repeat">
+      <a:schemeClr val="lt1"/>
+    </dgm:linClrLst>
+    <dgm:effectClrLst/>
+    <dgm:txLinClrLst/>
+    <dgm:txFillClrLst/>
+    <dgm:txEffectClrLst/>
+  </dgm:styleLbl>
+  <dgm:styleLbl name="asst1">
+    <dgm:fillClrLst meth="repeat">
+      <a:schemeClr val="accent1"/>
+    </dgm:fillClrLst>
+    <dgm:linClrLst meth="repeat">
+      <a:schemeClr val="lt1"/>
+    </dgm:linClrLst>
+    <dgm:effectClrLst/>
+    <dgm:txLinClrLst/>
+    <dgm:txFillClrLst/>
+    <dgm:txEffectClrLst/>
+  </dgm:styleLbl>
+  <dgm:styleLbl name="asst2">
+    <dgm:fillClrLst meth="repeat">
+      <a:schemeClr val="accent1"/>
+    </dgm:fillClrLst>
+    <dgm:linClrLst meth="repeat">
+      <a:schemeClr val="lt1"/>
+    </dgm:linClrLst>
+    <dgm:effectClrLst/>
+    <dgm:txLinClrLst/>
+    <dgm:txFillClrLst/>
+    <dgm:txEffectClrLst/>
+  </dgm:styleLbl>
+  <dgm:styleLbl name="asst3">
+    <dgm:fillClrLst meth="repeat">
+      <a:schemeClr val="accent1"/>
+    </dgm:fillClrLst>
+    <dgm:linClrLst meth="repeat">
+      <a:schemeClr val="lt1"/>
+    </dgm:linClrLst>
+    <dgm:effectClrLst/>
+    <dgm:txLinClrLst/>
+    <dgm:txFillClrLst/>
+    <dgm:txEffectClrLst/>
+  </dgm:styleLbl>
+  <dgm:styleLbl name="asst4">
+    <dgm:fillClrLst meth="repeat">
+      <a:schemeClr val="accent1"/>
+    </dgm:fillClrLst>
+    <dgm:linClrLst meth="repeat">
+      <a:schemeClr val="lt1"/>
+    </dgm:linClrLst>
+    <dgm:effectClrLst/>
+    <dgm:txLinClrLst/>
+    <dgm:txFillClrLst/>
+    <dgm:txEffectClrLst/>
+  </dgm:styleLbl>
+  <dgm:styleLbl name="parChTrans2D1">
+    <dgm:fillClrLst meth="repeat">
+      <a:schemeClr val="accent1">
+        <a:tint val="60000"/>
+      </a:schemeClr>
+    </dgm:fillClrLst>
+    <dgm:linClrLst meth="repeat">
+      <a:schemeClr val="accent1">
+        <a:tint val="60000"/>
+      </a:schemeClr>
+    </dgm:linClrLst>
+    <dgm:effectClrLst/>
+    <dgm:txLinClrLst/>
+    <dgm:txFillClrLst meth="repeat">
+      <a:schemeClr val="lt1"/>
+    </dgm:txFillClrLst>
+    <dgm:txEffectClrLst/>
+  </dgm:styleLbl>
+  <dgm:styleLbl name="parChTrans2D2">
+    <dgm:fillClrLst meth="repeat">
+      <a:schemeClr val="accent1"/>
+    </dgm:fillClrLst>
+    <dgm:linClrLst meth="repeat">
+      <a:schemeClr val="accent1"/>
+    </dgm:linClrLst>
+    <dgm:effectClrLst/>
+    <dgm:txLinClrLst/>
+    <dgm:txFillClrLst meth="repeat">
+      <a:schemeClr val="lt1"/>
+    </dgm:txFillClrLst>
+    <dgm:txEffectClrLst/>
+  </dgm:styleLbl>
+  <dgm:styleLbl name="parChTrans2D3">
+    <dgm:fillClrLst meth="repeat">
+      <a:schemeClr val="accent1"/>
+    </dgm:fillClrLst>
+    <dgm:linClrLst meth="repeat">
+      <a:schemeClr val="accent1"/>
+    </dgm:linClrLst>
+    <dgm:effectClrLst/>
+    <dgm:txLinClrLst/>
+    <dgm:txFillClrLst meth="repeat">
+      <a:schemeClr val="lt1"/>
+    </dgm:txFillClrLst>
+    <dgm:txEffectClrLst/>
+  </dgm:styleLbl>
+  <dgm:styleLbl name="parChTrans2D4">
+    <dgm:fillClrLst meth="repeat">
+      <a:schemeClr val="accent1"/>
+    </dgm:fillClrLst>
+    <dgm:linClrLst meth="repeat">
+      <a:schemeClr val="accent1"/>
+    </dgm:linClrLst>
+    <dgm:effectClrLst/>
+    <dgm:txLinClrLst/>
+    <dgm:txFillClrLst meth="repeat">
+      <a:schemeClr val="lt1"/>
+    </dgm:txFillClrLst>
+    <dgm:txEffectClrLst/>
+  </dgm:styleLbl>
+  <dgm:styleLbl name="parChTrans1D1">
+    <dgm:fillClrLst meth="repeat">
+      <a:schemeClr val="accent1"/>
+    </dgm:fillClrLst>
+    <dgm:linClrLst meth="repeat">
+      <a:schemeClr val="accent1">
+        <a:shade val="60000"/>
+      </a:schemeClr>
+    </dgm:linClrLst>
+    <dgm:effectClrLst/>
+    <dgm:txLinClrLst/>
+    <dgm:txFillClrLst meth="repeat">
+      <a:schemeClr val="tx1"/>
+    </dgm:txFillClrLst>
+    <dgm:txEffectClrLst/>
+  </dgm:styleLbl>
+  <dgm:styleLbl name="parChTrans1D2">
+    <dgm:fillClrLst meth="repeat">
+      <a:schemeClr val="accent1"/>
+    </dgm:fillClrLst>
+    <dgm:linClrLst meth="repeat">
+      <a:schemeClr val="accent1">
+        <a:shade val="60000"/>
+      </a:schemeClr>
+    </dgm:linClrLst>
+    <dgm:effectClrLst/>
+    <dgm:txLinClrLst/>
+    <dgm:txFillClrLst meth="repeat">
+      <a:schemeClr val="tx1"/>
+    </dgm:txFillClrLst>
+    <dgm:txEffectClrLst/>
+  </dgm:styleLbl>
+  <dgm:styleLbl name="parChTrans1D3">
+    <dgm:fillClrLst meth="repeat">
+      <a:schemeClr val="accent1"/>
+    </dgm:fillClrLst>
+    <dgm:linClrLst meth="repeat">
+      <a:schemeClr val="accent1">
+        <a:shade val="80000"/>
+      </a:schemeClr>
+    </dgm:linClrLst>
+    <dgm:effectClrLst/>
+    <dgm:txLinClrLst/>
+    <dgm:txFillClrLst meth="repeat">
+      <a:schemeClr val="tx1"/>
+    </dgm:txFillClrLst>
+    <dgm:txEffectClrLst/>
+  </dgm:styleLbl>
+  <dgm:styleLbl name="parChTrans1D4">
+    <dgm:fillClrLst meth="repeat">
+      <a:schemeClr val="accent1"/>
+    </dgm:fillClrLst>
+    <dgm:linClrLst meth="repeat">
+      <a:schemeClr val="accent1">
+        <a:shade val="80000"/>
+      </a:schemeClr>
+    </dgm:linClrLst>
+    <dgm:effectClrLst/>
+    <dgm:txLinClrLst/>
+    <dgm:txFillClrLst meth="repeat">
+      <a:schemeClr val="tx1"/>
+    </dgm:txFillClrLst>
+    <dgm:txEffectClrLst/>
+  </dgm:styleLbl>
+  <dgm:styleLbl name="fgAcc1">
+    <dgm:fillClrLst meth="repeat">
+      <a:schemeClr val="lt1">
+        <a:alpha val="90000"/>
+      </a:schemeClr>
+    </dgm:fillClrLst>
+    <dgm:linClrLst meth="repeat">
+      <a:schemeClr val="accent1"/>
+    </dgm:linClrLst>
+    <dgm:effectClrLst/>
+    <dgm:txLinClrLst/>
+    <dgm:txFillClrLst meth="repeat">
+      <a:schemeClr val="dk1"/>
+    </dgm:txFillClrLst>
+    <dgm:txEffectClrLst/>
+  </dgm:styleLbl>
+  <dgm:styleLbl name="conFgAcc1">
+    <dgm:fillClrLst meth="repeat">
+      <a:schemeClr val="lt1">
+        <a:alpha val="90000"/>
+      </a:schemeClr>
+    </dgm:fillClrLst>
+    <dgm:linClrLst meth="repeat">
+      <a:schemeClr val="accent1"/>
+    </dgm:linClrLst>
+    <dgm:effectClrLst/>
+    <dgm:txLinClrLst/>
+    <dgm:txFillClrLst meth="repeat">
+      <a:schemeClr val="dk1"/>
+    </dgm:txFillClrLst>
+    <dgm:txEffectClrLst/>
+  </dgm:styleLbl>
+  <dgm:styleLbl name="alignAcc1">
+    <dgm:fillClrLst meth="repeat">
+      <a:schemeClr val="lt1">
+        <a:alpha val="90000"/>
+      </a:schemeClr>
+    </dgm:fillClrLst>
+    <dgm:linClrLst meth="repeat">
+      <a:schemeClr val="accent1"/>
+    </dgm:linClrLst>
+    <dgm:effectClrLst/>
+    <dgm:txLinClrLst/>
+    <dgm:txFillClrLst meth="repeat">
+      <a:schemeClr val="dk1"/>
+    </dgm:txFillClrLst>
+    <dgm:txEffectClrLst/>
+  </dgm:styleLbl>
+  <dgm:styleLbl name="trAlignAcc1">
+    <dgm:fillClrLst meth="repeat">
+      <a:schemeClr val="lt1">
+        <a:alpha val="40000"/>
+      </a:schemeClr>
+    </dgm:fillClrLst>
+    <dgm:linClrLst meth="repeat">
+      <a:schemeClr val="accent1"/>
+    </dgm:linClrLst>
+    <dgm:effectClrLst/>
+    <dgm:txLinClrLst/>
+    <dgm:txFillClrLst meth="repeat">
+      <a:schemeClr val="dk1"/>
+    </dgm:txFillClrLst>
+    <dgm:txEffectClrLst/>
+  </dgm:styleLbl>
+  <dgm:styleLbl name="bgAcc1">
+    <dgm:fillClrLst meth="repeat">
+      <a:schemeClr val="lt1">
+        <a:alpha val="90000"/>
+      </a:schemeClr>
+    </dgm:fillClrLst>
+    <dgm:linClrLst meth="repeat">
+      <a:schemeClr val="accent1"/>
+    </dgm:linClrLst>
+    <dgm:effectClrLst/>
+    <dgm:txLinClrLst/>
+    <dgm:txFillClrLst meth="repeat">
+      <a:schemeClr val="dk1"/>
+    </dgm:txFillClrLst>
+    <dgm:txEffectClrLst/>
+  </dgm:styleLbl>
+  <dgm:styleLbl name="solidFgAcc1">
+    <dgm:fillClrLst meth="repeat">
+      <a:schemeClr val="lt1"/>
+    </dgm:fillClrLst>
+    <dgm:linClrLst meth="repeat">
+      <a:schemeClr val="accent1"/>
+    </dgm:linClrLst>
+    <dgm:effectClrLst/>
+    <dgm:txLinClrLst/>
+    <dgm:txFillClrLst meth="repeat">
+      <a:schemeClr val="dk1"/>
+    </dgm:txFillClrLst>
+    <dgm:txEffectClrLst/>
+  </dgm:styleLbl>
+  <dgm:styleLbl name="solidAlignAcc1">
+    <dgm:fillClrLst meth="repeat">
+      <a:schemeClr val="lt1"/>
+    </dgm:fillClrLst>
+    <dgm:linClrLst meth="repeat">
+      <a:schemeClr val="accent1"/>
+    </dgm:linClrLst>
+    <dgm:effectClrLst/>
+    <dgm:txLinClrLst/>
+    <dgm:txFillClrLst meth="repeat">
+      <a:schemeClr val="dk1"/>
+    </dgm:txFillClrLst>
+    <dgm:txEffectClrLst/>
+  </dgm:styleLbl>
+  <dgm:styleLbl name="solidBgAcc1">
+    <dgm:fillClrLst meth="repeat">
+      <a:schemeClr val="lt1"/>
+    </dgm:fillClrLst>
+    <dgm:linClrLst meth="repeat">
+      <a:schemeClr val="accent1"/>
+    </dgm:linClrLst>
+    <dgm:effectClrLst/>
+    <dgm:txLinClrLst/>
+    <dgm:txFillClrLst meth="repeat">
+      <a:schemeClr val="dk1"/>
+    </dgm:txFillClrLst>
+    <dgm:txEffectClrLst/>
+  </dgm:styleLbl>
+  <dgm:styleLbl name="fgAccFollowNode1">
+    <dgm:fillClrLst meth="repeat">
+      <a:schemeClr val="accent1">
+        <a:alpha val="90000"/>
+        <a:tint val="40000"/>
+      </a:schemeClr>
+    </dgm:fillClrLst>
+    <dgm:linClrLst meth="repeat">
+      <a:schemeClr val="accent1">
+        <a:alpha val="90000"/>
+        <a:tint val="40000"/>
+      </a:schemeClr>
+    </dgm:linClrLst>
+    <dgm:effectClrLst/>
+    <dgm:txLinClrLst/>
+    <dgm:txFillClrLst meth="repeat">
+      <a:schemeClr val="dk1"/>
+    </dgm:txFillClrLst>
+    <dgm:txEffectClrLst/>
+  </dgm:styleLbl>
+  <dgm:styleLbl name="alignAccFollowNode1">
+    <dgm:fillClrLst meth="repeat">
+      <a:schemeClr val="accent1">
+        <a:alpha val="90000"/>
+        <a:tint val="40000"/>
+      </a:schemeClr>
+    </dgm:fillClrLst>
+    <dgm:linClrLst meth="repeat">
+      <a:schemeClr val="accent1">
+        <a:alpha val="90000"/>
+        <a:tint val="40000"/>
+      </a:schemeClr>
+    </dgm:linClrLst>
+    <dgm:effectClrLst/>
+    <dgm:txLinClrLst/>
+    <dgm:txFillClrLst meth="repeat">
+      <a:schemeClr val="dk1"/>
+    </dgm:txFillClrLst>
+    <dgm:txEffectClrLst/>
+  </dgm:styleLbl>
+  <dgm:styleLbl name="bgAccFollowNode1">
+    <dgm:fillClrLst meth="repeat">
+      <a:schemeClr val="accent1">
+        <a:alpha val="90000"/>
+        <a:tint val="40000"/>
+      </a:schemeClr>
+    </dgm:fillClrLst>
+    <dgm:linClrLst meth="repeat">
+      <a:schemeClr val="accent1">
+        <a:alpha val="90000"/>
+        <a:tint val="40000"/>
+      </a:schemeClr>
+    </dgm:linClrLst>
+    <dgm:effectClrLst/>
+    <dgm:txLinClrLst/>
+    <dgm:txFillClrLst meth="repeat">
+      <a:schemeClr val="dk1"/>
+    </dgm:txFillClrLst>
+    <dgm:txEffectClrLst/>
+  </dgm:styleLbl>
+  <dgm:styleLbl name="fgAcc0">
+    <dgm:fillClrLst meth="repeat">
+      <a:schemeClr val="lt1">
+        <a:alpha val="90000"/>
+      </a:schemeClr>
+    </dgm:fillClrLst>
+    <dgm:linClrLst meth="repeat">
+      <a:schemeClr val="accent1"/>
+    </dgm:linClrLst>
+    <dgm:effectClrLst/>
+    <dgm:txLinClrLst/>
+    <dgm:txFillClrLst meth="repeat">
+      <a:schemeClr val="dk1"/>
+    </dgm:txFillClrLst>
+    <dgm:txEffectClrLst/>
+  </dgm:styleLbl>
+  <dgm:styleLbl name="fgAcc2">
+    <dgm:fillClrLst meth="repeat">
+      <a:schemeClr val="lt1">
+        <a:alpha val="90000"/>
+      </a:schemeClr>
+    </dgm:fillClrLst>
+    <dgm:linClrLst meth="repeat">
+      <a:schemeClr val="accent1"/>
+    </dgm:linClrLst>
+    <dgm:effectClrLst/>
+    <dgm:txLinClrLst/>
+    <dgm:txFillClrLst meth="repeat">
+      <a:schemeClr val="dk1"/>
+    </dgm:txFillClrLst>
+    <dgm:txEffectClrLst/>
+  </dgm:styleLbl>
+  <dgm:styleLbl name="fgAcc3">
+    <dgm:fillClrLst meth="repeat">
+      <a:schemeClr val="lt1">
+        <a:alpha val="90000"/>
+      </a:schemeClr>
+    </dgm:fillClrLst>
+    <dgm:linClrLst meth="repeat">
+      <a:schemeClr val="accent1"/>
+    </dgm:linClrLst>
+    <dgm:effectClrLst/>
+    <dgm:txLinClrLst/>
+    <dgm:txFillClrLst meth="repeat">
+      <a:schemeClr val="dk1"/>
+    </dgm:txFillClrLst>
+    <dgm:txEffectClrLst/>
+  </dgm:styleLbl>
+  <dgm:styleLbl name="fgAcc4">
+    <dgm:fillClrLst meth="repeat">
+      <a:schemeClr val="lt1">
+        <a:alpha val="90000"/>
+      </a:schemeClr>
+    </dgm:fillClrLst>
+    <dgm:linClrLst meth="repeat">
+      <a:schemeClr val="accent1"/>
+    </dgm:linClrLst>
+    <dgm:effectClrLst/>
+    <dgm:txLinClrLst/>
+    <dgm:txFillClrLst meth="repeat">
+      <a:schemeClr val="dk1"/>
+    </dgm:txFillClrLst>
+    <dgm:txEffectClrLst/>
+  </dgm:styleLbl>
+  <dgm:styleLbl name="bgShp">
+    <dgm:fillClrLst meth="repeat">
+      <a:schemeClr val="accent1">
+        <a:tint val="40000"/>
+      </a:schemeClr>
+    </dgm:fillClrLst>
+    <dgm:linClrLst meth="repeat">
+      <a:schemeClr val="accent1"/>
+    </dgm:linClrLst>
+    <dgm:effectClrLst/>
+    <dgm:txLinClrLst/>
+    <dgm:txFillClrLst meth="repeat">
+      <a:schemeClr val="dk1"/>
+    </dgm:txFillClrLst>
+    <dgm:txEffectClrLst/>
+  </dgm:styleLbl>
+  <dgm:styleLbl name="dkBgShp">
+    <dgm:fillClrLst meth="repeat">
+      <a:schemeClr val="accent1">
+        <a:shade val="80000"/>
+      </a:schemeClr>
+    </dgm:fillClrLst>
+    <dgm:linClrLst meth="repeat">
+      <a:schemeClr val="accent1"/>
+    </dgm:linClrLst>
+    <dgm:effectClrLst/>
+    <dgm:txLinClrLst/>
+    <dgm:txFillClrLst meth="repeat">
+      <a:schemeClr val="lt1"/>
+    </dgm:txFillClrLst>
+    <dgm:txEffectClrLst/>
+  </dgm:styleLbl>
+  <dgm:styleLbl name="trBgShp">
+    <dgm:fillClrLst meth="repeat">
+      <a:schemeClr val="accent1">
+        <a:tint val="50000"/>
+        <a:alpha val="40000"/>
+      </a:schemeClr>
+    </dgm:fillClrLst>
+    <dgm:linClrLst meth="repeat">
+      <a:schemeClr val="accent1"/>
+    </dgm:linClrLst>
+    <dgm:effectClrLst/>
+    <dgm:txLinClrLst/>
+    <dgm:txFillClrLst meth="repeat">
+      <a:schemeClr val="lt1"/>
+    </dgm:txFillClrLst>
+    <dgm:txEffectClrLst/>
+  </dgm:styleLbl>
+  <dgm:styleLbl name="fgShp">
+    <dgm:fillClrLst meth="repeat">
+      <a:schemeClr val="accent1">
+        <a:tint val="60000"/>
+      </a:schemeClr>
+    </dgm:fillClrLst>
+    <dgm:linClrLst meth="repeat">
+      <a:schemeClr val="lt1"/>
+    </dgm:linClrLst>
+    <dgm:effectClrLst/>
+    <dgm:txLinClrLst/>
+    <dgm:txFillClrLst meth="repeat">
+      <a:schemeClr val="dk1"/>
+    </dgm:txFillClrLst>
+    <dgm:txEffectClrLst/>
+  </dgm:styleLbl>
+  <dgm:styleLbl name="revTx">
+    <dgm:fillClrLst meth="repeat">
+      <a:schemeClr val="lt1">
+        <a:alpha val="0"/>
+      </a:schemeClr>
+    </dgm:fillClrLst>
+    <dgm:linClrLst meth="repeat">
+      <a:schemeClr val="dk1">
+        <a:alpha val="0"/>
+      </a:schemeClr>
+    </dgm:linClrLst>
+    <dgm:effectClrLst/>
+    <dgm:txLinClrLst/>
+    <dgm:txFillClrLst meth="repeat">
+      <a:schemeClr val="tx1"/>
+    </dgm:txFillClrLst>
+    <dgm:txEffectClrLst/>
+  </dgm:styleLbl>
+</dgm:colorsDef>
+</file>
+
+<file path=ppt/diagrams/colors2.xml><?xml version="1.0" encoding="utf-8"?>
 <dgm:colorsDef xmlns:dgm="http://schemas.openxmlformats.org/drawingml/2006/diagram" xmlns:a="http://schemas.openxmlformats.org/drawingml/2006/main" uniqueId="urn:microsoft.com/office/officeart/2005/8/colors/colorful5">
   <dgm:title val=""/>
   <dgm:desc val=""/>
@@ -898,7 +1651,7 @@
 </dgm:colorsDef>
 </file>
 
-<file path=ppt/diagrams/colors2.xml><?xml version="1.0" encoding="utf-8"?>
+<file path=ppt/diagrams/colors3.xml><?xml version="1.0" encoding="utf-8"?>
 <dgm:colorsDef xmlns:dgm="http://schemas.openxmlformats.org/drawingml/2006/diagram" xmlns:a="http://schemas.openxmlformats.org/drawingml/2006/main" uniqueId="urn:microsoft.com/office/officeart/2005/8/colors/colorful1">
   <dgm:title val=""/>
   <dgm:desc val=""/>
@@ -1817,7 +2570,7 @@
 </dgm:colorsDef>
 </file>
 
-<file path=ppt/diagrams/colors3.xml><?xml version="1.0" encoding="utf-8"?>
+<file path=ppt/diagrams/colors4.xml><?xml version="1.0" encoding="utf-8"?>
 <dgm:colorsDef xmlns:dgm="http://schemas.openxmlformats.org/drawingml/2006/diagram" xmlns:a="http://schemas.openxmlformats.org/drawingml/2006/main" uniqueId="urn:microsoft.com/office/officeart/2005/8/colors/colorful1">
   <dgm:title val=""/>
   <dgm:desc val=""/>
@@ -2739,8 +3492,526 @@
 <file path=ppt/diagrams/data1.xml><?xml version="1.0" encoding="utf-8"?>
 <dgm:dataModel xmlns:dgm="http://schemas.openxmlformats.org/drawingml/2006/diagram" xmlns:a="http://schemas.openxmlformats.org/drawingml/2006/main">
   <dgm:ptLst>
+    <dgm:pt modelId="{69A5830F-950B-4EE0-B95A-6BC39E19D09B}" type="doc">
+      <dgm:prSet loTypeId="urn:microsoft.com/office/officeart/2005/8/layout/vList2" loCatId="list" qsTypeId="urn:microsoft.com/office/officeart/2005/8/quickstyle/simple1" qsCatId="simple" csTypeId="urn:microsoft.com/office/officeart/2005/8/colors/accent1_2" csCatId="accent1" phldr="1"/>
+      <dgm:spPr/>
+      <dgm:t>
+        <a:bodyPr/>
+        <a:lstStyle/>
+        <a:p>
+          <a:endParaRPr lang="en-US"/>
+        </a:p>
+      </dgm:t>
+    </dgm:pt>
+    <dgm:pt modelId="{46CE99BB-4D40-4CC2-840E-E5633B703ACE}">
+      <dgm:prSet/>
+      <dgm:spPr/>
+      <dgm:t>
+        <a:bodyPr/>
+        <a:lstStyle/>
+        <a:p>
+          <a:r>
+            <a:rPr lang="en-US" b="0" i="0" dirty="0"/>
+            <a:t>Final Project description - What you built your code</a:t>
+          </a:r>
+          <a:endParaRPr lang="en-US" dirty="0"/>
+        </a:p>
+      </dgm:t>
+    </dgm:pt>
+    <dgm:pt modelId="{3FC00176-E863-4461-8EEB-229B1F677126}" type="parTrans" cxnId="{7F571ADA-2867-4D7C-BE13-246A912830A5}">
+      <dgm:prSet/>
+      <dgm:spPr/>
+      <dgm:t>
+        <a:bodyPr/>
+        <a:lstStyle/>
+        <a:p>
+          <a:endParaRPr lang="en-US"/>
+        </a:p>
+      </dgm:t>
+    </dgm:pt>
+    <dgm:pt modelId="{9960CE9D-C1F2-4301-A651-D904574873FF}" type="sibTrans" cxnId="{7F571ADA-2867-4D7C-BE13-246A912830A5}">
+      <dgm:prSet/>
+      <dgm:spPr/>
+      <dgm:t>
+        <a:bodyPr/>
+        <a:lstStyle/>
+        <a:p>
+          <a:endParaRPr lang="en-US"/>
+        </a:p>
+      </dgm:t>
+    </dgm:pt>
+    <dgm:pt modelId="{A73ADB62-89E0-466C-8841-96DAB30AC599}">
+      <dgm:prSet/>
+      <dgm:spPr/>
+      <dgm:t>
+        <a:bodyPr/>
+        <a:lstStyle/>
+        <a:p>
+          <a:r>
+            <a:rPr lang="en-US" b="0" i="0" dirty="0"/>
+            <a:t>Completion level - Working 50%, 75%, or 100%, or not working</a:t>
+          </a:r>
+          <a:endParaRPr lang="en-US" dirty="0"/>
+        </a:p>
+      </dgm:t>
+    </dgm:pt>
+    <dgm:pt modelId="{42B35849-9F23-4D87-976D-BE9A8D2F524D}" type="parTrans" cxnId="{9641E745-21B5-42D7-A5B3-DA6972687630}">
+      <dgm:prSet/>
+      <dgm:spPr/>
+      <dgm:t>
+        <a:bodyPr/>
+        <a:lstStyle/>
+        <a:p>
+          <a:endParaRPr lang="en-US"/>
+        </a:p>
+      </dgm:t>
+    </dgm:pt>
+    <dgm:pt modelId="{A3074128-442C-4C00-997F-6F1C2BA3FB86}" type="sibTrans" cxnId="{9641E745-21B5-42D7-A5B3-DA6972687630}">
+      <dgm:prSet/>
+      <dgm:spPr/>
+      <dgm:t>
+        <a:bodyPr/>
+        <a:lstStyle/>
+        <a:p>
+          <a:endParaRPr lang="en-US"/>
+        </a:p>
+      </dgm:t>
+    </dgm:pt>
+    <dgm:pt modelId="{BCA8EDED-1AF6-48EB-A764-D9C2918085CA}">
+      <dgm:prSet/>
+      <dgm:spPr/>
+      <dgm:t>
+        <a:bodyPr/>
+        <a:lstStyle/>
+        <a:p>
+          <a:r>
+            <a:rPr lang="en-US" b="0" i="0" dirty="0"/>
+            <a:t>Demonstration or demonstration pictures (still or moving)</a:t>
+          </a:r>
+          <a:endParaRPr lang="en-US" dirty="0"/>
+        </a:p>
+      </dgm:t>
+    </dgm:pt>
+    <dgm:pt modelId="{627388F7-5541-4BF0-8507-616BF94B8A55}" type="parTrans" cxnId="{0569D307-9803-489B-B2FD-95406EEE9363}">
+      <dgm:prSet/>
+      <dgm:spPr/>
+      <dgm:t>
+        <a:bodyPr/>
+        <a:lstStyle/>
+        <a:p>
+          <a:endParaRPr lang="en-US"/>
+        </a:p>
+      </dgm:t>
+    </dgm:pt>
+    <dgm:pt modelId="{CA24EA4D-24F2-45AE-93B3-129DFEF445B4}" type="sibTrans" cxnId="{0569D307-9803-489B-B2FD-95406EEE9363}">
+      <dgm:prSet/>
+      <dgm:spPr/>
+      <dgm:t>
+        <a:bodyPr/>
+        <a:lstStyle/>
+        <a:p>
+          <a:endParaRPr lang="en-US"/>
+        </a:p>
+      </dgm:t>
+    </dgm:pt>
+    <dgm:pt modelId="{75264846-99F6-4EB3-97BE-7A3D54F1A620}">
+      <dgm:prSet/>
+      <dgm:spPr/>
+      <dgm:t>
+        <a:bodyPr/>
+        <a:lstStyle/>
+        <a:p>
+          <a:r>
+            <a:rPr lang="en-US" b="0" i="0" dirty="0"/>
+            <a:t>Software code structure - Organization of classes and objects</a:t>
+          </a:r>
+          <a:endParaRPr lang="en-US" dirty="0"/>
+        </a:p>
+      </dgm:t>
+    </dgm:pt>
+    <dgm:pt modelId="{ABC76573-D23B-45D4-8128-97E0FA3BF05C}" type="parTrans" cxnId="{F71A2770-179A-45C1-B8DD-E47215821AED}">
+      <dgm:prSet/>
+      <dgm:spPr/>
+      <dgm:t>
+        <a:bodyPr/>
+        <a:lstStyle/>
+        <a:p>
+          <a:endParaRPr lang="en-US"/>
+        </a:p>
+      </dgm:t>
+    </dgm:pt>
+    <dgm:pt modelId="{669BCD41-0926-4E3F-878C-19C921C3129D}" type="sibTrans" cxnId="{F71A2770-179A-45C1-B8DD-E47215821AED}">
+      <dgm:prSet/>
+      <dgm:spPr/>
+      <dgm:t>
+        <a:bodyPr/>
+        <a:lstStyle/>
+        <a:p>
+          <a:endParaRPr lang="en-US"/>
+        </a:p>
+      </dgm:t>
+    </dgm:pt>
+    <dgm:pt modelId="{C7F25D98-D8D8-4424-B135-50685C3BA779}">
+      <dgm:prSet/>
+      <dgm:spPr/>
+      <dgm:t>
+        <a:bodyPr/>
+        <a:lstStyle/>
+        <a:p>
+          <a:r>
+            <a:rPr lang="en-US" b="0" i="0" dirty="0"/>
+            <a:t>The project complexity </a:t>
+          </a:r>
+          <a:endParaRPr lang="en-US" dirty="0"/>
+        </a:p>
+      </dgm:t>
+    </dgm:pt>
+    <dgm:pt modelId="{6A689809-4297-4CCF-ACAE-082FB88034CA}" type="parTrans" cxnId="{EF23080E-D3CA-451F-9FF2-BFA45A1DC227}">
+      <dgm:prSet/>
+      <dgm:spPr/>
+      <dgm:t>
+        <a:bodyPr/>
+        <a:lstStyle/>
+        <a:p>
+          <a:endParaRPr lang="en-US"/>
+        </a:p>
+      </dgm:t>
+    </dgm:pt>
+    <dgm:pt modelId="{58EE8DFD-D8DD-432E-8DE3-F66571DE6500}" type="sibTrans" cxnId="{EF23080E-D3CA-451F-9FF2-BFA45A1DC227}">
+      <dgm:prSet/>
+      <dgm:spPr/>
+      <dgm:t>
+        <a:bodyPr/>
+        <a:lstStyle/>
+        <a:p>
+          <a:endParaRPr lang="en-US"/>
+        </a:p>
+      </dgm:t>
+    </dgm:pt>
+    <dgm:pt modelId="{CBE7D38E-0A09-49DA-A3D4-CDCCA9D73074}">
+      <dgm:prSet/>
+      <dgm:spPr/>
+      <dgm:t>
+        <a:bodyPr/>
+        <a:lstStyle/>
+        <a:p>
+          <a:r>
+            <a:rPr lang="en-US" b="0" i="0" dirty="0"/>
+            <a:t>Use of design patterns if any</a:t>
+          </a:r>
+          <a:endParaRPr lang="en-US" dirty="0"/>
+        </a:p>
+      </dgm:t>
+    </dgm:pt>
+    <dgm:pt modelId="{31996A8C-6965-4758-905A-B87551873291}" type="parTrans" cxnId="{4EA2137A-D15A-402C-861E-8E567CD2C6EB}">
+      <dgm:prSet/>
+      <dgm:spPr/>
+      <dgm:t>
+        <a:bodyPr/>
+        <a:lstStyle/>
+        <a:p>
+          <a:endParaRPr lang="en-US"/>
+        </a:p>
+      </dgm:t>
+    </dgm:pt>
+    <dgm:pt modelId="{6B46CCE2-AEED-49FF-BB43-A7CEECAB7715}" type="sibTrans" cxnId="{4EA2137A-D15A-402C-861E-8E567CD2C6EB}">
+      <dgm:prSet/>
+      <dgm:spPr/>
+      <dgm:t>
+        <a:bodyPr/>
+        <a:lstStyle/>
+        <a:p>
+          <a:endParaRPr lang="en-US"/>
+        </a:p>
+      </dgm:t>
+    </dgm:pt>
+    <dgm:pt modelId="{3730625E-7281-49BF-8466-ECBD11B85971}">
+      <dgm:prSet/>
+      <dgm:spPr/>
+      <dgm:t>
+        <a:bodyPr/>
+        <a:lstStyle/>
+        <a:p>
+          <a:r>
+            <a:rPr lang="en-US" b="0" i="0" dirty="0"/>
+            <a:t>Software code testing - how you tested your code</a:t>
+          </a:r>
+          <a:endParaRPr lang="en-US" dirty="0"/>
+        </a:p>
+      </dgm:t>
+    </dgm:pt>
+    <dgm:pt modelId="{B5E8A52E-A5DD-4E21-A466-924B3428BAAA}" type="parTrans" cxnId="{36B5BFF3-D4C9-4C42-8FCC-2B399DACAE0D}">
+      <dgm:prSet/>
+      <dgm:spPr/>
+      <dgm:t>
+        <a:bodyPr/>
+        <a:lstStyle/>
+        <a:p>
+          <a:endParaRPr lang="en-US"/>
+        </a:p>
+      </dgm:t>
+    </dgm:pt>
+    <dgm:pt modelId="{51EF58DD-CB77-486E-922E-8554265A668D}" type="sibTrans" cxnId="{36B5BFF3-D4C9-4C42-8FCC-2B399DACAE0D}">
+      <dgm:prSet/>
+      <dgm:spPr/>
+      <dgm:t>
+        <a:bodyPr/>
+        <a:lstStyle/>
+        <a:p>
+          <a:endParaRPr lang="en-US"/>
+        </a:p>
+      </dgm:t>
+    </dgm:pt>
+    <dgm:pt modelId="{99F007A1-86AB-41C2-9D4F-D08AA7D51518}">
+      <dgm:prSet/>
+      <dgm:spPr/>
+      <dgm:t>
+        <a:bodyPr/>
+        <a:lstStyle/>
+        <a:p>
+          <a:r>
+            <a:rPr lang="en-US" b="0" i="0" dirty="0"/>
+            <a:t>Challenges and/or the project complexity</a:t>
+          </a:r>
+          <a:endParaRPr lang="en-US" dirty="0"/>
+        </a:p>
+      </dgm:t>
+    </dgm:pt>
+    <dgm:pt modelId="{B26FACC3-6541-4E0D-8592-76EE291D1481}" type="parTrans" cxnId="{98542444-4C39-49A3-BD0E-9266A14E9A7E}">
+      <dgm:prSet/>
+      <dgm:spPr/>
+      <dgm:t>
+        <a:bodyPr/>
+        <a:lstStyle/>
+        <a:p>
+          <a:endParaRPr lang="en-US"/>
+        </a:p>
+      </dgm:t>
+    </dgm:pt>
+    <dgm:pt modelId="{603D5E08-89A6-44C3-AF99-278D3B079B87}" type="sibTrans" cxnId="{98542444-4C39-49A3-BD0E-9266A14E9A7E}">
+      <dgm:prSet/>
+      <dgm:spPr/>
+      <dgm:t>
+        <a:bodyPr/>
+        <a:lstStyle/>
+        <a:p>
+          <a:endParaRPr lang="en-US"/>
+        </a:p>
+      </dgm:t>
+    </dgm:pt>
+    <dgm:pt modelId="{054EAD58-109C-47DD-9F1B-FA889F331C48}">
+      <dgm:prSet/>
+      <dgm:spPr/>
+      <dgm:t>
+        <a:bodyPr/>
+        <a:lstStyle/>
+        <a:p>
+          <a:r>
+            <a:rPr lang="en-US" b="0" i="0" dirty="0"/>
+            <a:t>Individual contributions</a:t>
+          </a:r>
+          <a:endParaRPr lang="en-US" dirty="0"/>
+        </a:p>
+      </dgm:t>
+    </dgm:pt>
+    <dgm:pt modelId="{D4396C94-EB6D-4BBE-8CD4-487ABA3BCF98}" type="parTrans" cxnId="{1F5178DD-C170-49C0-ACEE-E5C8C14136A3}">
+      <dgm:prSet/>
+      <dgm:spPr/>
+      <dgm:t>
+        <a:bodyPr/>
+        <a:lstStyle/>
+        <a:p>
+          <a:endParaRPr lang="en-US"/>
+        </a:p>
+      </dgm:t>
+    </dgm:pt>
+    <dgm:pt modelId="{A94F99BB-37E6-4D07-9DA2-0EAD019E0B72}" type="sibTrans" cxnId="{1F5178DD-C170-49C0-ACEE-E5C8C14136A3}">
+      <dgm:prSet/>
+      <dgm:spPr/>
+      <dgm:t>
+        <a:bodyPr/>
+        <a:lstStyle/>
+        <a:p>
+          <a:endParaRPr lang="en-US"/>
+        </a:p>
+      </dgm:t>
+    </dgm:pt>
+    <dgm:pt modelId="{467438F1-472E-412E-AA8E-3020146D6928}" type="pres">
+      <dgm:prSet presAssocID="{69A5830F-950B-4EE0-B95A-6BC39E19D09B}" presName="linear" presStyleCnt="0">
+        <dgm:presLayoutVars>
+          <dgm:animLvl val="lvl"/>
+          <dgm:resizeHandles val="exact"/>
+        </dgm:presLayoutVars>
+      </dgm:prSet>
+      <dgm:spPr/>
+    </dgm:pt>
+    <dgm:pt modelId="{9D2D539F-D676-4E38-816F-9BF3428F22B3}" type="pres">
+      <dgm:prSet presAssocID="{46CE99BB-4D40-4CC2-840E-E5633B703ACE}" presName="parentText" presStyleLbl="node1" presStyleIdx="0" presStyleCnt="9">
+        <dgm:presLayoutVars>
+          <dgm:chMax val="0"/>
+          <dgm:bulletEnabled val="1"/>
+        </dgm:presLayoutVars>
+      </dgm:prSet>
+      <dgm:spPr/>
+    </dgm:pt>
+    <dgm:pt modelId="{006C531E-2D4F-4166-8E02-7A6B0EBBAA44}" type="pres">
+      <dgm:prSet presAssocID="{9960CE9D-C1F2-4301-A651-D904574873FF}" presName="spacer" presStyleCnt="0"/>
+      <dgm:spPr/>
+    </dgm:pt>
+    <dgm:pt modelId="{82B07B4C-99F1-4CFA-9E23-BAC26E700E54}" type="pres">
+      <dgm:prSet presAssocID="{A73ADB62-89E0-466C-8841-96DAB30AC599}" presName="parentText" presStyleLbl="node1" presStyleIdx="1" presStyleCnt="9">
+        <dgm:presLayoutVars>
+          <dgm:chMax val="0"/>
+          <dgm:bulletEnabled val="1"/>
+        </dgm:presLayoutVars>
+      </dgm:prSet>
+      <dgm:spPr/>
+    </dgm:pt>
+    <dgm:pt modelId="{C5F0BB6A-181C-46C1-A7E9-578BB639B67B}" type="pres">
+      <dgm:prSet presAssocID="{A3074128-442C-4C00-997F-6F1C2BA3FB86}" presName="spacer" presStyleCnt="0"/>
+      <dgm:spPr/>
+    </dgm:pt>
+    <dgm:pt modelId="{F73BC797-876D-409C-8FC6-62888D2DD214}" type="pres">
+      <dgm:prSet presAssocID="{BCA8EDED-1AF6-48EB-A764-D9C2918085CA}" presName="parentText" presStyleLbl="node1" presStyleIdx="2" presStyleCnt="9">
+        <dgm:presLayoutVars>
+          <dgm:chMax val="0"/>
+          <dgm:bulletEnabled val="1"/>
+        </dgm:presLayoutVars>
+      </dgm:prSet>
+      <dgm:spPr/>
+    </dgm:pt>
+    <dgm:pt modelId="{AC03C605-E997-4DBC-B466-761F0FEE8A40}" type="pres">
+      <dgm:prSet presAssocID="{CA24EA4D-24F2-45AE-93B3-129DFEF445B4}" presName="spacer" presStyleCnt="0"/>
+      <dgm:spPr/>
+    </dgm:pt>
+    <dgm:pt modelId="{25795117-9BAA-4080-B0C6-0B041D7F7BC6}" type="pres">
+      <dgm:prSet presAssocID="{75264846-99F6-4EB3-97BE-7A3D54F1A620}" presName="parentText" presStyleLbl="node1" presStyleIdx="3" presStyleCnt="9">
+        <dgm:presLayoutVars>
+          <dgm:chMax val="0"/>
+          <dgm:bulletEnabled val="1"/>
+        </dgm:presLayoutVars>
+      </dgm:prSet>
+      <dgm:spPr/>
+    </dgm:pt>
+    <dgm:pt modelId="{6BEBE883-2EA9-4296-8971-F4916A288DE3}" type="pres">
+      <dgm:prSet presAssocID="{669BCD41-0926-4E3F-878C-19C921C3129D}" presName="spacer" presStyleCnt="0"/>
+      <dgm:spPr/>
+    </dgm:pt>
+    <dgm:pt modelId="{D0EBB515-5187-46D1-A5A6-7650CACD847D}" type="pres">
+      <dgm:prSet presAssocID="{C7F25D98-D8D8-4424-B135-50685C3BA779}" presName="parentText" presStyleLbl="node1" presStyleIdx="4" presStyleCnt="9">
+        <dgm:presLayoutVars>
+          <dgm:chMax val="0"/>
+          <dgm:bulletEnabled val="1"/>
+        </dgm:presLayoutVars>
+      </dgm:prSet>
+      <dgm:spPr/>
+    </dgm:pt>
+    <dgm:pt modelId="{03B586C6-3E6A-4B4F-964A-3B34E83B1733}" type="pres">
+      <dgm:prSet presAssocID="{58EE8DFD-D8DD-432E-8DE3-F66571DE6500}" presName="spacer" presStyleCnt="0"/>
+      <dgm:spPr/>
+    </dgm:pt>
+    <dgm:pt modelId="{0120C48B-6682-41DA-8993-3543F4714B9A}" type="pres">
+      <dgm:prSet presAssocID="{CBE7D38E-0A09-49DA-A3D4-CDCCA9D73074}" presName="parentText" presStyleLbl="node1" presStyleIdx="5" presStyleCnt="9">
+        <dgm:presLayoutVars>
+          <dgm:chMax val="0"/>
+          <dgm:bulletEnabled val="1"/>
+        </dgm:presLayoutVars>
+      </dgm:prSet>
+      <dgm:spPr/>
+    </dgm:pt>
+    <dgm:pt modelId="{B9449D15-706D-42D8-A23E-F388EA33D343}" type="pres">
+      <dgm:prSet presAssocID="{6B46CCE2-AEED-49FF-BB43-A7CEECAB7715}" presName="spacer" presStyleCnt="0"/>
+      <dgm:spPr/>
+    </dgm:pt>
+    <dgm:pt modelId="{0A07C227-C95F-449A-B244-57560B5EA023}" type="pres">
+      <dgm:prSet presAssocID="{3730625E-7281-49BF-8466-ECBD11B85971}" presName="parentText" presStyleLbl="node1" presStyleIdx="6" presStyleCnt="9">
+        <dgm:presLayoutVars>
+          <dgm:chMax val="0"/>
+          <dgm:bulletEnabled val="1"/>
+        </dgm:presLayoutVars>
+      </dgm:prSet>
+      <dgm:spPr/>
+    </dgm:pt>
+    <dgm:pt modelId="{DCD66F7A-7270-43C6-821D-6B2E49376497}" type="pres">
+      <dgm:prSet presAssocID="{51EF58DD-CB77-486E-922E-8554265A668D}" presName="spacer" presStyleCnt="0"/>
+      <dgm:spPr/>
+    </dgm:pt>
+    <dgm:pt modelId="{D7DAB37A-1E76-4A59-A083-8F4A31606EA3}" type="pres">
+      <dgm:prSet presAssocID="{99F007A1-86AB-41C2-9D4F-D08AA7D51518}" presName="parentText" presStyleLbl="node1" presStyleIdx="7" presStyleCnt="9">
+        <dgm:presLayoutVars>
+          <dgm:chMax val="0"/>
+          <dgm:bulletEnabled val="1"/>
+        </dgm:presLayoutVars>
+      </dgm:prSet>
+      <dgm:spPr/>
+    </dgm:pt>
+    <dgm:pt modelId="{B51AF71A-EF96-4444-AA61-6850FFCDD35C}" type="pres">
+      <dgm:prSet presAssocID="{603D5E08-89A6-44C3-AF99-278D3B079B87}" presName="spacer" presStyleCnt="0"/>
+      <dgm:spPr/>
+    </dgm:pt>
+    <dgm:pt modelId="{6D7D9BBE-85F9-4A4B-A68C-E833057CF159}" type="pres">
+      <dgm:prSet presAssocID="{054EAD58-109C-47DD-9F1B-FA889F331C48}" presName="parentText" presStyleLbl="node1" presStyleIdx="8" presStyleCnt="9">
+        <dgm:presLayoutVars>
+          <dgm:chMax val="0"/>
+          <dgm:bulletEnabled val="1"/>
+        </dgm:presLayoutVars>
+      </dgm:prSet>
+      <dgm:spPr/>
+    </dgm:pt>
+  </dgm:ptLst>
+  <dgm:cxnLst>
+    <dgm:cxn modelId="{0569D307-9803-489B-B2FD-95406EEE9363}" srcId="{69A5830F-950B-4EE0-B95A-6BC39E19D09B}" destId="{BCA8EDED-1AF6-48EB-A764-D9C2918085CA}" srcOrd="2" destOrd="0" parTransId="{627388F7-5541-4BF0-8507-616BF94B8A55}" sibTransId="{CA24EA4D-24F2-45AE-93B3-129DFEF445B4}"/>
+    <dgm:cxn modelId="{EF23080E-D3CA-451F-9FF2-BFA45A1DC227}" srcId="{69A5830F-950B-4EE0-B95A-6BC39E19D09B}" destId="{C7F25D98-D8D8-4424-B135-50685C3BA779}" srcOrd="4" destOrd="0" parTransId="{6A689809-4297-4CCF-ACAE-082FB88034CA}" sibTransId="{58EE8DFD-D8DD-432E-8DE3-F66571DE6500}"/>
+    <dgm:cxn modelId="{B6BFE828-1964-47CC-A044-F0A64A6EF0BE}" type="presOf" srcId="{C7F25D98-D8D8-4424-B135-50685C3BA779}" destId="{D0EBB515-5187-46D1-A5A6-7650CACD847D}" srcOrd="0" destOrd="0" presId="urn:microsoft.com/office/officeart/2005/8/layout/vList2"/>
+    <dgm:cxn modelId="{BE2A2938-695F-4949-B855-20DC32498D94}" type="presOf" srcId="{3730625E-7281-49BF-8466-ECBD11B85971}" destId="{0A07C227-C95F-449A-B244-57560B5EA023}" srcOrd="0" destOrd="0" presId="urn:microsoft.com/office/officeart/2005/8/layout/vList2"/>
+    <dgm:cxn modelId="{98542444-4C39-49A3-BD0E-9266A14E9A7E}" srcId="{69A5830F-950B-4EE0-B95A-6BC39E19D09B}" destId="{99F007A1-86AB-41C2-9D4F-D08AA7D51518}" srcOrd="7" destOrd="0" parTransId="{B26FACC3-6541-4E0D-8592-76EE291D1481}" sibTransId="{603D5E08-89A6-44C3-AF99-278D3B079B87}"/>
+    <dgm:cxn modelId="{63101845-2FD8-4BB4-8C50-5C88A7418229}" type="presOf" srcId="{CBE7D38E-0A09-49DA-A3D4-CDCCA9D73074}" destId="{0120C48B-6682-41DA-8993-3543F4714B9A}" srcOrd="0" destOrd="0" presId="urn:microsoft.com/office/officeart/2005/8/layout/vList2"/>
+    <dgm:cxn modelId="{9641E745-21B5-42D7-A5B3-DA6972687630}" srcId="{69A5830F-950B-4EE0-B95A-6BC39E19D09B}" destId="{A73ADB62-89E0-466C-8841-96DAB30AC599}" srcOrd="1" destOrd="0" parTransId="{42B35849-9F23-4D87-976D-BE9A8D2F524D}" sibTransId="{A3074128-442C-4C00-997F-6F1C2BA3FB86}"/>
+    <dgm:cxn modelId="{3E2BCE6E-F7B3-4B0A-A1EB-14F3D0B91D92}" type="presOf" srcId="{054EAD58-109C-47DD-9F1B-FA889F331C48}" destId="{6D7D9BBE-85F9-4A4B-A68C-E833057CF159}" srcOrd="0" destOrd="0" presId="urn:microsoft.com/office/officeart/2005/8/layout/vList2"/>
+    <dgm:cxn modelId="{F71A2770-179A-45C1-B8DD-E47215821AED}" srcId="{69A5830F-950B-4EE0-B95A-6BC39E19D09B}" destId="{75264846-99F6-4EB3-97BE-7A3D54F1A620}" srcOrd="3" destOrd="0" parTransId="{ABC76573-D23B-45D4-8128-97E0FA3BF05C}" sibTransId="{669BCD41-0926-4E3F-878C-19C921C3129D}"/>
+    <dgm:cxn modelId="{D1B50E71-E52B-498A-85EF-4703237137CB}" type="presOf" srcId="{69A5830F-950B-4EE0-B95A-6BC39E19D09B}" destId="{467438F1-472E-412E-AA8E-3020146D6928}" srcOrd="0" destOrd="0" presId="urn:microsoft.com/office/officeart/2005/8/layout/vList2"/>
+    <dgm:cxn modelId="{4EA2137A-D15A-402C-861E-8E567CD2C6EB}" srcId="{69A5830F-950B-4EE0-B95A-6BC39E19D09B}" destId="{CBE7D38E-0A09-49DA-A3D4-CDCCA9D73074}" srcOrd="5" destOrd="0" parTransId="{31996A8C-6965-4758-905A-B87551873291}" sibTransId="{6B46CCE2-AEED-49FF-BB43-A7CEECAB7715}"/>
+    <dgm:cxn modelId="{753D7287-3C15-4F1B-B3A2-493ECE48F5FC}" type="presOf" srcId="{46CE99BB-4D40-4CC2-840E-E5633B703ACE}" destId="{9D2D539F-D676-4E38-816F-9BF3428F22B3}" srcOrd="0" destOrd="0" presId="urn:microsoft.com/office/officeart/2005/8/layout/vList2"/>
+    <dgm:cxn modelId="{80D08196-E878-465B-969A-F729BB73BAEA}" type="presOf" srcId="{99F007A1-86AB-41C2-9D4F-D08AA7D51518}" destId="{D7DAB37A-1E76-4A59-A083-8F4A31606EA3}" srcOrd="0" destOrd="0" presId="urn:microsoft.com/office/officeart/2005/8/layout/vList2"/>
+    <dgm:cxn modelId="{8C977498-FE5C-4A57-B016-D86F48275FDA}" type="presOf" srcId="{BCA8EDED-1AF6-48EB-A764-D9C2918085CA}" destId="{F73BC797-876D-409C-8FC6-62888D2DD214}" srcOrd="0" destOrd="0" presId="urn:microsoft.com/office/officeart/2005/8/layout/vList2"/>
+    <dgm:cxn modelId="{7F571ADA-2867-4D7C-BE13-246A912830A5}" srcId="{69A5830F-950B-4EE0-B95A-6BC39E19D09B}" destId="{46CE99BB-4D40-4CC2-840E-E5633B703ACE}" srcOrd="0" destOrd="0" parTransId="{3FC00176-E863-4461-8EEB-229B1F677126}" sibTransId="{9960CE9D-C1F2-4301-A651-D904574873FF}"/>
+    <dgm:cxn modelId="{1F5178DD-C170-49C0-ACEE-E5C8C14136A3}" srcId="{69A5830F-950B-4EE0-B95A-6BC39E19D09B}" destId="{054EAD58-109C-47DD-9F1B-FA889F331C48}" srcOrd="8" destOrd="0" parTransId="{D4396C94-EB6D-4BBE-8CD4-487ABA3BCF98}" sibTransId="{A94F99BB-37E6-4D07-9DA2-0EAD019E0B72}"/>
+    <dgm:cxn modelId="{3D9817F1-F0DC-4831-AE59-68D49952340A}" type="presOf" srcId="{75264846-99F6-4EB3-97BE-7A3D54F1A620}" destId="{25795117-9BAA-4080-B0C6-0B041D7F7BC6}" srcOrd="0" destOrd="0" presId="urn:microsoft.com/office/officeart/2005/8/layout/vList2"/>
+    <dgm:cxn modelId="{36B5BFF3-D4C9-4C42-8FCC-2B399DACAE0D}" srcId="{69A5830F-950B-4EE0-B95A-6BC39E19D09B}" destId="{3730625E-7281-49BF-8466-ECBD11B85971}" srcOrd="6" destOrd="0" parTransId="{B5E8A52E-A5DD-4E21-A466-924B3428BAAA}" sibTransId="{51EF58DD-CB77-486E-922E-8554265A668D}"/>
+    <dgm:cxn modelId="{779A9FFD-90ED-46FB-BC3C-30C106BC13EF}" type="presOf" srcId="{A73ADB62-89E0-466C-8841-96DAB30AC599}" destId="{82B07B4C-99F1-4CFA-9E23-BAC26E700E54}" srcOrd="0" destOrd="0" presId="urn:microsoft.com/office/officeart/2005/8/layout/vList2"/>
+    <dgm:cxn modelId="{1888E7B1-C5B0-42E3-96C9-75DC89FC5230}" type="presParOf" srcId="{467438F1-472E-412E-AA8E-3020146D6928}" destId="{9D2D539F-D676-4E38-816F-9BF3428F22B3}" srcOrd="0" destOrd="0" presId="urn:microsoft.com/office/officeart/2005/8/layout/vList2"/>
+    <dgm:cxn modelId="{F92760D6-539F-41E8-A929-83E88C42BAAC}" type="presParOf" srcId="{467438F1-472E-412E-AA8E-3020146D6928}" destId="{006C531E-2D4F-4166-8E02-7A6B0EBBAA44}" srcOrd="1" destOrd="0" presId="urn:microsoft.com/office/officeart/2005/8/layout/vList2"/>
+    <dgm:cxn modelId="{7094ADA3-7C7B-4BE9-9B1C-F620CA198A06}" type="presParOf" srcId="{467438F1-472E-412E-AA8E-3020146D6928}" destId="{82B07B4C-99F1-4CFA-9E23-BAC26E700E54}" srcOrd="2" destOrd="0" presId="urn:microsoft.com/office/officeart/2005/8/layout/vList2"/>
+    <dgm:cxn modelId="{EA877E97-A8E0-4781-835B-66A09DA69803}" type="presParOf" srcId="{467438F1-472E-412E-AA8E-3020146D6928}" destId="{C5F0BB6A-181C-46C1-A7E9-578BB639B67B}" srcOrd="3" destOrd="0" presId="urn:microsoft.com/office/officeart/2005/8/layout/vList2"/>
+    <dgm:cxn modelId="{8A430035-37FB-4DF9-8DA1-9E94B6F5C398}" type="presParOf" srcId="{467438F1-472E-412E-AA8E-3020146D6928}" destId="{F73BC797-876D-409C-8FC6-62888D2DD214}" srcOrd="4" destOrd="0" presId="urn:microsoft.com/office/officeart/2005/8/layout/vList2"/>
+    <dgm:cxn modelId="{EAEDE253-E3A7-485C-B290-E19B398BD47C}" type="presParOf" srcId="{467438F1-472E-412E-AA8E-3020146D6928}" destId="{AC03C605-E997-4DBC-B466-761F0FEE8A40}" srcOrd="5" destOrd="0" presId="urn:microsoft.com/office/officeart/2005/8/layout/vList2"/>
+    <dgm:cxn modelId="{C7A62997-F290-4072-9D41-B22F3170054C}" type="presParOf" srcId="{467438F1-472E-412E-AA8E-3020146D6928}" destId="{25795117-9BAA-4080-B0C6-0B041D7F7BC6}" srcOrd="6" destOrd="0" presId="urn:microsoft.com/office/officeart/2005/8/layout/vList2"/>
+    <dgm:cxn modelId="{8FAA62D9-A618-4BA4-BD04-B28CAE15C1AE}" type="presParOf" srcId="{467438F1-472E-412E-AA8E-3020146D6928}" destId="{6BEBE883-2EA9-4296-8971-F4916A288DE3}" srcOrd="7" destOrd="0" presId="urn:microsoft.com/office/officeart/2005/8/layout/vList2"/>
+    <dgm:cxn modelId="{BC041307-DBB1-46AF-A44B-AA9864E02332}" type="presParOf" srcId="{467438F1-472E-412E-AA8E-3020146D6928}" destId="{D0EBB515-5187-46D1-A5A6-7650CACD847D}" srcOrd="8" destOrd="0" presId="urn:microsoft.com/office/officeart/2005/8/layout/vList2"/>
+    <dgm:cxn modelId="{FB86049F-0408-4A6E-9EAE-7D4E321CA53B}" type="presParOf" srcId="{467438F1-472E-412E-AA8E-3020146D6928}" destId="{03B586C6-3E6A-4B4F-964A-3B34E83B1733}" srcOrd="9" destOrd="0" presId="urn:microsoft.com/office/officeart/2005/8/layout/vList2"/>
+    <dgm:cxn modelId="{2F92DE1C-9DEA-491B-9809-E4C67F20DD36}" type="presParOf" srcId="{467438F1-472E-412E-AA8E-3020146D6928}" destId="{0120C48B-6682-41DA-8993-3543F4714B9A}" srcOrd="10" destOrd="0" presId="urn:microsoft.com/office/officeart/2005/8/layout/vList2"/>
+    <dgm:cxn modelId="{B6762171-00DC-4900-A04B-BD06AC764908}" type="presParOf" srcId="{467438F1-472E-412E-AA8E-3020146D6928}" destId="{B9449D15-706D-42D8-A23E-F388EA33D343}" srcOrd="11" destOrd="0" presId="urn:microsoft.com/office/officeart/2005/8/layout/vList2"/>
+    <dgm:cxn modelId="{6DB45473-3AEF-4424-9182-8D1BA02FC314}" type="presParOf" srcId="{467438F1-472E-412E-AA8E-3020146D6928}" destId="{0A07C227-C95F-449A-B244-57560B5EA023}" srcOrd="12" destOrd="0" presId="urn:microsoft.com/office/officeart/2005/8/layout/vList2"/>
+    <dgm:cxn modelId="{A209C72D-E259-400C-8FBA-853E0E195012}" type="presParOf" srcId="{467438F1-472E-412E-AA8E-3020146D6928}" destId="{DCD66F7A-7270-43C6-821D-6B2E49376497}" srcOrd="13" destOrd="0" presId="urn:microsoft.com/office/officeart/2005/8/layout/vList2"/>
+    <dgm:cxn modelId="{7E051095-BC64-4082-B0C9-1ED5186FB70F}" type="presParOf" srcId="{467438F1-472E-412E-AA8E-3020146D6928}" destId="{D7DAB37A-1E76-4A59-A083-8F4A31606EA3}" srcOrd="14" destOrd="0" presId="urn:microsoft.com/office/officeart/2005/8/layout/vList2"/>
+    <dgm:cxn modelId="{4F184316-C57A-49B6-9CA1-426BE9360C22}" type="presParOf" srcId="{467438F1-472E-412E-AA8E-3020146D6928}" destId="{B51AF71A-EF96-4444-AA61-6850FFCDD35C}" srcOrd="15" destOrd="0" presId="urn:microsoft.com/office/officeart/2005/8/layout/vList2"/>
+    <dgm:cxn modelId="{A3D0AD37-CEF6-446B-AF0F-FD7499017F73}" type="presParOf" srcId="{467438F1-472E-412E-AA8E-3020146D6928}" destId="{6D7D9BBE-85F9-4A4B-A68C-E833057CF159}" srcOrd="16" destOrd="0" presId="urn:microsoft.com/office/officeart/2005/8/layout/vList2"/>
+  </dgm:cxnLst>
+  <dgm:bg/>
+  <dgm:whole/>
+  <dgm:extLst>
+    <a:ext uri="http://schemas.microsoft.com/office/drawing/2008/diagram">
+      <dsp:dataModelExt xmlns:dsp="http://schemas.microsoft.com/office/drawing/2008/diagram" relId="rId6" minVer="http://schemas.openxmlformats.org/drawingml/2006/diagram"/>
+    </a:ext>
+  </dgm:extLst>
+</dgm:dataModel>
+</file>
+
+<file path=ppt/diagrams/data2.xml><?xml version="1.0" encoding="utf-8"?>
+<dgm:dataModel xmlns:dgm="http://schemas.openxmlformats.org/drawingml/2006/diagram" xmlns:a="http://schemas.openxmlformats.org/drawingml/2006/main">
+  <dgm:ptLst>
     <dgm:pt modelId="{81EC7670-2000-43A0-A4F6-3BA398734FB0}" type="doc">
-      <dgm:prSet loTypeId="urn:microsoft.com/office/officeart/2008/layout/LinedList" loCatId="list" qsTypeId="urn:microsoft.com/office/officeart/2005/8/quickstyle/simple5" qsCatId="simple" csTypeId="urn:microsoft.com/office/officeart/2005/8/colors/colorful5" csCatId="colorful"/>
+      <dgm:prSet loTypeId="urn:microsoft.com/office/officeart/2008/layout/LinedList" loCatId="list" qsTypeId="urn:microsoft.com/office/officeart/2005/8/quickstyle/simple5" qsCatId="simple" csTypeId="urn:microsoft.com/office/officeart/2005/8/colors/colorful5" csCatId="colorful" phldr="1"/>
       <dgm:spPr/>
       <dgm:t>
         <a:bodyPr/>
@@ -2758,10 +4029,10 @@
         <a:lstStyle/>
         <a:p>
           <a:r>
-            <a:rPr lang="en-US" i="0"/>
-            <a:t>Click on the input field and type in a number you wish to convert. Select which conversion you want to do by clicking on the dropdown menu just below the text input field and choose between either Celsius to Fahrenheit, Fahrenheit to Celsius, Kelvin to Fahrenheit, Fahrenheit to Kelvin, Celsius to Kelvin, or Kelvin to Celsius. The resulting conversion will appear in the output field below the buttons.</a:t>
+            <a:rPr lang="en-US" i="0" dirty="0"/>
+            <a:t>Click on the input field and type in a number (temperature) you wish to convert. Select which conversion you want to do by clicking on the dropdown menu just below the text input field and choose between either Celsius to Fahrenheit, Fahrenheit to Celsius, Kelvin to Fahrenheit, Fahrenheit to Kelvin, Celsius to Kelvin, or Kelvin to Celsius. The resulting conversion will appear in the output field below the buttons.</a:t>
           </a:r>
-          <a:endParaRPr lang="en-US"/>
+          <a:endParaRPr lang="en-US" dirty="0"/>
         </a:p>
       </dgm:t>
     </dgm:pt>
@@ -2796,7 +4067,7 @@
         <a:p>
           <a:r>
             <a:rPr lang="en-US" i="0" dirty="0"/>
-            <a:t>A bar is shown at the bottom on the screen that indicates how close your number was to either the freezing point or the boiling point for the respective degree unit. For example, 32 F will show up as 0% on the bar because 32 F is freezing point; 212 F will show as 100% on the bar because 212 F is the boiling point. Additionally, 0 C will show as freezing and 100 C will show as boiling.</a:t>
+            <a:t>A bar is shown at the bottom on the screen that indicates how close your number (temperature) was to either the freezing point or the boiling point for the respective degree unit. For example, 32 F will show up as 0% on the bar because 32 F is freezing point; 212 F will show as 100% on the bar because 212 F is the boiling point. Additionally, 0 C will show as freezing and 100 C will show as boiling.</a:t>
           </a:r>
           <a:endParaRPr lang="en-US" dirty="0"/>
         </a:p>
@@ -2892,7 +4163,7 @@
 </dgm:dataModel>
 </file>
 
-<file path=ppt/diagrams/data2.xml><?xml version="1.0" encoding="utf-8"?>
+<file path=ppt/diagrams/data3.xml><?xml version="1.0" encoding="utf-8"?>
 <dgm:dataModel xmlns:dgm="http://schemas.openxmlformats.org/drawingml/2006/diagram" xmlns:a="http://schemas.openxmlformats.org/drawingml/2006/main">
   <dgm:ptLst>
     <dgm:pt modelId="{D9969FAA-1869-408D-B5FB-EA8DFB00795D}" type="doc">
@@ -2914,7 +4185,7 @@
         <a:lstStyle/>
         <a:p>
           <a:r>
-            <a:rPr lang="en-US"/>
+            <a:rPr lang="en-US" dirty="0"/>
             <a:t>Input 373.15 and convert from Kelvin to Fahrenheit result will be 212.0</a:t>
           </a:r>
         </a:p>
@@ -2950,12 +4221,8 @@
         <a:lstStyle/>
         <a:p>
           <a:r>
-            <a:rPr lang="en-US" dirty="0" err="1"/>
-            <a:t>Progres</a:t>
-          </a:r>
-          <a:r>
             <a:rPr lang="en-US" dirty="0"/>
-            <a:t> bar will be empty, and background will change to blue.</a:t>
+            <a:t>Progress bar will be empty, and background will change to blue.</a:t>
           </a:r>
         </a:p>
       </dgm:t>
@@ -2990,7 +4257,7 @@
         <a:lstStyle/>
         <a:p>
           <a:r>
-            <a:rPr lang="en-US"/>
+            <a:rPr lang="en-US" dirty="0"/>
             <a:t>Input 273.15 and convert from Kelvin to Fahrenheit; result will be 32.0</a:t>
           </a:r>
         </a:p>
@@ -3062,7 +4329,7 @@
         <a:lstStyle/>
         <a:p>
           <a:r>
-            <a:rPr lang="en-US"/>
+            <a:rPr lang="en-US" dirty="0"/>
             <a:t>Input 323.15 and convert from Kelvin to Fahrenheit; result will be 122.0</a:t>
           </a:r>
         </a:p>
@@ -3134,7 +4401,7 @@
         <a:lstStyle/>
         <a:p>
           <a:r>
-            <a:rPr lang="en-US"/>
+            <a:rPr lang="en-US" dirty="0"/>
             <a:t>Input -373.15 and convert from Kelvin to Fahrenheit; result will be -1131.34.</a:t>
           </a:r>
         </a:p>
@@ -3352,7 +4619,7 @@
 </dgm:dataModel>
 </file>
 
-<file path=ppt/diagrams/data3.xml><?xml version="1.0" encoding="utf-8"?>
+<file path=ppt/diagrams/data4.xml><?xml version="1.0" encoding="utf-8"?>
 <dgm:dataModel xmlns:dgm="http://schemas.openxmlformats.org/drawingml/2006/diagram" xmlns:a="http://schemas.openxmlformats.org/drawingml/2006/main">
   <dgm:ptLst>
     <dgm:pt modelId="{A2D99FCC-A05F-40B2-B705-9882EF089A4E}" type="doc">
@@ -3374,7 +4641,7 @@
         <a:lstStyle/>
         <a:p>
           <a:r>
-            <a:rPr lang="en-US"/>
+            <a:rPr lang="en-US" dirty="0"/>
             <a:t>Input 212 and convert from Fahrenheit to Kelvin; result will be 373.15.</a:t>
           </a:r>
         </a:p>
@@ -3410,7 +4677,7 @@
         <a:lstStyle/>
         <a:p>
           <a:r>
-            <a:rPr lang="en-US"/>
+            <a:rPr lang="en-US" dirty="0"/>
             <a:t>Progress bar will be 100% full and background will change to red.</a:t>
           </a:r>
         </a:p>
@@ -3446,7 +4713,7 @@
         <a:lstStyle/>
         <a:p>
           <a:r>
-            <a:rPr lang="en-US"/>
+            <a:rPr lang="en-US" dirty="0"/>
             <a:t>Input 32 and convert from Fahrenheit to Kelvin; result will be 273.15.</a:t>
           </a:r>
         </a:p>
@@ -3482,7 +4749,7 @@
         <a:lstStyle/>
         <a:p>
           <a:r>
-            <a:rPr lang="en-US"/>
+            <a:rPr lang="en-US" dirty="0"/>
             <a:t>Progress bar will be empty, and background will change to blue.</a:t>
           </a:r>
         </a:p>
@@ -3518,7 +4785,7 @@
         <a:lstStyle/>
         <a:p>
           <a:r>
-            <a:rPr lang="en-US"/>
+            <a:rPr lang="en-US" dirty="0"/>
             <a:t>Input 122 and convert from Fahrenheit to Kelvin; result will be 323.15.</a:t>
           </a:r>
         </a:p>
@@ -3554,7 +4821,7 @@
         <a:lstStyle/>
         <a:p>
           <a:r>
-            <a:rPr lang="en-US"/>
+            <a:rPr lang="en-US" dirty="0"/>
             <a:t>Progress bar will be 50% full and background will change to green.</a:t>
           </a:r>
         </a:p>
@@ -3590,7 +4857,7 @@
         <a:lstStyle/>
         <a:p>
           <a:r>
-            <a:rPr lang="en-US"/>
+            <a:rPr lang="en-US" dirty="0"/>
             <a:t>Input -212.00 and convert from Fahrenheit to Kelvin result will be 137.594444444444443</a:t>
           </a:r>
         </a:p>
@@ -3626,7 +4893,7 @@
         <a:lstStyle/>
         <a:p>
           <a:r>
-            <a:rPr lang="en-US"/>
+            <a:rPr lang="en-US" dirty="0"/>
             <a:t>Progress bar will be empty, and background will change to blue.</a:t>
           </a:r>
         </a:p>
@@ -3816,6 +5083,729 @@
       <dsp:cNvGrpSpPr/>
     </dsp:nvGrpSpPr>
     <dsp:grpSpPr/>
+    <dsp:sp modelId="{9D2D539F-D676-4E38-816F-9BF3428F22B3}">
+      <dsp:nvSpPr>
+        <dsp:cNvPr id="0" name=""/>
+        <dsp:cNvSpPr/>
+      </dsp:nvSpPr>
+      <dsp:spPr>
+        <a:xfrm>
+          <a:off x="0" y="48201"/>
+          <a:ext cx="4461677" cy="595877"/>
+        </a:xfrm>
+        <a:prstGeom prst="roundRect">
+          <a:avLst/>
+        </a:prstGeom>
+        <a:solidFill>
+          <a:schemeClr val="accent1">
+            <a:hueOff val="0"/>
+            <a:satOff val="0"/>
+            <a:lumOff val="0"/>
+            <a:alphaOff val="0"/>
+          </a:schemeClr>
+        </a:solidFill>
+        <a:ln w="12700" cap="flat" cmpd="sng" algn="ctr">
+          <a:solidFill>
+            <a:schemeClr val="lt1">
+              <a:hueOff val="0"/>
+              <a:satOff val="0"/>
+              <a:lumOff val="0"/>
+              <a:alphaOff val="0"/>
+            </a:schemeClr>
+          </a:solidFill>
+          <a:prstDash val="solid"/>
+          <a:miter lim="800000"/>
+        </a:ln>
+        <a:effectLst/>
+      </dsp:spPr>
+      <dsp:style>
+        <a:lnRef idx="2">
+          <a:scrgbClr r="0" g="0" b="0"/>
+        </a:lnRef>
+        <a:fillRef idx="1">
+          <a:scrgbClr r="0" g="0" b="0"/>
+        </a:fillRef>
+        <a:effectRef idx="0">
+          <a:scrgbClr r="0" g="0" b="0"/>
+        </a:effectRef>
+        <a:fontRef idx="minor">
+          <a:schemeClr val="lt1"/>
+        </a:fontRef>
+      </dsp:style>
+      <dsp:txBody>
+        <a:bodyPr spcFirstLastPara="0" vert="horz" wrap="square" lIns="57150" tIns="57150" rIns="57150" bIns="57150" numCol="1" spcCol="1270" anchor="ctr" anchorCtr="0">
+          <a:noAutofit/>
+        </a:bodyPr>
+        <a:lstStyle/>
+        <a:p>
+          <a:pPr marL="0" lvl="0" indent="0" algn="l" defTabSz="666750">
+            <a:lnSpc>
+              <a:spcPct val="90000"/>
+            </a:lnSpc>
+            <a:spcBef>
+              <a:spcPct val="0"/>
+            </a:spcBef>
+            <a:spcAft>
+              <a:spcPct val="35000"/>
+            </a:spcAft>
+            <a:buNone/>
+          </a:pPr>
+          <a:r>
+            <a:rPr lang="en-US" sz="1500" b="0" i="0" kern="1200" dirty="0"/>
+            <a:t>Final Project description - What you built your code</a:t>
+          </a:r>
+          <a:endParaRPr lang="en-US" sz="1500" kern="1200" dirty="0"/>
+        </a:p>
+      </dsp:txBody>
+      <dsp:txXfrm>
+        <a:off x="29088" y="77289"/>
+        <a:ext cx="4403501" cy="537701"/>
+      </dsp:txXfrm>
+    </dsp:sp>
+    <dsp:sp modelId="{82B07B4C-99F1-4CFA-9E23-BAC26E700E54}">
+      <dsp:nvSpPr>
+        <dsp:cNvPr id="0" name=""/>
+        <dsp:cNvSpPr/>
+      </dsp:nvSpPr>
+      <dsp:spPr>
+        <a:xfrm>
+          <a:off x="0" y="687278"/>
+          <a:ext cx="4461677" cy="595877"/>
+        </a:xfrm>
+        <a:prstGeom prst="roundRect">
+          <a:avLst/>
+        </a:prstGeom>
+        <a:solidFill>
+          <a:schemeClr val="accent1">
+            <a:hueOff val="0"/>
+            <a:satOff val="0"/>
+            <a:lumOff val="0"/>
+            <a:alphaOff val="0"/>
+          </a:schemeClr>
+        </a:solidFill>
+        <a:ln w="12700" cap="flat" cmpd="sng" algn="ctr">
+          <a:solidFill>
+            <a:schemeClr val="lt1">
+              <a:hueOff val="0"/>
+              <a:satOff val="0"/>
+              <a:lumOff val="0"/>
+              <a:alphaOff val="0"/>
+            </a:schemeClr>
+          </a:solidFill>
+          <a:prstDash val="solid"/>
+          <a:miter lim="800000"/>
+        </a:ln>
+        <a:effectLst/>
+      </dsp:spPr>
+      <dsp:style>
+        <a:lnRef idx="2">
+          <a:scrgbClr r="0" g="0" b="0"/>
+        </a:lnRef>
+        <a:fillRef idx="1">
+          <a:scrgbClr r="0" g="0" b="0"/>
+        </a:fillRef>
+        <a:effectRef idx="0">
+          <a:scrgbClr r="0" g="0" b="0"/>
+        </a:effectRef>
+        <a:fontRef idx="minor">
+          <a:schemeClr val="lt1"/>
+        </a:fontRef>
+      </dsp:style>
+      <dsp:txBody>
+        <a:bodyPr spcFirstLastPara="0" vert="horz" wrap="square" lIns="57150" tIns="57150" rIns="57150" bIns="57150" numCol="1" spcCol="1270" anchor="ctr" anchorCtr="0">
+          <a:noAutofit/>
+        </a:bodyPr>
+        <a:lstStyle/>
+        <a:p>
+          <a:pPr marL="0" lvl="0" indent="0" algn="l" defTabSz="666750">
+            <a:lnSpc>
+              <a:spcPct val="90000"/>
+            </a:lnSpc>
+            <a:spcBef>
+              <a:spcPct val="0"/>
+            </a:spcBef>
+            <a:spcAft>
+              <a:spcPct val="35000"/>
+            </a:spcAft>
+            <a:buNone/>
+          </a:pPr>
+          <a:r>
+            <a:rPr lang="en-US" sz="1500" b="0" i="0" kern="1200" dirty="0"/>
+            <a:t>Completion level - Working 50%, 75%, or 100%, or not working</a:t>
+          </a:r>
+          <a:endParaRPr lang="en-US" sz="1500" kern="1200" dirty="0"/>
+        </a:p>
+      </dsp:txBody>
+      <dsp:txXfrm>
+        <a:off x="29088" y="716366"/>
+        <a:ext cx="4403501" cy="537701"/>
+      </dsp:txXfrm>
+    </dsp:sp>
+    <dsp:sp modelId="{F73BC797-876D-409C-8FC6-62888D2DD214}">
+      <dsp:nvSpPr>
+        <dsp:cNvPr id="0" name=""/>
+        <dsp:cNvSpPr/>
+      </dsp:nvSpPr>
+      <dsp:spPr>
+        <a:xfrm>
+          <a:off x="0" y="1326356"/>
+          <a:ext cx="4461677" cy="595877"/>
+        </a:xfrm>
+        <a:prstGeom prst="roundRect">
+          <a:avLst/>
+        </a:prstGeom>
+        <a:solidFill>
+          <a:schemeClr val="accent1">
+            <a:hueOff val="0"/>
+            <a:satOff val="0"/>
+            <a:lumOff val="0"/>
+            <a:alphaOff val="0"/>
+          </a:schemeClr>
+        </a:solidFill>
+        <a:ln w="12700" cap="flat" cmpd="sng" algn="ctr">
+          <a:solidFill>
+            <a:schemeClr val="lt1">
+              <a:hueOff val="0"/>
+              <a:satOff val="0"/>
+              <a:lumOff val="0"/>
+              <a:alphaOff val="0"/>
+            </a:schemeClr>
+          </a:solidFill>
+          <a:prstDash val="solid"/>
+          <a:miter lim="800000"/>
+        </a:ln>
+        <a:effectLst/>
+      </dsp:spPr>
+      <dsp:style>
+        <a:lnRef idx="2">
+          <a:scrgbClr r="0" g="0" b="0"/>
+        </a:lnRef>
+        <a:fillRef idx="1">
+          <a:scrgbClr r="0" g="0" b="0"/>
+        </a:fillRef>
+        <a:effectRef idx="0">
+          <a:scrgbClr r="0" g="0" b="0"/>
+        </a:effectRef>
+        <a:fontRef idx="minor">
+          <a:schemeClr val="lt1"/>
+        </a:fontRef>
+      </dsp:style>
+      <dsp:txBody>
+        <a:bodyPr spcFirstLastPara="0" vert="horz" wrap="square" lIns="57150" tIns="57150" rIns="57150" bIns="57150" numCol="1" spcCol="1270" anchor="ctr" anchorCtr="0">
+          <a:noAutofit/>
+        </a:bodyPr>
+        <a:lstStyle/>
+        <a:p>
+          <a:pPr marL="0" lvl="0" indent="0" algn="l" defTabSz="666750">
+            <a:lnSpc>
+              <a:spcPct val="90000"/>
+            </a:lnSpc>
+            <a:spcBef>
+              <a:spcPct val="0"/>
+            </a:spcBef>
+            <a:spcAft>
+              <a:spcPct val="35000"/>
+            </a:spcAft>
+            <a:buNone/>
+          </a:pPr>
+          <a:r>
+            <a:rPr lang="en-US" sz="1500" b="0" i="0" kern="1200" dirty="0"/>
+            <a:t>Demonstration or demonstration pictures (still or moving)</a:t>
+          </a:r>
+          <a:endParaRPr lang="en-US" sz="1500" kern="1200" dirty="0"/>
+        </a:p>
+      </dsp:txBody>
+      <dsp:txXfrm>
+        <a:off x="29088" y="1355444"/>
+        <a:ext cx="4403501" cy="537701"/>
+      </dsp:txXfrm>
+    </dsp:sp>
+    <dsp:sp modelId="{25795117-9BAA-4080-B0C6-0B041D7F7BC6}">
+      <dsp:nvSpPr>
+        <dsp:cNvPr id="0" name=""/>
+        <dsp:cNvSpPr/>
+      </dsp:nvSpPr>
+      <dsp:spPr>
+        <a:xfrm>
+          <a:off x="0" y="1965433"/>
+          <a:ext cx="4461677" cy="595877"/>
+        </a:xfrm>
+        <a:prstGeom prst="roundRect">
+          <a:avLst/>
+        </a:prstGeom>
+        <a:solidFill>
+          <a:schemeClr val="accent1">
+            <a:hueOff val="0"/>
+            <a:satOff val="0"/>
+            <a:lumOff val="0"/>
+            <a:alphaOff val="0"/>
+          </a:schemeClr>
+        </a:solidFill>
+        <a:ln w="12700" cap="flat" cmpd="sng" algn="ctr">
+          <a:solidFill>
+            <a:schemeClr val="lt1">
+              <a:hueOff val="0"/>
+              <a:satOff val="0"/>
+              <a:lumOff val="0"/>
+              <a:alphaOff val="0"/>
+            </a:schemeClr>
+          </a:solidFill>
+          <a:prstDash val="solid"/>
+          <a:miter lim="800000"/>
+        </a:ln>
+        <a:effectLst/>
+      </dsp:spPr>
+      <dsp:style>
+        <a:lnRef idx="2">
+          <a:scrgbClr r="0" g="0" b="0"/>
+        </a:lnRef>
+        <a:fillRef idx="1">
+          <a:scrgbClr r="0" g="0" b="0"/>
+        </a:fillRef>
+        <a:effectRef idx="0">
+          <a:scrgbClr r="0" g="0" b="0"/>
+        </a:effectRef>
+        <a:fontRef idx="minor">
+          <a:schemeClr val="lt1"/>
+        </a:fontRef>
+      </dsp:style>
+      <dsp:txBody>
+        <a:bodyPr spcFirstLastPara="0" vert="horz" wrap="square" lIns="57150" tIns="57150" rIns="57150" bIns="57150" numCol="1" spcCol="1270" anchor="ctr" anchorCtr="0">
+          <a:noAutofit/>
+        </a:bodyPr>
+        <a:lstStyle/>
+        <a:p>
+          <a:pPr marL="0" lvl="0" indent="0" algn="l" defTabSz="666750">
+            <a:lnSpc>
+              <a:spcPct val="90000"/>
+            </a:lnSpc>
+            <a:spcBef>
+              <a:spcPct val="0"/>
+            </a:spcBef>
+            <a:spcAft>
+              <a:spcPct val="35000"/>
+            </a:spcAft>
+            <a:buNone/>
+          </a:pPr>
+          <a:r>
+            <a:rPr lang="en-US" sz="1500" b="0" i="0" kern="1200" dirty="0"/>
+            <a:t>Software code structure - Organization of classes and objects</a:t>
+          </a:r>
+          <a:endParaRPr lang="en-US" sz="1500" kern="1200" dirty="0"/>
+        </a:p>
+      </dsp:txBody>
+      <dsp:txXfrm>
+        <a:off x="29088" y="1994521"/>
+        <a:ext cx="4403501" cy="537701"/>
+      </dsp:txXfrm>
+    </dsp:sp>
+    <dsp:sp modelId="{D0EBB515-5187-46D1-A5A6-7650CACD847D}">
+      <dsp:nvSpPr>
+        <dsp:cNvPr id="0" name=""/>
+        <dsp:cNvSpPr/>
+      </dsp:nvSpPr>
+      <dsp:spPr>
+        <a:xfrm>
+          <a:off x="0" y="2604510"/>
+          <a:ext cx="4461677" cy="595877"/>
+        </a:xfrm>
+        <a:prstGeom prst="roundRect">
+          <a:avLst/>
+        </a:prstGeom>
+        <a:solidFill>
+          <a:schemeClr val="accent1">
+            <a:hueOff val="0"/>
+            <a:satOff val="0"/>
+            <a:lumOff val="0"/>
+            <a:alphaOff val="0"/>
+          </a:schemeClr>
+        </a:solidFill>
+        <a:ln w="12700" cap="flat" cmpd="sng" algn="ctr">
+          <a:solidFill>
+            <a:schemeClr val="lt1">
+              <a:hueOff val="0"/>
+              <a:satOff val="0"/>
+              <a:lumOff val="0"/>
+              <a:alphaOff val="0"/>
+            </a:schemeClr>
+          </a:solidFill>
+          <a:prstDash val="solid"/>
+          <a:miter lim="800000"/>
+        </a:ln>
+        <a:effectLst/>
+      </dsp:spPr>
+      <dsp:style>
+        <a:lnRef idx="2">
+          <a:scrgbClr r="0" g="0" b="0"/>
+        </a:lnRef>
+        <a:fillRef idx="1">
+          <a:scrgbClr r="0" g="0" b="0"/>
+        </a:fillRef>
+        <a:effectRef idx="0">
+          <a:scrgbClr r="0" g="0" b="0"/>
+        </a:effectRef>
+        <a:fontRef idx="minor">
+          <a:schemeClr val="lt1"/>
+        </a:fontRef>
+      </dsp:style>
+      <dsp:txBody>
+        <a:bodyPr spcFirstLastPara="0" vert="horz" wrap="square" lIns="57150" tIns="57150" rIns="57150" bIns="57150" numCol="1" spcCol="1270" anchor="ctr" anchorCtr="0">
+          <a:noAutofit/>
+        </a:bodyPr>
+        <a:lstStyle/>
+        <a:p>
+          <a:pPr marL="0" lvl="0" indent="0" algn="l" defTabSz="666750">
+            <a:lnSpc>
+              <a:spcPct val="90000"/>
+            </a:lnSpc>
+            <a:spcBef>
+              <a:spcPct val="0"/>
+            </a:spcBef>
+            <a:spcAft>
+              <a:spcPct val="35000"/>
+            </a:spcAft>
+            <a:buNone/>
+          </a:pPr>
+          <a:r>
+            <a:rPr lang="en-US" sz="1500" b="0" i="0" kern="1200" dirty="0"/>
+            <a:t>The project complexity </a:t>
+          </a:r>
+          <a:endParaRPr lang="en-US" sz="1500" kern="1200" dirty="0"/>
+        </a:p>
+      </dsp:txBody>
+      <dsp:txXfrm>
+        <a:off x="29088" y="2633598"/>
+        <a:ext cx="4403501" cy="537701"/>
+      </dsp:txXfrm>
+    </dsp:sp>
+    <dsp:sp modelId="{0120C48B-6682-41DA-8993-3543F4714B9A}">
+      <dsp:nvSpPr>
+        <dsp:cNvPr id="0" name=""/>
+        <dsp:cNvSpPr/>
+      </dsp:nvSpPr>
+      <dsp:spPr>
+        <a:xfrm>
+          <a:off x="0" y="3243588"/>
+          <a:ext cx="4461677" cy="595877"/>
+        </a:xfrm>
+        <a:prstGeom prst="roundRect">
+          <a:avLst/>
+        </a:prstGeom>
+        <a:solidFill>
+          <a:schemeClr val="accent1">
+            <a:hueOff val="0"/>
+            <a:satOff val="0"/>
+            <a:lumOff val="0"/>
+            <a:alphaOff val="0"/>
+          </a:schemeClr>
+        </a:solidFill>
+        <a:ln w="12700" cap="flat" cmpd="sng" algn="ctr">
+          <a:solidFill>
+            <a:schemeClr val="lt1">
+              <a:hueOff val="0"/>
+              <a:satOff val="0"/>
+              <a:lumOff val="0"/>
+              <a:alphaOff val="0"/>
+            </a:schemeClr>
+          </a:solidFill>
+          <a:prstDash val="solid"/>
+          <a:miter lim="800000"/>
+        </a:ln>
+        <a:effectLst/>
+      </dsp:spPr>
+      <dsp:style>
+        <a:lnRef idx="2">
+          <a:scrgbClr r="0" g="0" b="0"/>
+        </a:lnRef>
+        <a:fillRef idx="1">
+          <a:scrgbClr r="0" g="0" b="0"/>
+        </a:fillRef>
+        <a:effectRef idx="0">
+          <a:scrgbClr r="0" g="0" b="0"/>
+        </a:effectRef>
+        <a:fontRef idx="minor">
+          <a:schemeClr val="lt1"/>
+        </a:fontRef>
+      </dsp:style>
+      <dsp:txBody>
+        <a:bodyPr spcFirstLastPara="0" vert="horz" wrap="square" lIns="57150" tIns="57150" rIns="57150" bIns="57150" numCol="1" spcCol="1270" anchor="ctr" anchorCtr="0">
+          <a:noAutofit/>
+        </a:bodyPr>
+        <a:lstStyle/>
+        <a:p>
+          <a:pPr marL="0" lvl="0" indent="0" algn="l" defTabSz="666750">
+            <a:lnSpc>
+              <a:spcPct val="90000"/>
+            </a:lnSpc>
+            <a:spcBef>
+              <a:spcPct val="0"/>
+            </a:spcBef>
+            <a:spcAft>
+              <a:spcPct val="35000"/>
+            </a:spcAft>
+            <a:buNone/>
+          </a:pPr>
+          <a:r>
+            <a:rPr lang="en-US" sz="1500" b="0" i="0" kern="1200" dirty="0"/>
+            <a:t>Use of design patterns if any</a:t>
+          </a:r>
+          <a:endParaRPr lang="en-US" sz="1500" kern="1200" dirty="0"/>
+        </a:p>
+      </dsp:txBody>
+      <dsp:txXfrm>
+        <a:off x="29088" y="3272676"/>
+        <a:ext cx="4403501" cy="537701"/>
+      </dsp:txXfrm>
+    </dsp:sp>
+    <dsp:sp modelId="{0A07C227-C95F-449A-B244-57560B5EA023}">
+      <dsp:nvSpPr>
+        <dsp:cNvPr id="0" name=""/>
+        <dsp:cNvSpPr/>
+      </dsp:nvSpPr>
+      <dsp:spPr>
+        <a:xfrm>
+          <a:off x="0" y="3882665"/>
+          <a:ext cx="4461677" cy="595877"/>
+        </a:xfrm>
+        <a:prstGeom prst="roundRect">
+          <a:avLst/>
+        </a:prstGeom>
+        <a:solidFill>
+          <a:schemeClr val="accent1">
+            <a:hueOff val="0"/>
+            <a:satOff val="0"/>
+            <a:lumOff val="0"/>
+            <a:alphaOff val="0"/>
+          </a:schemeClr>
+        </a:solidFill>
+        <a:ln w="12700" cap="flat" cmpd="sng" algn="ctr">
+          <a:solidFill>
+            <a:schemeClr val="lt1">
+              <a:hueOff val="0"/>
+              <a:satOff val="0"/>
+              <a:lumOff val="0"/>
+              <a:alphaOff val="0"/>
+            </a:schemeClr>
+          </a:solidFill>
+          <a:prstDash val="solid"/>
+          <a:miter lim="800000"/>
+        </a:ln>
+        <a:effectLst/>
+      </dsp:spPr>
+      <dsp:style>
+        <a:lnRef idx="2">
+          <a:scrgbClr r="0" g="0" b="0"/>
+        </a:lnRef>
+        <a:fillRef idx="1">
+          <a:scrgbClr r="0" g="0" b="0"/>
+        </a:fillRef>
+        <a:effectRef idx="0">
+          <a:scrgbClr r="0" g="0" b="0"/>
+        </a:effectRef>
+        <a:fontRef idx="minor">
+          <a:schemeClr val="lt1"/>
+        </a:fontRef>
+      </dsp:style>
+      <dsp:txBody>
+        <a:bodyPr spcFirstLastPara="0" vert="horz" wrap="square" lIns="57150" tIns="57150" rIns="57150" bIns="57150" numCol="1" spcCol="1270" anchor="ctr" anchorCtr="0">
+          <a:noAutofit/>
+        </a:bodyPr>
+        <a:lstStyle/>
+        <a:p>
+          <a:pPr marL="0" lvl="0" indent="0" algn="l" defTabSz="666750">
+            <a:lnSpc>
+              <a:spcPct val="90000"/>
+            </a:lnSpc>
+            <a:spcBef>
+              <a:spcPct val="0"/>
+            </a:spcBef>
+            <a:spcAft>
+              <a:spcPct val="35000"/>
+            </a:spcAft>
+            <a:buNone/>
+          </a:pPr>
+          <a:r>
+            <a:rPr lang="en-US" sz="1500" b="0" i="0" kern="1200" dirty="0"/>
+            <a:t>Software code testing - how you tested your code</a:t>
+          </a:r>
+          <a:endParaRPr lang="en-US" sz="1500" kern="1200" dirty="0"/>
+        </a:p>
+      </dsp:txBody>
+      <dsp:txXfrm>
+        <a:off x="29088" y="3911753"/>
+        <a:ext cx="4403501" cy="537701"/>
+      </dsp:txXfrm>
+    </dsp:sp>
+    <dsp:sp modelId="{D7DAB37A-1E76-4A59-A083-8F4A31606EA3}">
+      <dsp:nvSpPr>
+        <dsp:cNvPr id="0" name=""/>
+        <dsp:cNvSpPr/>
+      </dsp:nvSpPr>
+      <dsp:spPr>
+        <a:xfrm>
+          <a:off x="0" y="4521742"/>
+          <a:ext cx="4461677" cy="595877"/>
+        </a:xfrm>
+        <a:prstGeom prst="roundRect">
+          <a:avLst/>
+        </a:prstGeom>
+        <a:solidFill>
+          <a:schemeClr val="accent1">
+            <a:hueOff val="0"/>
+            <a:satOff val="0"/>
+            <a:lumOff val="0"/>
+            <a:alphaOff val="0"/>
+          </a:schemeClr>
+        </a:solidFill>
+        <a:ln w="12700" cap="flat" cmpd="sng" algn="ctr">
+          <a:solidFill>
+            <a:schemeClr val="lt1">
+              <a:hueOff val="0"/>
+              <a:satOff val="0"/>
+              <a:lumOff val="0"/>
+              <a:alphaOff val="0"/>
+            </a:schemeClr>
+          </a:solidFill>
+          <a:prstDash val="solid"/>
+          <a:miter lim="800000"/>
+        </a:ln>
+        <a:effectLst/>
+      </dsp:spPr>
+      <dsp:style>
+        <a:lnRef idx="2">
+          <a:scrgbClr r="0" g="0" b="0"/>
+        </a:lnRef>
+        <a:fillRef idx="1">
+          <a:scrgbClr r="0" g="0" b="0"/>
+        </a:fillRef>
+        <a:effectRef idx="0">
+          <a:scrgbClr r="0" g="0" b="0"/>
+        </a:effectRef>
+        <a:fontRef idx="minor">
+          <a:schemeClr val="lt1"/>
+        </a:fontRef>
+      </dsp:style>
+      <dsp:txBody>
+        <a:bodyPr spcFirstLastPara="0" vert="horz" wrap="square" lIns="57150" tIns="57150" rIns="57150" bIns="57150" numCol="1" spcCol="1270" anchor="ctr" anchorCtr="0">
+          <a:noAutofit/>
+        </a:bodyPr>
+        <a:lstStyle/>
+        <a:p>
+          <a:pPr marL="0" lvl="0" indent="0" algn="l" defTabSz="666750">
+            <a:lnSpc>
+              <a:spcPct val="90000"/>
+            </a:lnSpc>
+            <a:spcBef>
+              <a:spcPct val="0"/>
+            </a:spcBef>
+            <a:spcAft>
+              <a:spcPct val="35000"/>
+            </a:spcAft>
+            <a:buNone/>
+          </a:pPr>
+          <a:r>
+            <a:rPr lang="en-US" sz="1500" b="0" i="0" kern="1200" dirty="0"/>
+            <a:t>Challenges and/or the project complexity</a:t>
+          </a:r>
+          <a:endParaRPr lang="en-US" sz="1500" kern="1200" dirty="0"/>
+        </a:p>
+      </dsp:txBody>
+      <dsp:txXfrm>
+        <a:off x="29088" y="4550830"/>
+        <a:ext cx="4403501" cy="537701"/>
+      </dsp:txXfrm>
+    </dsp:sp>
+    <dsp:sp modelId="{6D7D9BBE-85F9-4A4B-A68C-E833057CF159}">
+      <dsp:nvSpPr>
+        <dsp:cNvPr id="0" name=""/>
+        <dsp:cNvSpPr/>
+      </dsp:nvSpPr>
+      <dsp:spPr>
+        <a:xfrm>
+          <a:off x="0" y="5160820"/>
+          <a:ext cx="4461677" cy="595877"/>
+        </a:xfrm>
+        <a:prstGeom prst="roundRect">
+          <a:avLst/>
+        </a:prstGeom>
+        <a:solidFill>
+          <a:schemeClr val="accent1">
+            <a:hueOff val="0"/>
+            <a:satOff val="0"/>
+            <a:lumOff val="0"/>
+            <a:alphaOff val="0"/>
+          </a:schemeClr>
+        </a:solidFill>
+        <a:ln w="12700" cap="flat" cmpd="sng" algn="ctr">
+          <a:solidFill>
+            <a:schemeClr val="lt1">
+              <a:hueOff val="0"/>
+              <a:satOff val="0"/>
+              <a:lumOff val="0"/>
+              <a:alphaOff val="0"/>
+            </a:schemeClr>
+          </a:solidFill>
+          <a:prstDash val="solid"/>
+          <a:miter lim="800000"/>
+        </a:ln>
+        <a:effectLst/>
+      </dsp:spPr>
+      <dsp:style>
+        <a:lnRef idx="2">
+          <a:scrgbClr r="0" g="0" b="0"/>
+        </a:lnRef>
+        <a:fillRef idx="1">
+          <a:scrgbClr r="0" g="0" b="0"/>
+        </a:fillRef>
+        <a:effectRef idx="0">
+          <a:scrgbClr r="0" g="0" b="0"/>
+        </a:effectRef>
+        <a:fontRef idx="minor">
+          <a:schemeClr val="lt1"/>
+        </a:fontRef>
+      </dsp:style>
+      <dsp:txBody>
+        <a:bodyPr spcFirstLastPara="0" vert="horz" wrap="square" lIns="57150" tIns="57150" rIns="57150" bIns="57150" numCol="1" spcCol="1270" anchor="ctr" anchorCtr="0">
+          <a:noAutofit/>
+        </a:bodyPr>
+        <a:lstStyle/>
+        <a:p>
+          <a:pPr marL="0" lvl="0" indent="0" algn="l" defTabSz="666750">
+            <a:lnSpc>
+              <a:spcPct val="90000"/>
+            </a:lnSpc>
+            <a:spcBef>
+              <a:spcPct val="0"/>
+            </a:spcBef>
+            <a:spcAft>
+              <a:spcPct val="35000"/>
+            </a:spcAft>
+            <a:buNone/>
+          </a:pPr>
+          <a:r>
+            <a:rPr lang="en-US" sz="1500" b="0" i="0" kern="1200" dirty="0"/>
+            <a:t>Individual contributions</a:t>
+          </a:r>
+          <a:endParaRPr lang="en-US" sz="1500" kern="1200" dirty="0"/>
+        </a:p>
+      </dsp:txBody>
+      <dsp:txXfrm>
+        <a:off x="29088" y="5189908"/>
+        <a:ext cx="4403501" cy="537701"/>
+      </dsp:txXfrm>
+    </dsp:sp>
+  </dsp:spTree>
+</dsp:drawing>
+</file>
+
+<file path=ppt/diagrams/drawing2.xml><?xml version="1.0" encoding="utf-8"?>
+<dsp:drawing xmlns:dgm="http://schemas.openxmlformats.org/drawingml/2006/diagram" xmlns:dsp="http://schemas.microsoft.com/office/drawing/2008/diagram" xmlns:a="http://schemas.openxmlformats.org/drawingml/2006/main">
+  <dsp:spTree>
+    <dsp:nvGrpSpPr>
+      <dsp:cNvPr id="0" name=""/>
+      <dsp:cNvGrpSpPr/>
+    </dsp:nvGrpSpPr>
+    <dsp:grpSpPr/>
     <dsp:sp modelId="{E9343FAE-6A4C-49F6-8417-3A7F7E66E3BC}">
       <dsp:nvSpPr>
         <dsp:cNvPr id="0" name=""/>
@@ -3934,12 +5924,12 @@
         <a:fontRef idx="minor"/>
       </dsp:style>
       <dsp:txBody>
-        <a:bodyPr spcFirstLastPara="0" vert="horz" wrap="square" lIns="91440" tIns="91440" rIns="91440" bIns="91440" numCol="1" spcCol="1270" anchor="t" anchorCtr="0">
+        <a:bodyPr spcFirstLastPara="0" vert="horz" wrap="square" lIns="87630" tIns="87630" rIns="87630" bIns="87630" numCol="1" spcCol="1270" anchor="t" anchorCtr="0">
           <a:noAutofit/>
         </a:bodyPr>
         <a:lstStyle/>
         <a:p>
-          <a:pPr marL="0" lvl="0" indent="0" algn="l" defTabSz="1066800">
+          <a:pPr marL="0" lvl="0" indent="0" algn="l" defTabSz="1022350">
             <a:lnSpc>
               <a:spcPct val="90000"/>
             </a:lnSpc>
@@ -3952,10 +5942,10 @@
             <a:buNone/>
           </a:pPr>
           <a:r>
-            <a:rPr lang="en-US" sz="2400" i="0" kern="1200"/>
-            <a:t>Click on the input field and type in a number you wish to convert. Select which conversion you want to do by clicking on the dropdown menu just below the text input field and choose between either Celsius to Fahrenheit, Fahrenheit to Celsius, Kelvin to Fahrenheit, Fahrenheit to Kelvin, Celsius to Kelvin, or Kelvin to Celsius. The resulting conversion will appear in the output field below the buttons.</a:t>
+            <a:rPr lang="en-US" sz="2300" i="0" kern="1200" dirty="0"/>
+            <a:t>Click on the input field and type in a number (temperature) you wish to convert. Select which conversion you want to do by clicking on the dropdown menu just below the text input field and choose between either Celsius to Fahrenheit, Fahrenheit to Celsius, Kelvin to Fahrenheit, Fahrenheit to Kelvin, Celsius to Kelvin, or Kelvin to Celsius. The resulting conversion will appear in the output field below the buttons.</a:t>
           </a:r>
-          <a:endParaRPr lang="en-US" sz="2400" kern="1200"/>
+          <a:endParaRPr lang="en-US" sz="2300" kern="1200" dirty="0"/>
         </a:p>
       </dsp:txBody>
       <dsp:txXfrm>
@@ -4081,12 +6071,12 @@
         <a:fontRef idx="minor"/>
       </dsp:style>
       <dsp:txBody>
-        <a:bodyPr spcFirstLastPara="0" vert="horz" wrap="square" lIns="91440" tIns="91440" rIns="91440" bIns="91440" numCol="1" spcCol="1270" anchor="t" anchorCtr="0">
+        <a:bodyPr spcFirstLastPara="0" vert="horz" wrap="square" lIns="87630" tIns="87630" rIns="87630" bIns="87630" numCol="1" spcCol="1270" anchor="t" anchorCtr="0">
           <a:noAutofit/>
         </a:bodyPr>
         <a:lstStyle/>
         <a:p>
-          <a:pPr marL="0" lvl="0" indent="0" algn="l" defTabSz="1066800">
+          <a:pPr marL="0" lvl="0" indent="0" algn="l" defTabSz="1022350">
             <a:lnSpc>
               <a:spcPct val="90000"/>
             </a:lnSpc>
@@ -4099,10 +6089,10 @@
             <a:buNone/>
           </a:pPr>
           <a:r>
-            <a:rPr lang="en-US" sz="2400" i="0" kern="1200" dirty="0"/>
-            <a:t>A bar is shown at the bottom on the screen that indicates how close your number was to either the freezing point or the boiling point for the respective degree unit. For example, 32 F will show up as 0% on the bar because 32 F is freezing point; 212 F will show as 100% on the bar because 212 F is the boiling point. Additionally, 0 C will show as freezing and 100 C will show as boiling.</a:t>
+            <a:rPr lang="en-US" sz="2300" i="0" kern="1200" dirty="0"/>
+            <a:t>A bar is shown at the bottom on the screen that indicates how close your number (temperature) was to either the freezing point or the boiling point for the respective degree unit. For example, 32 F will show up as 0% on the bar because 32 F is freezing point; 212 F will show as 100% on the bar because 212 F is the boiling point. Additionally, 0 C will show as freezing and 100 C will show as boiling.</a:t>
           </a:r>
-          <a:endParaRPr lang="en-US" sz="2400" kern="1200" dirty="0"/>
+          <a:endParaRPr lang="en-US" sz="2300" kern="1200" dirty="0"/>
         </a:p>
       </dsp:txBody>
       <dsp:txXfrm>
@@ -4114,7 +6104,7 @@
 </dsp:drawing>
 </file>
 
-<file path=ppt/diagrams/drawing2.xml><?xml version="1.0" encoding="utf-8"?>
+<file path=ppt/diagrams/drawing3.xml><?xml version="1.0" encoding="utf-8"?>
 <dsp:drawing xmlns:dgm="http://schemas.openxmlformats.org/drawingml/2006/diagram" xmlns:dsp="http://schemas.microsoft.com/office/drawing/2008/diagram" xmlns:a="http://schemas.openxmlformats.org/drawingml/2006/main">
   <dsp:spTree>
     <dsp:nvGrpSpPr>
@@ -4190,7 +6180,7 @@
             <a:buNone/>
           </a:pPr>
           <a:r>
-            <a:rPr lang="en-US" sz="2000" kern="1200"/>
+            <a:rPr lang="en-US" sz="2000" kern="1200" dirty="0"/>
             <a:t>Input 373.15 and convert from Kelvin to Fahrenheit result will be 212.0</a:t>
           </a:r>
         </a:p>
@@ -4268,12 +6258,8 @@
             <a:buNone/>
           </a:pPr>
           <a:r>
-            <a:rPr lang="en-US" sz="2000" kern="1200" dirty="0" err="1"/>
-            <a:t>Progres</a:t>
-          </a:r>
-          <a:r>
             <a:rPr lang="en-US" sz="2000" kern="1200" dirty="0"/>
-            <a:t> bar will be empty, and background will change to blue.</a:t>
+            <a:t>Progress bar will be empty, and background will change to blue.</a:t>
           </a:r>
         </a:p>
       </dsp:txBody>
@@ -4350,7 +6336,7 @@
             <a:buNone/>
           </a:pPr>
           <a:r>
-            <a:rPr lang="en-US" sz="2000" kern="1200"/>
+            <a:rPr lang="en-US" sz="2000" kern="1200" dirty="0"/>
             <a:t>Input 273.15 and convert from Kelvin to Fahrenheit; result will be 32.0</a:t>
           </a:r>
         </a:p>
@@ -4506,7 +6492,7 @@
             <a:buNone/>
           </a:pPr>
           <a:r>
-            <a:rPr lang="en-US" sz="2000" kern="1200"/>
+            <a:rPr lang="en-US" sz="2000" kern="1200" dirty="0"/>
             <a:t>Input 323.15 and convert from Kelvin to Fahrenheit; result will be 122.0</a:t>
           </a:r>
         </a:p>
@@ -4662,7 +6648,7 @@
             <a:buNone/>
           </a:pPr>
           <a:r>
-            <a:rPr lang="en-US" sz="2000" kern="1200"/>
+            <a:rPr lang="en-US" sz="2000" kern="1200" dirty="0"/>
             <a:t>Input -373.15 and convert from Kelvin to Fahrenheit; result will be -1131.34.</a:t>
           </a:r>
         </a:p>
@@ -4754,7 +6740,7 @@
 </dsp:drawing>
 </file>
 
-<file path=ppt/diagrams/drawing3.xml><?xml version="1.0" encoding="utf-8"?>
+<file path=ppt/diagrams/drawing4.xml><?xml version="1.0" encoding="utf-8"?>
 <dsp:drawing xmlns:dgm="http://schemas.openxmlformats.org/drawingml/2006/diagram" xmlns:dsp="http://schemas.microsoft.com/office/drawing/2008/diagram" xmlns:a="http://schemas.openxmlformats.org/drawingml/2006/main">
   <dsp:spTree>
     <dsp:nvGrpSpPr>
@@ -4830,7 +6816,7 @@
             <a:buNone/>
           </a:pPr>
           <a:r>
-            <a:rPr lang="en-US" sz="2000" kern="1200"/>
+            <a:rPr lang="en-US" sz="2000" kern="1200" dirty="0"/>
             <a:t>Input 212 and convert from Fahrenheit to Kelvin; result will be 373.15.</a:t>
           </a:r>
         </a:p>
@@ -4908,7 +6894,7 @@
             <a:buNone/>
           </a:pPr>
           <a:r>
-            <a:rPr lang="en-US" sz="2000" kern="1200"/>
+            <a:rPr lang="en-US" sz="2000" kern="1200" dirty="0"/>
             <a:t>Progress bar will be 100% full and background will change to red.</a:t>
           </a:r>
         </a:p>
@@ -4986,7 +6972,7 @@
             <a:buNone/>
           </a:pPr>
           <a:r>
-            <a:rPr lang="en-US" sz="2000" kern="1200"/>
+            <a:rPr lang="en-US" sz="2000" kern="1200" dirty="0"/>
             <a:t>Input 32 and convert from Fahrenheit to Kelvin; result will be 273.15.</a:t>
           </a:r>
         </a:p>
@@ -5064,7 +7050,7 @@
             <a:buNone/>
           </a:pPr>
           <a:r>
-            <a:rPr lang="en-US" sz="2000" kern="1200"/>
+            <a:rPr lang="en-US" sz="2000" kern="1200" dirty="0"/>
             <a:t>Progress bar will be empty, and background will change to blue.</a:t>
           </a:r>
         </a:p>
@@ -5142,7 +7128,7 @@
             <a:buNone/>
           </a:pPr>
           <a:r>
-            <a:rPr lang="en-US" sz="2000" kern="1200"/>
+            <a:rPr lang="en-US" sz="2000" kern="1200" dirty="0"/>
             <a:t>Input 122 and convert from Fahrenheit to Kelvin; result will be 323.15.</a:t>
           </a:r>
         </a:p>
@@ -5220,7 +7206,7 @@
             <a:buNone/>
           </a:pPr>
           <a:r>
-            <a:rPr lang="en-US" sz="2000" kern="1200"/>
+            <a:rPr lang="en-US" sz="2000" kern="1200" dirty="0"/>
             <a:t>Progress bar will be 50% full and background will change to green.</a:t>
           </a:r>
         </a:p>
@@ -5298,7 +7284,7 @@
             <a:buNone/>
           </a:pPr>
           <a:r>
-            <a:rPr lang="en-US" sz="2000" kern="1200"/>
+            <a:rPr lang="en-US" sz="2000" kern="1200" dirty="0"/>
             <a:t>Input -212.00 and convert from Fahrenheit to Kelvin result will be 137.594444444444443</a:t>
           </a:r>
         </a:p>
@@ -5376,7 +7362,7 @@
             <a:buNone/>
           </a:pPr>
           <a:r>
-            <a:rPr lang="en-US" sz="2000" kern="1200"/>
+            <a:rPr lang="en-US" sz="2000" kern="1200" dirty="0"/>
             <a:t>Progress bar will be empty, and background will change to blue.</a:t>
           </a:r>
         </a:p>
@@ -5391,6 +7377,173 @@
 </file>
 
 <file path=ppt/diagrams/layout1.xml><?xml version="1.0" encoding="utf-8"?>
+<dgm:layoutDef xmlns:dgm="http://schemas.openxmlformats.org/drawingml/2006/diagram" xmlns:a="http://schemas.openxmlformats.org/drawingml/2006/main" uniqueId="urn:microsoft.com/office/officeart/2005/8/layout/vList2">
+  <dgm:title val=""/>
+  <dgm:desc val=""/>
+  <dgm:catLst>
+    <dgm:cat type="list" pri="3000"/>
+    <dgm:cat type="convert" pri="1000"/>
+  </dgm:catLst>
+  <dgm:sampData>
+    <dgm:dataModel>
+      <dgm:ptLst>
+        <dgm:pt modelId="0" type="doc"/>
+        <dgm:pt modelId="1">
+          <dgm:prSet phldr="1"/>
+        </dgm:pt>
+        <dgm:pt modelId="11">
+          <dgm:prSet phldr="1"/>
+        </dgm:pt>
+        <dgm:pt modelId="2">
+          <dgm:prSet phldr="1"/>
+        </dgm:pt>
+        <dgm:pt modelId="21">
+          <dgm:prSet phldr="1"/>
+        </dgm:pt>
+      </dgm:ptLst>
+      <dgm:cxnLst>
+        <dgm:cxn modelId="4" srcId="0" destId="1" srcOrd="0" destOrd="0"/>
+        <dgm:cxn modelId="5" srcId="0" destId="2" srcOrd="1" destOrd="0"/>
+        <dgm:cxn modelId="12" srcId="1" destId="11" srcOrd="0" destOrd="0"/>
+        <dgm:cxn modelId="23" srcId="2" destId="21" srcOrd="0" destOrd="0"/>
+      </dgm:cxnLst>
+      <dgm:bg/>
+      <dgm:whole/>
+    </dgm:dataModel>
+  </dgm:sampData>
+  <dgm:styleData>
+    <dgm:dataModel>
+      <dgm:ptLst>
+        <dgm:pt modelId="0" type="doc"/>
+        <dgm:pt modelId="1"/>
+        <dgm:pt modelId="2"/>
+      </dgm:ptLst>
+      <dgm:cxnLst>
+        <dgm:cxn modelId="3" srcId="0" destId="1" srcOrd="0" destOrd="0"/>
+        <dgm:cxn modelId="4" srcId="0" destId="2" srcOrd="1" destOrd="0"/>
+      </dgm:cxnLst>
+      <dgm:bg/>
+      <dgm:whole/>
+    </dgm:dataModel>
+  </dgm:styleData>
+  <dgm:clrData>
+    <dgm:dataModel>
+      <dgm:ptLst>
+        <dgm:pt modelId="0" type="doc"/>
+        <dgm:pt modelId="1"/>
+        <dgm:pt modelId="2"/>
+        <dgm:pt modelId="3"/>
+        <dgm:pt modelId="4"/>
+      </dgm:ptLst>
+      <dgm:cxnLst>
+        <dgm:cxn modelId="5" srcId="0" destId="1" srcOrd="0" destOrd="0"/>
+        <dgm:cxn modelId="6" srcId="0" destId="2" srcOrd="1" destOrd="0"/>
+        <dgm:cxn modelId="7" srcId="0" destId="3" srcOrd="2" destOrd="0"/>
+        <dgm:cxn modelId="8" srcId="0" destId="4" srcOrd="3" destOrd="0"/>
+      </dgm:cxnLst>
+      <dgm:bg/>
+      <dgm:whole/>
+    </dgm:dataModel>
+  </dgm:clrData>
+  <dgm:layoutNode name="linear">
+    <dgm:varLst>
+      <dgm:animLvl val="lvl"/>
+      <dgm:resizeHandles val="exact"/>
+    </dgm:varLst>
+    <dgm:alg type="lin">
+      <dgm:param type="linDir" val="fromT"/>
+      <dgm:param type="vertAlign" val="mid"/>
+    </dgm:alg>
+    <dgm:shape xmlns:r="http://schemas.openxmlformats.org/officeDocument/2006/relationships" r:blip="">
+      <dgm:adjLst/>
+    </dgm:shape>
+    <dgm:presOf/>
+    <dgm:constrLst>
+      <dgm:constr type="w" for="ch" forName="parentText" refType="w"/>
+      <dgm:constr type="h" for="ch" forName="parentText" refType="primFontSz" refFor="ch" refForName="parentText" fact="0.52"/>
+      <dgm:constr type="w" for="ch" forName="childText" refType="w"/>
+      <dgm:constr type="h" for="ch" forName="childText" refType="primFontSz" refFor="ch" refForName="parentText" fact="0.46"/>
+      <dgm:constr type="h" for="ch" forName="parentText" op="equ"/>
+      <dgm:constr type="primFontSz" for="ch" forName="parentText" op="equ" val="65"/>
+      <dgm:constr type="primFontSz" for="ch" forName="childText" refType="primFontSz" refFor="ch" refForName="parentText" op="equ"/>
+      <dgm:constr type="h" for="ch" forName="spacer" refType="primFontSz" refFor="ch" refForName="parentText" fact="0.08"/>
+    </dgm:constrLst>
+    <dgm:ruleLst>
+      <dgm:rule type="primFontSz" for="ch" forName="parentText" val="5" fact="NaN" max="NaN"/>
+    </dgm:ruleLst>
+    <dgm:forEach name="Name0" axis="ch" ptType="node">
+      <dgm:layoutNode name="parentText" styleLbl="node1">
+        <dgm:varLst>
+          <dgm:chMax val="0"/>
+          <dgm:bulletEnabled val="1"/>
+        </dgm:varLst>
+        <dgm:alg type="tx">
+          <dgm:param type="parTxLTRAlign" val="l"/>
+          <dgm:param type="parTxRTLAlign" val="r"/>
+        </dgm:alg>
+        <dgm:shape xmlns:r="http://schemas.openxmlformats.org/officeDocument/2006/relationships" type="roundRect" r:blip="">
+          <dgm:adjLst/>
+        </dgm:shape>
+        <dgm:presOf axis="self"/>
+        <dgm:constrLst>
+          <dgm:constr type="tMarg" refType="primFontSz" fact="0.3"/>
+          <dgm:constr type="bMarg" refType="primFontSz" fact="0.3"/>
+          <dgm:constr type="lMarg" refType="primFontSz" fact="0.3"/>
+          <dgm:constr type="rMarg" refType="primFontSz" fact="0.3"/>
+        </dgm:constrLst>
+        <dgm:ruleLst>
+          <dgm:rule type="h" val="INF" fact="NaN" max="NaN"/>
+        </dgm:ruleLst>
+      </dgm:layoutNode>
+      <dgm:choose name="Name1">
+        <dgm:if name="Name2" axis="ch" ptType="node" func="cnt" op="gte" val="1">
+          <dgm:layoutNode name="childText" styleLbl="revTx">
+            <dgm:varLst>
+              <dgm:bulletEnabled val="1"/>
+            </dgm:varLst>
+            <dgm:alg type="tx">
+              <dgm:param type="stBulletLvl" val="1"/>
+              <dgm:param type="lnSpAfChP" val="20"/>
+            </dgm:alg>
+            <dgm:shape xmlns:r="http://schemas.openxmlformats.org/officeDocument/2006/relationships" type="rect" r:blip="">
+              <dgm:adjLst/>
+            </dgm:shape>
+            <dgm:presOf axis="des" ptType="node"/>
+            <dgm:constrLst>
+              <dgm:constr type="tMarg" refType="primFontSz" fact="0.1"/>
+              <dgm:constr type="bMarg" refType="primFontSz" fact="0.1"/>
+              <dgm:constr type="lMarg" refType="w" fact="0.09"/>
+            </dgm:constrLst>
+            <dgm:ruleLst>
+              <dgm:rule type="h" val="INF" fact="NaN" max="NaN"/>
+            </dgm:ruleLst>
+          </dgm:layoutNode>
+        </dgm:if>
+        <dgm:else name="Name3">
+          <dgm:choose name="Name4">
+            <dgm:if name="Name5" axis="par ch" ptType="doc node" func="cnt" op="gte" val="2">
+              <dgm:forEach name="Name6" axis="followSib" ptType="sibTrans" cnt="1">
+                <dgm:layoutNode name="spacer">
+                  <dgm:alg type="sp"/>
+                  <dgm:shape xmlns:r="http://schemas.openxmlformats.org/officeDocument/2006/relationships" r:blip="">
+                    <dgm:adjLst/>
+                  </dgm:shape>
+                  <dgm:presOf/>
+                  <dgm:constrLst/>
+                  <dgm:ruleLst/>
+                </dgm:layoutNode>
+              </dgm:forEach>
+            </dgm:if>
+            <dgm:else name="Name7"/>
+          </dgm:choose>
+        </dgm:else>
+      </dgm:choose>
+    </dgm:forEach>
+  </dgm:layoutNode>
+</dgm:layoutDef>
+</file>
+
+<file path=ppt/diagrams/layout2.xml><?xml version="1.0" encoding="utf-8"?>
 <dgm:layoutDef xmlns:dgm="http://schemas.openxmlformats.org/drawingml/2006/diagram" xmlns:a="http://schemas.openxmlformats.org/drawingml/2006/main" uniqueId="urn:microsoft.com/office/officeart/2008/layout/LinedList">
   <dgm:title val=""/>
   <dgm:desc val=""/>
@@ -5856,173 +8009,6 @@
 </dgm:layoutDef>
 </file>
 
-<file path=ppt/diagrams/layout2.xml><?xml version="1.0" encoding="utf-8"?>
-<dgm:layoutDef xmlns:dgm="http://schemas.openxmlformats.org/drawingml/2006/diagram" xmlns:a="http://schemas.openxmlformats.org/drawingml/2006/main" uniqueId="urn:microsoft.com/office/officeart/2005/8/layout/vList2">
-  <dgm:title val=""/>
-  <dgm:desc val=""/>
-  <dgm:catLst>
-    <dgm:cat type="list" pri="3000"/>
-    <dgm:cat type="convert" pri="1000"/>
-  </dgm:catLst>
-  <dgm:sampData>
-    <dgm:dataModel>
-      <dgm:ptLst>
-        <dgm:pt modelId="0" type="doc"/>
-        <dgm:pt modelId="1">
-          <dgm:prSet phldr="1"/>
-        </dgm:pt>
-        <dgm:pt modelId="11">
-          <dgm:prSet phldr="1"/>
-        </dgm:pt>
-        <dgm:pt modelId="2">
-          <dgm:prSet phldr="1"/>
-        </dgm:pt>
-        <dgm:pt modelId="21">
-          <dgm:prSet phldr="1"/>
-        </dgm:pt>
-      </dgm:ptLst>
-      <dgm:cxnLst>
-        <dgm:cxn modelId="4" srcId="0" destId="1" srcOrd="0" destOrd="0"/>
-        <dgm:cxn modelId="5" srcId="0" destId="2" srcOrd="1" destOrd="0"/>
-        <dgm:cxn modelId="12" srcId="1" destId="11" srcOrd="0" destOrd="0"/>
-        <dgm:cxn modelId="23" srcId="2" destId="21" srcOrd="0" destOrd="0"/>
-      </dgm:cxnLst>
-      <dgm:bg/>
-      <dgm:whole/>
-    </dgm:dataModel>
-  </dgm:sampData>
-  <dgm:styleData>
-    <dgm:dataModel>
-      <dgm:ptLst>
-        <dgm:pt modelId="0" type="doc"/>
-        <dgm:pt modelId="1"/>
-        <dgm:pt modelId="2"/>
-      </dgm:ptLst>
-      <dgm:cxnLst>
-        <dgm:cxn modelId="3" srcId="0" destId="1" srcOrd="0" destOrd="0"/>
-        <dgm:cxn modelId="4" srcId="0" destId="2" srcOrd="1" destOrd="0"/>
-      </dgm:cxnLst>
-      <dgm:bg/>
-      <dgm:whole/>
-    </dgm:dataModel>
-  </dgm:styleData>
-  <dgm:clrData>
-    <dgm:dataModel>
-      <dgm:ptLst>
-        <dgm:pt modelId="0" type="doc"/>
-        <dgm:pt modelId="1"/>
-        <dgm:pt modelId="2"/>
-        <dgm:pt modelId="3"/>
-        <dgm:pt modelId="4"/>
-      </dgm:ptLst>
-      <dgm:cxnLst>
-        <dgm:cxn modelId="5" srcId="0" destId="1" srcOrd="0" destOrd="0"/>
-        <dgm:cxn modelId="6" srcId="0" destId="2" srcOrd="1" destOrd="0"/>
-        <dgm:cxn modelId="7" srcId="0" destId="3" srcOrd="2" destOrd="0"/>
-        <dgm:cxn modelId="8" srcId="0" destId="4" srcOrd="3" destOrd="0"/>
-      </dgm:cxnLst>
-      <dgm:bg/>
-      <dgm:whole/>
-    </dgm:dataModel>
-  </dgm:clrData>
-  <dgm:layoutNode name="linear">
-    <dgm:varLst>
-      <dgm:animLvl val="lvl"/>
-      <dgm:resizeHandles val="exact"/>
-    </dgm:varLst>
-    <dgm:alg type="lin">
-      <dgm:param type="linDir" val="fromT"/>
-      <dgm:param type="vertAlign" val="mid"/>
-    </dgm:alg>
-    <dgm:shape xmlns:r="http://schemas.openxmlformats.org/officeDocument/2006/relationships" r:blip="">
-      <dgm:adjLst/>
-    </dgm:shape>
-    <dgm:presOf/>
-    <dgm:constrLst>
-      <dgm:constr type="w" for="ch" forName="parentText" refType="w"/>
-      <dgm:constr type="h" for="ch" forName="parentText" refType="primFontSz" refFor="ch" refForName="parentText" fact="0.52"/>
-      <dgm:constr type="w" for="ch" forName="childText" refType="w"/>
-      <dgm:constr type="h" for="ch" forName="childText" refType="primFontSz" refFor="ch" refForName="parentText" fact="0.46"/>
-      <dgm:constr type="h" for="ch" forName="parentText" op="equ"/>
-      <dgm:constr type="primFontSz" for="ch" forName="parentText" op="equ" val="65"/>
-      <dgm:constr type="primFontSz" for="ch" forName="childText" refType="primFontSz" refFor="ch" refForName="parentText" op="equ"/>
-      <dgm:constr type="h" for="ch" forName="spacer" refType="primFontSz" refFor="ch" refForName="parentText" fact="0.08"/>
-    </dgm:constrLst>
-    <dgm:ruleLst>
-      <dgm:rule type="primFontSz" for="ch" forName="parentText" val="5" fact="NaN" max="NaN"/>
-    </dgm:ruleLst>
-    <dgm:forEach name="Name0" axis="ch" ptType="node">
-      <dgm:layoutNode name="parentText" styleLbl="node1">
-        <dgm:varLst>
-          <dgm:chMax val="0"/>
-          <dgm:bulletEnabled val="1"/>
-        </dgm:varLst>
-        <dgm:alg type="tx">
-          <dgm:param type="parTxLTRAlign" val="l"/>
-          <dgm:param type="parTxRTLAlign" val="r"/>
-        </dgm:alg>
-        <dgm:shape xmlns:r="http://schemas.openxmlformats.org/officeDocument/2006/relationships" type="roundRect" r:blip="">
-          <dgm:adjLst/>
-        </dgm:shape>
-        <dgm:presOf axis="self"/>
-        <dgm:constrLst>
-          <dgm:constr type="tMarg" refType="primFontSz" fact="0.3"/>
-          <dgm:constr type="bMarg" refType="primFontSz" fact="0.3"/>
-          <dgm:constr type="lMarg" refType="primFontSz" fact="0.3"/>
-          <dgm:constr type="rMarg" refType="primFontSz" fact="0.3"/>
-        </dgm:constrLst>
-        <dgm:ruleLst>
-          <dgm:rule type="h" val="INF" fact="NaN" max="NaN"/>
-        </dgm:ruleLst>
-      </dgm:layoutNode>
-      <dgm:choose name="Name1">
-        <dgm:if name="Name2" axis="ch" ptType="node" func="cnt" op="gte" val="1">
-          <dgm:layoutNode name="childText" styleLbl="revTx">
-            <dgm:varLst>
-              <dgm:bulletEnabled val="1"/>
-            </dgm:varLst>
-            <dgm:alg type="tx">
-              <dgm:param type="stBulletLvl" val="1"/>
-              <dgm:param type="lnSpAfChP" val="20"/>
-            </dgm:alg>
-            <dgm:shape xmlns:r="http://schemas.openxmlformats.org/officeDocument/2006/relationships" type="rect" r:blip="">
-              <dgm:adjLst/>
-            </dgm:shape>
-            <dgm:presOf axis="des" ptType="node"/>
-            <dgm:constrLst>
-              <dgm:constr type="tMarg" refType="primFontSz" fact="0.1"/>
-              <dgm:constr type="bMarg" refType="primFontSz" fact="0.1"/>
-              <dgm:constr type="lMarg" refType="w" fact="0.09"/>
-            </dgm:constrLst>
-            <dgm:ruleLst>
-              <dgm:rule type="h" val="INF" fact="NaN" max="NaN"/>
-            </dgm:ruleLst>
-          </dgm:layoutNode>
-        </dgm:if>
-        <dgm:else name="Name3">
-          <dgm:choose name="Name4">
-            <dgm:if name="Name5" axis="par ch" ptType="doc node" func="cnt" op="gte" val="2">
-              <dgm:forEach name="Name6" axis="followSib" ptType="sibTrans" cnt="1">
-                <dgm:layoutNode name="spacer">
-                  <dgm:alg type="sp"/>
-                  <dgm:shape xmlns:r="http://schemas.openxmlformats.org/officeDocument/2006/relationships" r:blip="">
-                    <dgm:adjLst/>
-                  </dgm:shape>
-                  <dgm:presOf/>
-                  <dgm:constrLst/>
-                  <dgm:ruleLst/>
-                </dgm:layoutNode>
-              </dgm:forEach>
-            </dgm:if>
-            <dgm:else name="Name7"/>
-          </dgm:choose>
-        </dgm:else>
-      </dgm:choose>
-    </dgm:forEach>
-  </dgm:layoutNode>
-</dgm:layoutDef>
-</file>
-
 <file path=ppt/diagrams/layout3.xml><?xml version="1.0" encoding="utf-8"?>
 <dgm:layoutDef xmlns:dgm="http://schemas.openxmlformats.org/drawingml/2006/diagram" xmlns:a="http://schemas.openxmlformats.org/drawingml/2006/main" uniqueId="urn:microsoft.com/office/officeart/2005/8/layout/vList2">
   <dgm:title val=""/>
@@ -6190,7 +8176,1208 @@
 </dgm:layoutDef>
 </file>
 
+<file path=ppt/diagrams/layout4.xml><?xml version="1.0" encoding="utf-8"?>
+<dgm:layoutDef xmlns:dgm="http://schemas.openxmlformats.org/drawingml/2006/diagram" xmlns:a="http://schemas.openxmlformats.org/drawingml/2006/main" uniqueId="urn:microsoft.com/office/officeart/2005/8/layout/vList2">
+  <dgm:title val=""/>
+  <dgm:desc val=""/>
+  <dgm:catLst>
+    <dgm:cat type="list" pri="3000"/>
+    <dgm:cat type="convert" pri="1000"/>
+  </dgm:catLst>
+  <dgm:sampData>
+    <dgm:dataModel>
+      <dgm:ptLst>
+        <dgm:pt modelId="0" type="doc"/>
+        <dgm:pt modelId="1">
+          <dgm:prSet phldr="1"/>
+        </dgm:pt>
+        <dgm:pt modelId="11">
+          <dgm:prSet phldr="1"/>
+        </dgm:pt>
+        <dgm:pt modelId="2">
+          <dgm:prSet phldr="1"/>
+        </dgm:pt>
+        <dgm:pt modelId="21">
+          <dgm:prSet phldr="1"/>
+        </dgm:pt>
+      </dgm:ptLst>
+      <dgm:cxnLst>
+        <dgm:cxn modelId="4" srcId="0" destId="1" srcOrd="0" destOrd="0"/>
+        <dgm:cxn modelId="5" srcId="0" destId="2" srcOrd="1" destOrd="0"/>
+        <dgm:cxn modelId="12" srcId="1" destId="11" srcOrd="0" destOrd="0"/>
+        <dgm:cxn modelId="23" srcId="2" destId="21" srcOrd="0" destOrd="0"/>
+      </dgm:cxnLst>
+      <dgm:bg/>
+      <dgm:whole/>
+    </dgm:dataModel>
+  </dgm:sampData>
+  <dgm:styleData>
+    <dgm:dataModel>
+      <dgm:ptLst>
+        <dgm:pt modelId="0" type="doc"/>
+        <dgm:pt modelId="1"/>
+        <dgm:pt modelId="2"/>
+      </dgm:ptLst>
+      <dgm:cxnLst>
+        <dgm:cxn modelId="3" srcId="0" destId="1" srcOrd="0" destOrd="0"/>
+        <dgm:cxn modelId="4" srcId="0" destId="2" srcOrd="1" destOrd="0"/>
+      </dgm:cxnLst>
+      <dgm:bg/>
+      <dgm:whole/>
+    </dgm:dataModel>
+  </dgm:styleData>
+  <dgm:clrData>
+    <dgm:dataModel>
+      <dgm:ptLst>
+        <dgm:pt modelId="0" type="doc"/>
+        <dgm:pt modelId="1"/>
+        <dgm:pt modelId="2"/>
+        <dgm:pt modelId="3"/>
+        <dgm:pt modelId="4"/>
+      </dgm:ptLst>
+      <dgm:cxnLst>
+        <dgm:cxn modelId="5" srcId="0" destId="1" srcOrd="0" destOrd="0"/>
+        <dgm:cxn modelId="6" srcId="0" destId="2" srcOrd="1" destOrd="0"/>
+        <dgm:cxn modelId="7" srcId="0" destId="3" srcOrd="2" destOrd="0"/>
+        <dgm:cxn modelId="8" srcId="0" destId="4" srcOrd="3" destOrd="0"/>
+      </dgm:cxnLst>
+      <dgm:bg/>
+      <dgm:whole/>
+    </dgm:dataModel>
+  </dgm:clrData>
+  <dgm:layoutNode name="linear">
+    <dgm:varLst>
+      <dgm:animLvl val="lvl"/>
+      <dgm:resizeHandles val="exact"/>
+    </dgm:varLst>
+    <dgm:alg type="lin">
+      <dgm:param type="linDir" val="fromT"/>
+      <dgm:param type="vertAlign" val="mid"/>
+    </dgm:alg>
+    <dgm:shape xmlns:r="http://schemas.openxmlformats.org/officeDocument/2006/relationships" r:blip="">
+      <dgm:adjLst/>
+    </dgm:shape>
+    <dgm:presOf/>
+    <dgm:constrLst>
+      <dgm:constr type="w" for="ch" forName="parentText" refType="w"/>
+      <dgm:constr type="h" for="ch" forName="parentText" refType="primFontSz" refFor="ch" refForName="parentText" fact="0.52"/>
+      <dgm:constr type="w" for="ch" forName="childText" refType="w"/>
+      <dgm:constr type="h" for="ch" forName="childText" refType="primFontSz" refFor="ch" refForName="parentText" fact="0.46"/>
+      <dgm:constr type="h" for="ch" forName="parentText" op="equ"/>
+      <dgm:constr type="primFontSz" for="ch" forName="parentText" op="equ" val="65"/>
+      <dgm:constr type="primFontSz" for="ch" forName="childText" refType="primFontSz" refFor="ch" refForName="parentText" op="equ"/>
+      <dgm:constr type="h" for="ch" forName="spacer" refType="primFontSz" refFor="ch" refForName="parentText" fact="0.08"/>
+    </dgm:constrLst>
+    <dgm:ruleLst>
+      <dgm:rule type="primFontSz" for="ch" forName="parentText" val="5" fact="NaN" max="NaN"/>
+    </dgm:ruleLst>
+    <dgm:forEach name="Name0" axis="ch" ptType="node">
+      <dgm:layoutNode name="parentText" styleLbl="node1">
+        <dgm:varLst>
+          <dgm:chMax val="0"/>
+          <dgm:bulletEnabled val="1"/>
+        </dgm:varLst>
+        <dgm:alg type="tx">
+          <dgm:param type="parTxLTRAlign" val="l"/>
+          <dgm:param type="parTxRTLAlign" val="r"/>
+        </dgm:alg>
+        <dgm:shape xmlns:r="http://schemas.openxmlformats.org/officeDocument/2006/relationships" type="roundRect" r:blip="">
+          <dgm:adjLst/>
+        </dgm:shape>
+        <dgm:presOf axis="self"/>
+        <dgm:constrLst>
+          <dgm:constr type="tMarg" refType="primFontSz" fact="0.3"/>
+          <dgm:constr type="bMarg" refType="primFontSz" fact="0.3"/>
+          <dgm:constr type="lMarg" refType="primFontSz" fact="0.3"/>
+          <dgm:constr type="rMarg" refType="primFontSz" fact="0.3"/>
+        </dgm:constrLst>
+        <dgm:ruleLst>
+          <dgm:rule type="h" val="INF" fact="NaN" max="NaN"/>
+        </dgm:ruleLst>
+      </dgm:layoutNode>
+      <dgm:choose name="Name1">
+        <dgm:if name="Name2" axis="ch" ptType="node" func="cnt" op="gte" val="1">
+          <dgm:layoutNode name="childText" styleLbl="revTx">
+            <dgm:varLst>
+              <dgm:bulletEnabled val="1"/>
+            </dgm:varLst>
+            <dgm:alg type="tx">
+              <dgm:param type="stBulletLvl" val="1"/>
+              <dgm:param type="lnSpAfChP" val="20"/>
+            </dgm:alg>
+            <dgm:shape xmlns:r="http://schemas.openxmlformats.org/officeDocument/2006/relationships" type="rect" r:blip="">
+              <dgm:adjLst/>
+            </dgm:shape>
+            <dgm:presOf axis="des" ptType="node"/>
+            <dgm:constrLst>
+              <dgm:constr type="tMarg" refType="primFontSz" fact="0.1"/>
+              <dgm:constr type="bMarg" refType="primFontSz" fact="0.1"/>
+              <dgm:constr type="lMarg" refType="w" fact="0.09"/>
+            </dgm:constrLst>
+            <dgm:ruleLst>
+              <dgm:rule type="h" val="INF" fact="NaN" max="NaN"/>
+            </dgm:ruleLst>
+          </dgm:layoutNode>
+        </dgm:if>
+        <dgm:else name="Name3">
+          <dgm:choose name="Name4">
+            <dgm:if name="Name5" axis="par ch" ptType="doc node" func="cnt" op="gte" val="2">
+              <dgm:forEach name="Name6" axis="followSib" ptType="sibTrans" cnt="1">
+                <dgm:layoutNode name="spacer">
+                  <dgm:alg type="sp"/>
+                  <dgm:shape xmlns:r="http://schemas.openxmlformats.org/officeDocument/2006/relationships" r:blip="">
+                    <dgm:adjLst/>
+                  </dgm:shape>
+                  <dgm:presOf/>
+                  <dgm:constrLst/>
+                  <dgm:ruleLst/>
+                </dgm:layoutNode>
+              </dgm:forEach>
+            </dgm:if>
+            <dgm:else name="Name7"/>
+          </dgm:choose>
+        </dgm:else>
+      </dgm:choose>
+    </dgm:forEach>
+  </dgm:layoutNode>
+</dgm:layoutDef>
+</file>
+
 <file path=ppt/diagrams/quickStyle1.xml><?xml version="1.0" encoding="utf-8"?>
+<dgm:styleDef xmlns:dgm="http://schemas.openxmlformats.org/drawingml/2006/diagram" xmlns:a="http://schemas.openxmlformats.org/drawingml/2006/main" uniqueId="urn:microsoft.com/office/officeart/2005/8/quickstyle/simple1">
+  <dgm:title val=""/>
+  <dgm:desc val=""/>
+  <dgm:catLst>
+    <dgm:cat type="simple" pri="10100"/>
+  </dgm:catLst>
+  <dgm:scene3d>
+    <a:camera prst="orthographicFront"/>
+    <a:lightRig rig="threePt" dir="t"/>
+  </dgm:scene3d>
+  <dgm:styleLbl name="node0">
+    <dgm:scene3d>
+      <a:camera prst="orthographicFront"/>
+      <a:lightRig rig="threePt" dir="t"/>
+    </dgm:scene3d>
+    <dgm:sp3d/>
+    <dgm:txPr/>
+    <dgm:style>
+      <a:lnRef idx="2">
+        <a:scrgbClr r="0" g="0" b="0"/>
+      </a:lnRef>
+      <a:fillRef idx="1">
+        <a:scrgbClr r="0" g="0" b="0"/>
+      </a:fillRef>
+      <a:effectRef idx="0">
+        <a:scrgbClr r="0" g="0" b="0"/>
+      </a:effectRef>
+      <a:fontRef idx="minor">
+        <a:schemeClr val="lt1"/>
+      </a:fontRef>
+    </dgm:style>
+  </dgm:styleLbl>
+  <dgm:styleLbl name="lnNode1">
+    <dgm:scene3d>
+      <a:camera prst="orthographicFront"/>
+      <a:lightRig rig="threePt" dir="t"/>
+    </dgm:scene3d>
+    <dgm:sp3d/>
+    <dgm:txPr/>
+    <dgm:style>
+      <a:lnRef idx="2">
+        <a:scrgbClr r="0" g="0" b="0"/>
+      </a:lnRef>
+      <a:fillRef idx="1">
+        <a:scrgbClr r="0" g="0" b="0"/>
+      </a:fillRef>
+      <a:effectRef idx="0">
+        <a:scrgbClr r="0" g="0" b="0"/>
+      </a:effectRef>
+      <a:fontRef idx="minor">
+        <a:schemeClr val="lt1"/>
+      </a:fontRef>
+    </dgm:style>
+  </dgm:styleLbl>
+  <dgm:styleLbl name="vennNode1">
+    <dgm:scene3d>
+      <a:camera prst="orthographicFront"/>
+      <a:lightRig rig="threePt" dir="t"/>
+    </dgm:scene3d>
+    <dgm:sp3d/>
+    <dgm:txPr/>
+    <dgm:style>
+      <a:lnRef idx="2">
+        <a:scrgbClr r="0" g="0" b="0"/>
+      </a:lnRef>
+      <a:fillRef idx="1">
+        <a:scrgbClr r="0" g="0" b="0"/>
+      </a:fillRef>
+      <a:effectRef idx="0">
+        <a:scrgbClr r="0" g="0" b="0"/>
+      </a:effectRef>
+      <a:fontRef idx="minor">
+        <a:schemeClr val="tx1"/>
+      </a:fontRef>
+    </dgm:style>
+  </dgm:styleLbl>
+  <dgm:styleLbl name="alignNode1">
+    <dgm:scene3d>
+      <a:camera prst="orthographicFront"/>
+      <a:lightRig rig="threePt" dir="t"/>
+    </dgm:scene3d>
+    <dgm:sp3d/>
+    <dgm:txPr/>
+    <dgm:style>
+      <a:lnRef idx="2">
+        <a:scrgbClr r="0" g="0" b="0"/>
+      </a:lnRef>
+      <a:fillRef idx="1">
+        <a:scrgbClr r="0" g="0" b="0"/>
+      </a:fillRef>
+      <a:effectRef idx="0">
+        <a:scrgbClr r="0" g="0" b="0"/>
+      </a:effectRef>
+      <a:fontRef idx="minor">
+        <a:schemeClr val="lt1"/>
+      </a:fontRef>
+    </dgm:style>
+  </dgm:styleLbl>
+  <dgm:styleLbl name="node1">
+    <dgm:scene3d>
+      <a:camera prst="orthographicFront"/>
+      <a:lightRig rig="threePt" dir="t"/>
+    </dgm:scene3d>
+    <dgm:sp3d/>
+    <dgm:txPr/>
+    <dgm:style>
+      <a:lnRef idx="2">
+        <a:scrgbClr r="0" g="0" b="0"/>
+      </a:lnRef>
+      <a:fillRef idx="1">
+        <a:scrgbClr r="0" g="0" b="0"/>
+      </a:fillRef>
+      <a:effectRef idx="0">
+        <a:scrgbClr r="0" g="0" b="0"/>
+      </a:effectRef>
+      <a:fontRef idx="minor">
+        <a:schemeClr val="lt1"/>
+      </a:fontRef>
+    </dgm:style>
+  </dgm:styleLbl>
+  <dgm:styleLbl name="node2">
+    <dgm:scene3d>
+      <a:camera prst="orthographicFront"/>
+      <a:lightRig rig="threePt" dir="t"/>
+    </dgm:scene3d>
+    <dgm:sp3d/>
+    <dgm:txPr/>
+    <dgm:style>
+      <a:lnRef idx="2">
+        <a:scrgbClr r="0" g="0" b="0"/>
+      </a:lnRef>
+      <a:fillRef idx="1">
+        <a:scrgbClr r="0" g="0" b="0"/>
+      </a:fillRef>
+      <a:effectRef idx="0">
+        <a:scrgbClr r="0" g="0" b="0"/>
+      </a:effectRef>
+      <a:fontRef idx="minor">
+        <a:schemeClr val="lt1"/>
+      </a:fontRef>
+    </dgm:style>
+  </dgm:styleLbl>
+  <dgm:styleLbl name="node3">
+    <dgm:scene3d>
+      <a:camera prst="orthographicFront"/>
+      <a:lightRig rig="threePt" dir="t"/>
+    </dgm:scene3d>
+    <dgm:sp3d/>
+    <dgm:txPr/>
+    <dgm:style>
+      <a:lnRef idx="2">
+        <a:scrgbClr r="0" g="0" b="0"/>
+      </a:lnRef>
+      <a:fillRef idx="1">
+        <a:scrgbClr r="0" g="0" b="0"/>
+      </a:fillRef>
+      <a:effectRef idx="0">
+        <a:scrgbClr r="0" g="0" b="0"/>
+      </a:effectRef>
+      <a:fontRef idx="minor">
+        <a:schemeClr val="lt1"/>
+      </a:fontRef>
+    </dgm:style>
+  </dgm:styleLbl>
+  <dgm:styleLbl name="node4">
+    <dgm:scene3d>
+      <a:camera prst="orthographicFront"/>
+      <a:lightRig rig="threePt" dir="t"/>
+    </dgm:scene3d>
+    <dgm:sp3d/>
+    <dgm:txPr/>
+    <dgm:style>
+      <a:lnRef idx="2">
+        <a:scrgbClr r="0" g="0" b="0"/>
+      </a:lnRef>
+      <a:fillRef idx="1">
+        <a:scrgbClr r="0" g="0" b="0"/>
+      </a:fillRef>
+      <a:effectRef idx="0">
+        <a:scrgbClr r="0" g="0" b="0"/>
+      </a:effectRef>
+      <a:fontRef idx="minor">
+        <a:schemeClr val="lt1"/>
+      </a:fontRef>
+    </dgm:style>
+  </dgm:styleLbl>
+  <dgm:styleLbl name="fgImgPlace1">
+    <dgm:scene3d>
+      <a:camera prst="orthographicFront"/>
+      <a:lightRig rig="threePt" dir="t"/>
+    </dgm:scene3d>
+    <dgm:sp3d/>
+    <dgm:txPr/>
+    <dgm:style>
+      <a:lnRef idx="2">
+        <a:scrgbClr r="0" g="0" b="0"/>
+      </a:lnRef>
+      <a:fillRef idx="1">
+        <a:scrgbClr r="0" g="0" b="0"/>
+      </a:fillRef>
+      <a:effectRef idx="0">
+        <a:scrgbClr r="0" g="0" b="0"/>
+      </a:effectRef>
+      <a:fontRef idx="minor"/>
+    </dgm:style>
+  </dgm:styleLbl>
+  <dgm:styleLbl name="alignImgPlace1">
+    <dgm:scene3d>
+      <a:camera prst="orthographicFront"/>
+      <a:lightRig rig="threePt" dir="t"/>
+    </dgm:scene3d>
+    <dgm:sp3d/>
+    <dgm:txPr/>
+    <dgm:style>
+      <a:lnRef idx="2">
+        <a:scrgbClr r="0" g="0" b="0"/>
+      </a:lnRef>
+      <a:fillRef idx="1">
+        <a:scrgbClr r="0" g="0" b="0"/>
+      </a:fillRef>
+      <a:effectRef idx="0">
+        <a:scrgbClr r="0" g="0" b="0"/>
+      </a:effectRef>
+      <a:fontRef idx="minor"/>
+    </dgm:style>
+  </dgm:styleLbl>
+  <dgm:styleLbl name="bgImgPlace1">
+    <dgm:scene3d>
+      <a:camera prst="orthographicFront"/>
+      <a:lightRig rig="threePt" dir="t"/>
+    </dgm:scene3d>
+    <dgm:sp3d/>
+    <dgm:txPr/>
+    <dgm:style>
+      <a:lnRef idx="2">
+        <a:scrgbClr r="0" g="0" b="0"/>
+      </a:lnRef>
+      <a:fillRef idx="1">
+        <a:scrgbClr r="0" g="0" b="0"/>
+      </a:fillRef>
+      <a:effectRef idx="0">
+        <a:scrgbClr r="0" g="0" b="0"/>
+      </a:effectRef>
+      <a:fontRef idx="minor"/>
+    </dgm:style>
+  </dgm:styleLbl>
+  <dgm:styleLbl name="sibTrans2D1">
+    <dgm:scene3d>
+      <a:camera prst="orthographicFront"/>
+      <a:lightRig rig="threePt" dir="t"/>
+    </dgm:scene3d>
+    <dgm:sp3d/>
+    <dgm:txPr/>
+    <dgm:style>
+      <a:lnRef idx="0">
+        <a:scrgbClr r="0" g="0" b="0"/>
+      </a:lnRef>
+      <a:fillRef idx="1">
+        <a:scrgbClr r="0" g="0" b="0"/>
+      </a:fillRef>
+      <a:effectRef idx="0">
+        <a:scrgbClr r="0" g="0" b="0"/>
+      </a:effectRef>
+      <a:fontRef idx="minor">
+        <a:schemeClr val="lt1"/>
+      </a:fontRef>
+    </dgm:style>
+  </dgm:styleLbl>
+  <dgm:styleLbl name="fgSibTrans2D1">
+    <dgm:scene3d>
+      <a:camera prst="orthographicFront"/>
+      <a:lightRig rig="threePt" dir="t"/>
+    </dgm:scene3d>
+    <dgm:sp3d/>
+    <dgm:txPr/>
+    <dgm:style>
+      <a:lnRef idx="0">
+        <a:scrgbClr r="0" g="0" b="0"/>
+      </a:lnRef>
+      <a:fillRef idx="1">
+        <a:scrgbClr r="0" g="0" b="0"/>
+      </a:fillRef>
+      <a:effectRef idx="0">
+        <a:scrgbClr r="0" g="0" b="0"/>
+      </a:effectRef>
+      <a:fontRef idx="minor">
+        <a:schemeClr val="lt1"/>
+      </a:fontRef>
+    </dgm:style>
+  </dgm:styleLbl>
+  <dgm:styleLbl name="bgSibTrans2D1">
+    <dgm:scene3d>
+      <a:camera prst="orthographicFront"/>
+      <a:lightRig rig="threePt" dir="t"/>
+    </dgm:scene3d>
+    <dgm:sp3d/>
+    <dgm:txPr/>
+    <dgm:style>
+      <a:lnRef idx="0">
+        <a:scrgbClr r="0" g="0" b="0"/>
+      </a:lnRef>
+      <a:fillRef idx="1">
+        <a:scrgbClr r="0" g="0" b="0"/>
+      </a:fillRef>
+      <a:effectRef idx="0">
+        <a:scrgbClr r="0" g="0" b="0"/>
+      </a:effectRef>
+      <a:fontRef idx="minor">
+        <a:schemeClr val="lt1"/>
+      </a:fontRef>
+    </dgm:style>
+  </dgm:styleLbl>
+  <dgm:styleLbl name="sibTrans1D1">
+    <dgm:scene3d>
+      <a:camera prst="orthographicFront"/>
+      <a:lightRig rig="threePt" dir="t"/>
+    </dgm:scene3d>
+    <dgm:sp3d/>
+    <dgm:txPr/>
+    <dgm:style>
+      <a:lnRef idx="1">
+        <a:scrgbClr r="0" g="0" b="0"/>
+      </a:lnRef>
+      <a:fillRef idx="0">
+        <a:scrgbClr r="0" g="0" b="0"/>
+      </a:fillRef>
+      <a:effectRef idx="0">
+        <a:scrgbClr r="0" g="0" b="0"/>
+      </a:effectRef>
+      <a:fontRef idx="minor"/>
+    </dgm:style>
+  </dgm:styleLbl>
+  <dgm:styleLbl name="callout">
+    <dgm:scene3d>
+      <a:camera prst="orthographicFront"/>
+      <a:lightRig rig="threePt" dir="t"/>
+    </dgm:scene3d>
+    <dgm:sp3d/>
+    <dgm:txPr/>
+    <dgm:style>
+      <a:lnRef idx="2">
+        <a:scrgbClr r="0" g="0" b="0"/>
+      </a:lnRef>
+      <a:fillRef idx="1">
+        <a:scrgbClr r="0" g="0" b="0"/>
+      </a:fillRef>
+      <a:effectRef idx="0">
+        <a:scrgbClr r="0" g="0" b="0"/>
+      </a:effectRef>
+      <a:fontRef idx="minor"/>
+    </dgm:style>
+  </dgm:styleLbl>
+  <dgm:styleLbl name="asst0">
+    <dgm:scene3d>
+      <a:camera prst="orthographicFront"/>
+      <a:lightRig rig="threePt" dir="t"/>
+    </dgm:scene3d>
+    <dgm:sp3d/>
+    <dgm:txPr/>
+    <dgm:style>
+      <a:lnRef idx="2">
+        <a:scrgbClr r="0" g="0" b="0"/>
+      </a:lnRef>
+      <a:fillRef idx="1">
+        <a:scrgbClr r="0" g="0" b="0"/>
+      </a:fillRef>
+      <a:effectRef idx="0">
+        <a:scrgbClr r="0" g="0" b="0"/>
+      </a:effectRef>
+      <a:fontRef idx="minor">
+        <a:schemeClr val="lt1"/>
+      </a:fontRef>
+    </dgm:style>
+  </dgm:styleLbl>
+  <dgm:styleLbl name="asst1">
+    <dgm:scene3d>
+      <a:camera prst="orthographicFront"/>
+      <a:lightRig rig="threePt" dir="t"/>
+    </dgm:scene3d>
+    <dgm:sp3d/>
+    <dgm:txPr/>
+    <dgm:style>
+      <a:lnRef idx="2">
+        <a:scrgbClr r="0" g="0" b="0"/>
+      </a:lnRef>
+      <a:fillRef idx="1">
+        <a:scrgbClr r="0" g="0" b="0"/>
+      </a:fillRef>
+      <a:effectRef idx="0">
+        <a:scrgbClr r="0" g="0" b="0"/>
+      </a:effectRef>
+      <a:fontRef idx="minor">
+        <a:schemeClr val="lt1"/>
+      </a:fontRef>
+    </dgm:style>
+  </dgm:styleLbl>
+  <dgm:styleLbl name="asst2">
+    <dgm:scene3d>
+      <a:camera prst="orthographicFront"/>
+      <a:lightRig rig="threePt" dir="t"/>
+    </dgm:scene3d>
+    <dgm:sp3d/>
+    <dgm:txPr/>
+    <dgm:style>
+      <a:lnRef idx="2">
+        <a:scrgbClr r="0" g="0" b="0"/>
+      </a:lnRef>
+      <a:fillRef idx="1">
+        <a:scrgbClr r="0" g="0" b="0"/>
+      </a:fillRef>
+      <a:effectRef idx="0">
+        <a:scrgbClr r="0" g="0" b="0"/>
+      </a:effectRef>
+      <a:fontRef idx="minor">
+        <a:schemeClr val="lt1"/>
+      </a:fontRef>
+    </dgm:style>
+  </dgm:styleLbl>
+  <dgm:styleLbl name="asst3">
+    <dgm:scene3d>
+      <a:camera prst="orthographicFront"/>
+      <a:lightRig rig="threePt" dir="t"/>
+    </dgm:scene3d>
+    <dgm:sp3d/>
+    <dgm:txPr/>
+    <dgm:style>
+      <a:lnRef idx="2">
+        <a:scrgbClr r="0" g="0" b="0"/>
+      </a:lnRef>
+      <a:fillRef idx="1">
+        <a:scrgbClr r="0" g="0" b="0"/>
+      </a:fillRef>
+      <a:effectRef idx="0">
+        <a:scrgbClr r="0" g="0" b="0"/>
+      </a:effectRef>
+      <a:fontRef idx="minor">
+        <a:schemeClr val="lt1"/>
+      </a:fontRef>
+    </dgm:style>
+  </dgm:styleLbl>
+  <dgm:styleLbl name="asst4">
+    <dgm:scene3d>
+      <a:camera prst="orthographicFront"/>
+      <a:lightRig rig="threePt" dir="t"/>
+    </dgm:scene3d>
+    <dgm:sp3d/>
+    <dgm:txPr/>
+    <dgm:style>
+      <a:lnRef idx="2">
+        <a:scrgbClr r="0" g="0" b="0"/>
+      </a:lnRef>
+      <a:fillRef idx="1">
+        <a:scrgbClr r="0" g="0" b="0"/>
+      </a:fillRef>
+      <a:effectRef idx="0">
+        <a:scrgbClr r="0" g="0" b="0"/>
+      </a:effectRef>
+      <a:fontRef idx="minor">
+        <a:schemeClr val="lt1"/>
+      </a:fontRef>
+    </dgm:style>
+  </dgm:styleLbl>
+  <dgm:styleLbl name="parChTrans2D1">
+    <dgm:scene3d>
+      <a:camera prst="orthographicFront"/>
+      <a:lightRig rig="threePt" dir="t"/>
+    </dgm:scene3d>
+    <dgm:sp3d/>
+    <dgm:txPr/>
+    <dgm:style>
+      <a:lnRef idx="2">
+        <a:scrgbClr r="0" g="0" b="0"/>
+      </a:lnRef>
+      <a:fillRef idx="1">
+        <a:scrgbClr r="0" g="0" b="0"/>
+      </a:fillRef>
+      <a:effectRef idx="0">
+        <a:scrgbClr r="0" g="0" b="0"/>
+      </a:effectRef>
+      <a:fontRef idx="minor">
+        <a:schemeClr val="lt1"/>
+      </a:fontRef>
+    </dgm:style>
+  </dgm:styleLbl>
+  <dgm:styleLbl name="parChTrans2D2">
+    <dgm:scene3d>
+      <a:camera prst="orthographicFront"/>
+      <a:lightRig rig="threePt" dir="t"/>
+    </dgm:scene3d>
+    <dgm:sp3d/>
+    <dgm:txPr/>
+    <dgm:style>
+      <a:lnRef idx="2">
+        <a:scrgbClr r="0" g="0" b="0"/>
+      </a:lnRef>
+      <a:fillRef idx="1">
+        <a:scrgbClr r="0" g="0" b="0"/>
+      </a:fillRef>
+      <a:effectRef idx="0">
+        <a:scrgbClr r="0" g="0" b="0"/>
+      </a:effectRef>
+      <a:fontRef idx="minor">
+        <a:schemeClr val="lt1"/>
+      </a:fontRef>
+    </dgm:style>
+  </dgm:styleLbl>
+  <dgm:styleLbl name="parChTrans2D3">
+    <dgm:scene3d>
+      <a:camera prst="orthographicFront"/>
+      <a:lightRig rig="threePt" dir="t"/>
+    </dgm:scene3d>
+    <dgm:sp3d/>
+    <dgm:txPr/>
+    <dgm:style>
+      <a:lnRef idx="2">
+        <a:scrgbClr r="0" g="0" b="0"/>
+      </a:lnRef>
+      <a:fillRef idx="1">
+        <a:scrgbClr r="0" g="0" b="0"/>
+      </a:fillRef>
+      <a:effectRef idx="0">
+        <a:scrgbClr r="0" g="0" b="0"/>
+      </a:effectRef>
+      <a:fontRef idx="minor">
+        <a:schemeClr val="lt1"/>
+      </a:fontRef>
+    </dgm:style>
+  </dgm:styleLbl>
+  <dgm:styleLbl name="parChTrans2D4">
+    <dgm:scene3d>
+      <a:camera prst="orthographicFront"/>
+      <a:lightRig rig="threePt" dir="t"/>
+    </dgm:scene3d>
+    <dgm:sp3d/>
+    <dgm:txPr/>
+    <dgm:style>
+      <a:lnRef idx="2">
+        <a:scrgbClr r="0" g="0" b="0"/>
+      </a:lnRef>
+      <a:fillRef idx="1">
+        <a:scrgbClr r="0" g="0" b="0"/>
+      </a:fillRef>
+      <a:effectRef idx="0">
+        <a:scrgbClr r="0" g="0" b="0"/>
+      </a:effectRef>
+      <a:fontRef idx="minor">
+        <a:schemeClr val="lt1"/>
+      </a:fontRef>
+    </dgm:style>
+  </dgm:styleLbl>
+  <dgm:styleLbl name="parChTrans1D1">
+    <dgm:scene3d>
+      <a:camera prst="orthographicFront"/>
+      <a:lightRig rig="threePt" dir="t"/>
+    </dgm:scene3d>
+    <dgm:sp3d/>
+    <dgm:txPr/>
+    <dgm:style>
+      <a:lnRef idx="2">
+        <a:scrgbClr r="0" g="0" b="0"/>
+      </a:lnRef>
+      <a:fillRef idx="0">
+        <a:scrgbClr r="0" g="0" b="0"/>
+      </a:fillRef>
+      <a:effectRef idx="0">
+        <a:scrgbClr r="0" g="0" b="0"/>
+      </a:effectRef>
+      <a:fontRef idx="minor"/>
+    </dgm:style>
+  </dgm:styleLbl>
+  <dgm:styleLbl name="parChTrans1D2">
+    <dgm:scene3d>
+      <a:camera prst="orthographicFront"/>
+      <a:lightRig rig="threePt" dir="t"/>
+    </dgm:scene3d>
+    <dgm:sp3d/>
+    <dgm:txPr/>
+    <dgm:style>
+      <a:lnRef idx="2">
+        <a:scrgbClr r="0" g="0" b="0"/>
+      </a:lnRef>
+      <a:fillRef idx="0">
+        <a:scrgbClr r="0" g="0" b="0"/>
+      </a:fillRef>
+      <a:effectRef idx="0">
+        <a:scrgbClr r="0" g="0" b="0"/>
+      </a:effectRef>
+      <a:fontRef idx="minor"/>
+    </dgm:style>
+  </dgm:styleLbl>
+  <dgm:styleLbl name="parChTrans1D3">
+    <dgm:scene3d>
+      <a:camera prst="orthographicFront"/>
+      <a:lightRig rig="threePt" dir="t"/>
+    </dgm:scene3d>
+    <dgm:sp3d/>
+    <dgm:txPr/>
+    <dgm:style>
+      <a:lnRef idx="2">
+        <a:scrgbClr r="0" g="0" b="0"/>
+      </a:lnRef>
+      <a:fillRef idx="0">
+        <a:scrgbClr r="0" g="0" b="0"/>
+      </a:fillRef>
+      <a:effectRef idx="0">
+        <a:scrgbClr r="0" g="0" b="0"/>
+      </a:effectRef>
+      <a:fontRef idx="minor"/>
+    </dgm:style>
+  </dgm:styleLbl>
+  <dgm:styleLbl name="parChTrans1D4">
+    <dgm:scene3d>
+      <a:camera prst="orthographicFront"/>
+      <a:lightRig rig="threePt" dir="t"/>
+    </dgm:scene3d>
+    <dgm:sp3d/>
+    <dgm:txPr/>
+    <dgm:style>
+      <a:lnRef idx="2">
+        <a:scrgbClr r="0" g="0" b="0"/>
+      </a:lnRef>
+      <a:fillRef idx="0">
+        <a:scrgbClr r="0" g="0" b="0"/>
+      </a:fillRef>
+      <a:effectRef idx="0">
+        <a:scrgbClr r="0" g="0" b="0"/>
+      </a:effectRef>
+      <a:fontRef idx="minor"/>
+    </dgm:style>
+  </dgm:styleLbl>
+  <dgm:styleLbl name="fgAcc1">
+    <dgm:scene3d>
+      <a:camera prst="orthographicFront"/>
+      <a:lightRig rig="threePt" dir="t"/>
+    </dgm:scene3d>
+    <dgm:sp3d/>
+    <dgm:txPr/>
+    <dgm:style>
+      <a:lnRef idx="2">
+        <a:scrgbClr r="0" g="0" b="0"/>
+      </a:lnRef>
+      <a:fillRef idx="1">
+        <a:scrgbClr r="0" g="0" b="0"/>
+      </a:fillRef>
+      <a:effectRef idx="0">
+        <a:scrgbClr r="0" g="0" b="0"/>
+      </a:effectRef>
+      <a:fontRef idx="minor"/>
+    </dgm:style>
+  </dgm:styleLbl>
+  <dgm:styleLbl name="conFgAcc1">
+    <dgm:scene3d>
+      <a:camera prst="orthographicFront"/>
+      <a:lightRig rig="threePt" dir="t"/>
+    </dgm:scene3d>
+    <dgm:sp3d/>
+    <dgm:txPr/>
+    <dgm:style>
+      <a:lnRef idx="2">
+        <a:scrgbClr r="0" g="0" b="0"/>
+      </a:lnRef>
+      <a:fillRef idx="1">
+        <a:scrgbClr r="0" g="0" b="0"/>
+      </a:fillRef>
+      <a:effectRef idx="0">
+        <a:scrgbClr r="0" g="0" b="0"/>
+      </a:effectRef>
+      <a:fontRef idx="minor"/>
+    </dgm:style>
+  </dgm:styleLbl>
+  <dgm:styleLbl name="alignAcc1">
+    <dgm:scene3d>
+      <a:camera prst="orthographicFront"/>
+      <a:lightRig rig="threePt" dir="t"/>
+    </dgm:scene3d>
+    <dgm:sp3d/>
+    <dgm:txPr/>
+    <dgm:style>
+      <a:lnRef idx="2">
+        <a:scrgbClr r="0" g="0" b="0"/>
+      </a:lnRef>
+      <a:fillRef idx="1">
+        <a:scrgbClr r="0" g="0" b="0"/>
+      </a:fillRef>
+      <a:effectRef idx="0">
+        <a:scrgbClr r="0" g="0" b="0"/>
+      </a:effectRef>
+      <a:fontRef idx="minor"/>
+    </dgm:style>
+  </dgm:styleLbl>
+  <dgm:styleLbl name="trAlignAcc1">
+    <dgm:scene3d>
+      <a:camera prst="orthographicFront"/>
+      <a:lightRig rig="threePt" dir="t"/>
+    </dgm:scene3d>
+    <dgm:sp3d/>
+    <dgm:txPr/>
+    <dgm:style>
+      <a:lnRef idx="1">
+        <a:scrgbClr r="0" g="0" b="0"/>
+      </a:lnRef>
+      <a:fillRef idx="1">
+        <a:scrgbClr r="0" g="0" b="0"/>
+      </a:fillRef>
+      <a:effectRef idx="0">
+        <a:scrgbClr r="0" g="0" b="0"/>
+      </a:effectRef>
+      <a:fontRef idx="minor"/>
+    </dgm:style>
+  </dgm:styleLbl>
+  <dgm:styleLbl name="bgAcc1">
+    <dgm:scene3d>
+      <a:camera prst="orthographicFront"/>
+      <a:lightRig rig="threePt" dir="t"/>
+    </dgm:scene3d>
+    <dgm:sp3d/>
+    <dgm:txPr/>
+    <dgm:style>
+      <a:lnRef idx="2">
+        <a:scrgbClr r="0" g="0" b="0"/>
+      </a:lnRef>
+      <a:fillRef idx="1">
+        <a:scrgbClr r="0" g="0" b="0"/>
+      </a:fillRef>
+      <a:effectRef idx="0">
+        <a:scrgbClr r="0" g="0" b="0"/>
+      </a:effectRef>
+      <a:fontRef idx="minor"/>
+    </dgm:style>
+  </dgm:styleLbl>
+  <dgm:styleLbl name="solidFgAcc1">
+    <dgm:scene3d>
+      <a:camera prst="orthographicFront"/>
+      <a:lightRig rig="threePt" dir="t"/>
+    </dgm:scene3d>
+    <dgm:sp3d/>
+    <dgm:txPr/>
+    <dgm:style>
+      <a:lnRef idx="2">
+        <a:scrgbClr r="0" g="0" b="0"/>
+      </a:lnRef>
+      <a:fillRef idx="1">
+        <a:scrgbClr r="0" g="0" b="0"/>
+      </a:fillRef>
+      <a:effectRef idx="0">
+        <a:scrgbClr r="0" g="0" b="0"/>
+      </a:effectRef>
+      <a:fontRef idx="minor"/>
+    </dgm:style>
+  </dgm:styleLbl>
+  <dgm:styleLbl name="solidAlignAcc1">
+    <dgm:scene3d>
+      <a:camera prst="orthographicFront"/>
+      <a:lightRig rig="threePt" dir="t"/>
+    </dgm:scene3d>
+    <dgm:sp3d/>
+    <dgm:txPr/>
+    <dgm:style>
+      <a:lnRef idx="2">
+        <a:scrgbClr r="0" g="0" b="0"/>
+      </a:lnRef>
+      <a:fillRef idx="1">
+        <a:scrgbClr r="0" g="0" b="0"/>
+      </a:fillRef>
+      <a:effectRef idx="0">
+        <a:scrgbClr r="0" g="0" b="0"/>
+      </a:effectRef>
+      <a:fontRef idx="minor"/>
+    </dgm:style>
+  </dgm:styleLbl>
+  <dgm:styleLbl name="solidBgAcc1">
+    <dgm:scene3d>
+      <a:camera prst="orthographicFront"/>
+      <a:lightRig rig="threePt" dir="t"/>
+    </dgm:scene3d>
+    <dgm:sp3d/>
+    <dgm:txPr/>
+    <dgm:style>
+      <a:lnRef idx="2">
+        <a:scrgbClr r="0" g="0" b="0"/>
+      </a:lnRef>
+      <a:fillRef idx="1">
+        <a:scrgbClr r="0" g="0" b="0"/>
+      </a:fillRef>
+      <a:effectRef idx="0">
+        <a:scrgbClr r="0" g="0" b="0"/>
+      </a:effectRef>
+      <a:fontRef idx="minor"/>
+    </dgm:style>
+  </dgm:styleLbl>
+  <dgm:styleLbl name="fgAccFollowNode1">
+    <dgm:scene3d>
+      <a:camera prst="orthographicFront"/>
+      <a:lightRig rig="threePt" dir="t"/>
+    </dgm:scene3d>
+    <dgm:sp3d/>
+    <dgm:txPr/>
+    <dgm:style>
+      <a:lnRef idx="2">
+        <a:scrgbClr r="0" g="0" b="0"/>
+      </a:lnRef>
+      <a:fillRef idx="1">
+        <a:scrgbClr r="0" g="0" b="0"/>
+      </a:fillRef>
+      <a:effectRef idx="0">
+        <a:scrgbClr r="0" g="0" b="0"/>
+      </a:effectRef>
+      <a:fontRef idx="minor"/>
+    </dgm:style>
+  </dgm:styleLbl>
+  <dgm:styleLbl name="alignAccFollowNode1">
+    <dgm:scene3d>
+      <a:camera prst="orthographicFront"/>
+      <a:lightRig rig="threePt" dir="t"/>
+    </dgm:scene3d>
+    <dgm:sp3d/>
+    <dgm:txPr/>
+    <dgm:style>
+      <a:lnRef idx="2">
+        <a:scrgbClr r="0" g="0" b="0"/>
+      </a:lnRef>
+      <a:fillRef idx="1">
+        <a:scrgbClr r="0" g="0" b="0"/>
+      </a:fillRef>
+      <a:effectRef idx="0">
+        <a:scrgbClr r="0" g="0" b="0"/>
+      </a:effectRef>
+      <a:fontRef idx="minor"/>
+    </dgm:style>
+  </dgm:styleLbl>
+  <dgm:styleLbl name="bgAccFollowNode1">
+    <dgm:scene3d>
+      <a:camera prst="orthographicFront"/>
+      <a:lightRig rig="threePt" dir="t"/>
+    </dgm:scene3d>
+    <dgm:sp3d/>
+    <dgm:txPr/>
+    <dgm:style>
+      <a:lnRef idx="2">
+        <a:scrgbClr r="0" g="0" b="0"/>
+      </a:lnRef>
+      <a:fillRef idx="1">
+        <a:scrgbClr r="0" g="0" b="0"/>
+      </a:fillRef>
+      <a:effectRef idx="0">
+        <a:scrgbClr r="0" g="0" b="0"/>
+      </a:effectRef>
+      <a:fontRef idx="minor"/>
+    </dgm:style>
+  </dgm:styleLbl>
+  <dgm:styleLbl name="fgAcc0">
+    <dgm:scene3d>
+      <a:camera prst="orthographicFront"/>
+      <a:lightRig rig="threePt" dir="t"/>
+    </dgm:scene3d>
+    <dgm:sp3d/>
+    <dgm:txPr/>
+    <dgm:style>
+      <a:lnRef idx="2">
+        <a:scrgbClr r="0" g="0" b="0"/>
+      </a:lnRef>
+      <a:fillRef idx="1">
+        <a:scrgbClr r="0" g="0" b="0"/>
+      </a:fillRef>
+      <a:effectRef idx="0">
+        <a:scrgbClr r="0" g="0" b="0"/>
+      </a:effectRef>
+      <a:fontRef idx="minor"/>
+    </dgm:style>
+  </dgm:styleLbl>
+  <dgm:styleLbl name="fgAcc2">
+    <dgm:scene3d>
+      <a:camera prst="orthographicFront"/>
+      <a:lightRig rig="threePt" dir="t"/>
+    </dgm:scene3d>
+    <dgm:sp3d/>
+    <dgm:txPr/>
+    <dgm:style>
+      <a:lnRef idx="2">
+        <a:scrgbClr r="0" g="0" b="0"/>
+      </a:lnRef>
+      <a:fillRef idx="1">
+        <a:scrgbClr r="0" g="0" b="0"/>
+      </a:fillRef>
+      <a:effectRef idx="0">
+        <a:scrgbClr r="0" g="0" b="0"/>
+      </a:effectRef>
+      <a:fontRef idx="minor"/>
+    </dgm:style>
+  </dgm:styleLbl>
+  <dgm:styleLbl name="fgAcc3">
+    <dgm:scene3d>
+      <a:camera prst="orthographicFront"/>
+      <a:lightRig rig="threePt" dir="t"/>
+    </dgm:scene3d>
+    <dgm:sp3d/>
+    <dgm:txPr/>
+    <dgm:style>
+      <a:lnRef idx="2">
+        <a:scrgbClr r="0" g="0" b="0"/>
+      </a:lnRef>
+      <a:fillRef idx="1">
+        <a:scrgbClr r="0" g="0" b="0"/>
+      </a:fillRef>
+      <a:effectRef idx="0">
+        <a:scrgbClr r="0" g="0" b="0"/>
+      </a:effectRef>
+      <a:fontRef idx="minor"/>
+    </dgm:style>
+  </dgm:styleLbl>
+  <dgm:styleLbl name="fgAcc4">
+    <dgm:scene3d>
+      <a:camera prst="orthographicFront"/>
+      <a:lightRig rig="threePt" dir="t"/>
+    </dgm:scene3d>
+    <dgm:sp3d/>
+    <dgm:txPr/>
+    <dgm:style>
+      <a:lnRef idx="2">
+        <a:scrgbClr r="0" g="0" b="0"/>
+      </a:lnRef>
+      <a:fillRef idx="1">
+        <a:scrgbClr r="0" g="0" b="0"/>
+      </a:fillRef>
+      <a:effectRef idx="0">
+        <a:scrgbClr r="0" g="0" b="0"/>
+      </a:effectRef>
+      <a:fontRef idx="minor"/>
+    </dgm:style>
+  </dgm:styleLbl>
+  <dgm:styleLbl name="bgShp">
+    <dgm:scene3d>
+      <a:camera prst="orthographicFront"/>
+      <a:lightRig rig="threePt" dir="t"/>
+    </dgm:scene3d>
+    <dgm:sp3d/>
+    <dgm:txPr/>
+    <dgm:style>
+      <a:lnRef idx="0">
+        <a:scrgbClr r="0" g="0" b="0"/>
+      </a:lnRef>
+      <a:fillRef idx="1">
+        <a:scrgbClr r="0" g="0" b="0"/>
+      </a:fillRef>
+      <a:effectRef idx="0">
+        <a:scrgbClr r="0" g="0" b="0"/>
+      </a:effectRef>
+      <a:fontRef idx="minor"/>
+    </dgm:style>
+  </dgm:styleLbl>
+  <dgm:styleLbl name="dkBgShp">
+    <dgm:scene3d>
+      <a:camera prst="orthographicFront"/>
+      <a:lightRig rig="threePt" dir="t"/>
+    </dgm:scene3d>
+    <dgm:sp3d/>
+    <dgm:txPr/>
+    <dgm:style>
+      <a:lnRef idx="0">
+        <a:scrgbClr r="0" g="0" b="0"/>
+      </a:lnRef>
+      <a:fillRef idx="1">
+        <a:scrgbClr r="0" g="0" b="0"/>
+      </a:fillRef>
+      <a:effectRef idx="0">
+        <a:scrgbClr r="0" g="0" b="0"/>
+      </a:effectRef>
+      <a:fontRef idx="minor"/>
+    </dgm:style>
+  </dgm:styleLbl>
+  <dgm:styleLbl name="trBgShp">
+    <dgm:scene3d>
+      <a:camera prst="orthographicFront"/>
+      <a:lightRig rig="threePt" dir="t"/>
+    </dgm:scene3d>
+    <dgm:sp3d/>
+    <dgm:txPr/>
+    <dgm:style>
+      <a:lnRef idx="0">
+        <a:scrgbClr r="0" g="0" b="0"/>
+      </a:lnRef>
+      <a:fillRef idx="1">
+        <a:scrgbClr r="0" g="0" b="0"/>
+      </a:fillRef>
+      <a:effectRef idx="0">
+        <a:scrgbClr r="0" g="0" b="0"/>
+      </a:effectRef>
+      <a:fontRef idx="minor"/>
+    </dgm:style>
+  </dgm:styleLbl>
+  <dgm:styleLbl name="fgShp">
+    <dgm:scene3d>
+      <a:camera prst="orthographicFront"/>
+      <a:lightRig rig="threePt" dir="t"/>
+    </dgm:scene3d>
+    <dgm:sp3d/>
+    <dgm:txPr/>
+    <dgm:style>
+      <a:lnRef idx="2">
+        <a:scrgbClr r="0" g="0" b="0"/>
+      </a:lnRef>
+      <a:fillRef idx="1">
+        <a:scrgbClr r="0" g="0" b="0"/>
+      </a:fillRef>
+      <a:effectRef idx="0">
+        <a:scrgbClr r="0" g="0" b="0"/>
+      </a:effectRef>
+      <a:fontRef idx="minor"/>
+    </dgm:style>
+  </dgm:styleLbl>
+  <dgm:styleLbl name="revTx">
+    <dgm:scene3d>
+      <a:camera prst="orthographicFront"/>
+      <a:lightRig rig="threePt" dir="t"/>
+    </dgm:scene3d>
+    <dgm:sp3d/>
+    <dgm:txPr/>
+    <dgm:style>
+      <a:lnRef idx="0">
+        <a:scrgbClr r="0" g="0" b="0"/>
+      </a:lnRef>
+      <a:fillRef idx="0">
+        <a:scrgbClr r="0" g="0" b="0"/>
+      </a:fillRef>
+      <a:effectRef idx="0">
+        <a:scrgbClr r="0" g="0" b="0"/>
+      </a:effectRef>
+      <a:fontRef idx="minor"/>
+    </dgm:style>
+  </dgm:styleLbl>
+</dgm:styleDef>
+</file>
+
+<file path=ppt/diagrams/quickStyle2.xml><?xml version="1.0" encoding="utf-8"?>
 <dgm:styleDef xmlns:dgm="http://schemas.openxmlformats.org/drawingml/2006/diagram" xmlns:a="http://schemas.openxmlformats.org/drawingml/2006/main" uniqueId="urn:microsoft.com/office/officeart/2005/8/quickstyle/simple5">
   <dgm:title val=""/>
   <dgm:desc val=""/>
@@ -7224,7 +10411,7 @@
 </dgm:styleDef>
 </file>
 
-<file path=ppt/diagrams/quickStyle2.xml><?xml version="1.0" encoding="utf-8"?>
+<file path=ppt/diagrams/quickStyle3.xml><?xml version="1.0" encoding="utf-8"?>
 <dgm:styleDef xmlns:dgm="http://schemas.openxmlformats.org/drawingml/2006/diagram" xmlns:a="http://schemas.openxmlformats.org/drawingml/2006/main" uniqueId="urn:microsoft.com/office/officeart/2005/8/quickstyle/simple1">
   <dgm:title val=""/>
   <dgm:desc val=""/>
@@ -8258,7 +11445,7 @@
 </dgm:styleDef>
 </file>
 
-<file path=ppt/diagrams/quickStyle3.xml><?xml version="1.0" encoding="utf-8"?>
+<file path=ppt/diagrams/quickStyle4.xml><?xml version="1.0" encoding="utf-8"?>
 <dgm:styleDef xmlns:dgm="http://schemas.openxmlformats.org/drawingml/2006/diagram" xmlns:a="http://schemas.openxmlformats.org/drawingml/2006/main" uniqueId="urn:microsoft.com/office/officeart/2005/8/quickstyle/simple1">
   <dgm:title val=""/>
   <dgm:desc val=""/>
@@ -9439,9 +12626,9 @@
           <a:p>
             <a:fld id="{3E0B6BEE-5E84-4370-8644-E3C3FCC0D5CB}" type="datetimeFigureOut">
               <a:rPr lang="en-US" smtClean="0"/>
-              <a:t>12/2/2022</a:t>
+              <a:t>12/3/2022</a:t>
             </a:fld>
-            <a:endParaRPr lang="en-US"/>
+            <a:endParaRPr lang="en-US" dirty="0"/>
           </a:p>
         </p:txBody>
       </p:sp>
@@ -9466,7 +12653,7 @@
           <a:bodyPr/>
           <a:lstStyle/>
           <a:p>
-            <a:endParaRPr lang="en-US"/>
+            <a:endParaRPr lang="en-US" dirty="0"/>
           </a:p>
         </p:txBody>
       </p:sp>
@@ -9495,7 +12682,7 @@
               <a:rPr lang="en-US" smtClean="0"/>
               <a:t>‹#›</a:t>
             </a:fld>
-            <a:endParaRPr lang="en-US"/>
+            <a:endParaRPr lang="en-US" dirty="0"/>
           </a:p>
         </p:txBody>
       </p:sp>
@@ -9637,9 +12824,9 @@
           <a:p>
             <a:fld id="{3E0B6BEE-5E84-4370-8644-E3C3FCC0D5CB}" type="datetimeFigureOut">
               <a:rPr lang="en-US" smtClean="0"/>
-              <a:t>12/2/2022</a:t>
+              <a:t>12/3/2022</a:t>
             </a:fld>
-            <a:endParaRPr lang="en-US"/>
+            <a:endParaRPr lang="en-US" dirty="0"/>
           </a:p>
         </p:txBody>
       </p:sp>
@@ -9664,7 +12851,7 @@
           <a:bodyPr/>
           <a:lstStyle/>
           <a:p>
-            <a:endParaRPr lang="en-US"/>
+            <a:endParaRPr lang="en-US" dirty="0"/>
           </a:p>
         </p:txBody>
       </p:sp>
@@ -9693,7 +12880,7 @@
               <a:rPr lang="en-US" smtClean="0"/>
               <a:t>‹#›</a:t>
             </a:fld>
-            <a:endParaRPr lang="en-US"/>
+            <a:endParaRPr lang="en-US" dirty="0"/>
           </a:p>
         </p:txBody>
       </p:sp>
@@ -9845,9 +13032,9 @@
           <a:p>
             <a:fld id="{3E0B6BEE-5E84-4370-8644-E3C3FCC0D5CB}" type="datetimeFigureOut">
               <a:rPr lang="en-US" smtClean="0"/>
-              <a:t>12/2/2022</a:t>
+              <a:t>12/3/2022</a:t>
             </a:fld>
-            <a:endParaRPr lang="en-US"/>
+            <a:endParaRPr lang="en-US" dirty="0"/>
           </a:p>
         </p:txBody>
       </p:sp>
@@ -9872,7 +13059,7 @@
           <a:bodyPr/>
           <a:lstStyle/>
           <a:p>
-            <a:endParaRPr lang="en-US"/>
+            <a:endParaRPr lang="en-US" dirty="0"/>
           </a:p>
         </p:txBody>
       </p:sp>
@@ -9901,7 +13088,7 @@
               <a:rPr lang="en-US" smtClean="0"/>
               <a:t>‹#›</a:t>
             </a:fld>
-            <a:endParaRPr lang="en-US"/>
+            <a:endParaRPr lang="en-US" dirty="0"/>
           </a:p>
         </p:txBody>
       </p:sp>
@@ -10043,9 +13230,9 @@
           <a:p>
             <a:fld id="{3E0B6BEE-5E84-4370-8644-E3C3FCC0D5CB}" type="datetimeFigureOut">
               <a:rPr lang="en-US" smtClean="0"/>
-              <a:t>12/2/2022</a:t>
+              <a:t>12/3/2022</a:t>
             </a:fld>
-            <a:endParaRPr lang="en-US"/>
+            <a:endParaRPr lang="en-US" dirty="0"/>
           </a:p>
         </p:txBody>
       </p:sp>
@@ -10070,7 +13257,7 @@
           <a:bodyPr/>
           <a:lstStyle/>
           <a:p>
-            <a:endParaRPr lang="en-US"/>
+            <a:endParaRPr lang="en-US" dirty="0"/>
           </a:p>
         </p:txBody>
       </p:sp>
@@ -10099,7 +13286,7 @@
               <a:rPr lang="en-US" smtClean="0"/>
               <a:t>‹#›</a:t>
             </a:fld>
-            <a:endParaRPr lang="en-US"/>
+            <a:endParaRPr lang="en-US" dirty="0"/>
           </a:p>
         </p:txBody>
       </p:sp>
@@ -10318,9 +13505,9 @@
           <a:p>
             <a:fld id="{3E0B6BEE-5E84-4370-8644-E3C3FCC0D5CB}" type="datetimeFigureOut">
               <a:rPr lang="en-US" smtClean="0"/>
-              <a:t>12/2/2022</a:t>
+              <a:t>12/3/2022</a:t>
             </a:fld>
-            <a:endParaRPr lang="en-US"/>
+            <a:endParaRPr lang="en-US" dirty="0"/>
           </a:p>
         </p:txBody>
       </p:sp>
@@ -10345,7 +13532,7 @@
           <a:bodyPr/>
           <a:lstStyle/>
           <a:p>
-            <a:endParaRPr lang="en-US"/>
+            <a:endParaRPr lang="en-US" dirty="0"/>
           </a:p>
         </p:txBody>
       </p:sp>
@@ -10374,7 +13561,7 @@
               <a:rPr lang="en-US" smtClean="0"/>
               <a:t>‹#›</a:t>
             </a:fld>
-            <a:endParaRPr lang="en-US"/>
+            <a:endParaRPr lang="en-US" dirty="0"/>
           </a:p>
         </p:txBody>
       </p:sp>
@@ -10583,9 +13770,9 @@
           <a:p>
             <a:fld id="{3E0B6BEE-5E84-4370-8644-E3C3FCC0D5CB}" type="datetimeFigureOut">
               <a:rPr lang="en-US" smtClean="0"/>
-              <a:t>12/2/2022</a:t>
+              <a:t>12/3/2022</a:t>
             </a:fld>
-            <a:endParaRPr lang="en-US"/>
+            <a:endParaRPr lang="en-US" dirty="0"/>
           </a:p>
         </p:txBody>
       </p:sp>
@@ -10610,7 +13797,7 @@
           <a:bodyPr/>
           <a:lstStyle/>
           <a:p>
-            <a:endParaRPr lang="en-US"/>
+            <a:endParaRPr lang="en-US" dirty="0"/>
           </a:p>
         </p:txBody>
       </p:sp>
@@ -10639,7 +13826,7 @@
               <a:rPr lang="en-US" smtClean="0"/>
               <a:t>‹#›</a:t>
             </a:fld>
-            <a:endParaRPr lang="en-US"/>
+            <a:endParaRPr lang="en-US" dirty="0"/>
           </a:p>
         </p:txBody>
       </p:sp>
@@ -10995,9 +14182,9 @@
           <a:p>
             <a:fld id="{3E0B6BEE-5E84-4370-8644-E3C3FCC0D5CB}" type="datetimeFigureOut">
               <a:rPr lang="en-US" smtClean="0"/>
-              <a:t>12/2/2022</a:t>
+              <a:t>12/3/2022</a:t>
             </a:fld>
-            <a:endParaRPr lang="en-US"/>
+            <a:endParaRPr lang="en-US" dirty="0"/>
           </a:p>
         </p:txBody>
       </p:sp>
@@ -11022,7 +14209,7 @@
           <a:bodyPr/>
           <a:lstStyle/>
           <a:p>
-            <a:endParaRPr lang="en-US"/>
+            <a:endParaRPr lang="en-US" dirty="0"/>
           </a:p>
         </p:txBody>
       </p:sp>
@@ -11051,7 +14238,7 @@
               <a:rPr lang="en-US" smtClean="0"/>
               <a:t>‹#›</a:t>
             </a:fld>
-            <a:endParaRPr lang="en-US"/>
+            <a:endParaRPr lang="en-US" dirty="0"/>
           </a:p>
         </p:txBody>
       </p:sp>
@@ -11136,9 +14323,9 @@
           <a:p>
             <a:fld id="{3E0B6BEE-5E84-4370-8644-E3C3FCC0D5CB}" type="datetimeFigureOut">
               <a:rPr lang="en-US" smtClean="0"/>
-              <a:t>12/2/2022</a:t>
+              <a:t>12/3/2022</a:t>
             </a:fld>
-            <a:endParaRPr lang="en-US"/>
+            <a:endParaRPr lang="en-US" dirty="0"/>
           </a:p>
         </p:txBody>
       </p:sp>
@@ -11163,7 +14350,7 @@
           <a:bodyPr/>
           <a:lstStyle/>
           <a:p>
-            <a:endParaRPr lang="en-US"/>
+            <a:endParaRPr lang="en-US" dirty="0"/>
           </a:p>
         </p:txBody>
       </p:sp>
@@ -11192,7 +14379,7 @@
               <a:rPr lang="en-US" smtClean="0"/>
               <a:t>‹#›</a:t>
             </a:fld>
-            <a:endParaRPr lang="en-US"/>
+            <a:endParaRPr lang="en-US" dirty="0"/>
           </a:p>
         </p:txBody>
       </p:sp>
@@ -11249,9 +14436,9 @@
           <a:p>
             <a:fld id="{3E0B6BEE-5E84-4370-8644-E3C3FCC0D5CB}" type="datetimeFigureOut">
               <a:rPr lang="en-US" smtClean="0"/>
-              <a:t>12/2/2022</a:t>
+              <a:t>12/3/2022</a:t>
             </a:fld>
-            <a:endParaRPr lang="en-US"/>
+            <a:endParaRPr lang="en-US" dirty="0"/>
           </a:p>
         </p:txBody>
       </p:sp>
@@ -11276,7 +14463,7 @@
           <a:bodyPr/>
           <a:lstStyle/>
           <a:p>
-            <a:endParaRPr lang="en-US"/>
+            <a:endParaRPr lang="en-US" dirty="0"/>
           </a:p>
         </p:txBody>
       </p:sp>
@@ -11305,7 +14492,7 @@
               <a:rPr lang="en-US" smtClean="0"/>
               <a:t>‹#›</a:t>
             </a:fld>
-            <a:endParaRPr lang="en-US"/>
+            <a:endParaRPr lang="en-US" dirty="0"/>
           </a:p>
         </p:txBody>
       </p:sp>
@@ -11560,9 +14747,9 @@
           <a:p>
             <a:fld id="{3E0B6BEE-5E84-4370-8644-E3C3FCC0D5CB}" type="datetimeFigureOut">
               <a:rPr lang="en-US" smtClean="0"/>
-              <a:t>12/2/2022</a:t>
+              <a:t>12/3/2022</a:t>
             </a:fld>
-            <a:endParaRPr lang="en-US"/>
+            <a:endParaRPr lang="en-US" dirty="0"/>
           </a:p>
         </p:txBody>
       </p:sp>
@@ -11587,7 +14774,7 @@
           <a:bodyPr/>
           <a:lstStyle/>
           <a:p>
-            <a:endParaRPr lang="en-US"/>
+            <a:endParaRPr lang="en-US" dirty="0"/>
           </a:p>
         </p:txBody>
       </p:sp>
@@ -11616,7 +14803,7 @@
               <a:rPr lang="en-US" smtClean="0"/>
               <a:t>‹#›</a:t>
             </a:fld>
-            <a:endParaRPr lang="en-US"/>
+            <a:endParaRPr lang="en-US" dirty="0"/>
           </a:p>
         </p:txBody>
       </p:sp>
@@ -11750,7 +14937,7 @@
             </a:lvl9pPr>
           </a:lstStyle>
           <a:p>
-            <a:endParaRPr lang="en-US"/>
+            <a:endParaRPr lang="en-US" dirty="0"/>
           </a:p>
         </p:txBody>
       </p:sp>
@@ -11848,9 +15035,9 @@
           <a:p>
             <a:fld id="{3E0B6BEE-5E84-4370-8644-E3C3FCC0D5CB}" type="datetimeFigureOut">
               <a:rPr lang="en-US" smtClean="0"/>
-              <a:t>12/2/2022</a:t>
+              <a:t>12/3/2022</a:t>
             </a:fld>
-            <a:endParaRPr lang="en-US"/>
+            <a:endParaRPr lang="en-US" dirty="0"/>
           </a:p>
         </p:txBody>
       </p:sp>
@@ -11875,7 +15062,7 @@
           <a:bodyPr/>
           <a:lstStyle/>
           <a:p>
-            <a:endParaRPr lang="en-US"/>
+            <a:endParaRPr lang="en-US" dirty="0"/>
           </a:p>
         </p:txBody>
       </p:sp>
@@ -11904,7 +15091,7 @@
               <a:rPr lang="en-US" smtClean="0"/>
               <a:t>‹#›</a:t>
             </a:fld>
-            <a:endParaRPr lang="en-US"/>
+            <a:endParaRPr lang="en-US" dirty="0"/>
           </a:p>
         </p:txBody>
       </p:sp>
@@ -12089,9 +15276,9 @@
           <a:p>
             <a:fld id="{3E0B6BEE-5E84-4370-8644-E3C3FCC0D5CB}" type="datetimeFigureOut">
               <a:rPr lang="en-US" smtClean="0"/>
-              <a:t>12/2/2022</a:t>
+              <a:t>12/3/2022</a:t>
             </a:fld>
-            <a:endParaRPr lang="en-US"/>
+            <a:endParaRPr lang="en-US" dirty="0"/>
           </a:p>
         </p:txBody>
       </p:sp>
@@ -12134,7 +15321,7 @@
             </a:lvl1pPr>
           </a:lstStyle>
           <a:p>
-            <a:endParaRPr lang="en-US"/>
+            <a:endParaRPr lang="en-US" dirty="0"/>
           </a:p>
         </p:txBody>
       </p:sp>
@@ -12181,7 +15368,7 @@
               <a:rPr lang="en-US" smtClean="0"/>
               <a:t>‹#›</a:t>
             </a:fld>
-            <a:endParaRPr lang="en-US"/>
+            <a:endParaRPr lang="en-US" dirty="0"/>
           </a:p>
         </p:txBody>
       </p:sp>
@@ -12570,7 +15757,7 @@
           <a:lstStyle/>
           <a:p>
             <a:pPr algn="ctr"/>
-            <a:endParaRPr lang="en-US"/>
+            <a:endParaRPr lang="en-US" dirty="0"/>
           </a:p>
         </p:txBody>
       </p:sp>
@@ -12643,7 +15830,7 @@
           <a:lstStyle/>
           <a:p>
             <a:pPr algn="ctr"/>
-            <a:endParaRPr lang="en-US"/>
+            <a:endParaRPr lang="en-US" dirty="0"/>
           </a:p>
         </p:txBody>
       </p:sp>
@@ -12908,7 +16095,7 @@
           <a:lstStyle/>
           <a:p>
             <a:r>
-              <a:rPr lang="en-US" sz="4800" kern="1200">
+              <a:rPr lang="en-US" sz="4800" kern="1200" dirty="0">
                 <a:solidFill>
                   <a:srgbClr val="FFFFFF"/>
                 </a:solidFill>
@@ -13026,7 +16213,7 @@
           <a:lstStyle/>
           <a:p>
             <a:r>
-              <a:rPr lang="en-US" sz="2400" kern="1200">
+              <a:rPr lang="en-US" sz="2400" kern="1200" dirty="0">
                 <a:solidFill>
                   <a:srgbClr val="FFFFFF"/>
                 </a:solidFill>
@@ -13083,6 +16270,209 @@
 </file>
 
 <file path=ppt/slides/slide10.xml><?xml version="1.0" encoding="utf-8"?>
+<p:sld xmlns:a="http://schemas.openxmlformats.org/drawingml/2006/main" xmlns:r="http://schemas.openxmlformats.org/officeDocument/2006/relationships" xmlns:p="http://schemas.openxmlformats.org/presentationml/2006/main">
+  <p:cSld>
+    <p:bg>
+      <p:bgPr>
+        <a:solidFill>
+          <a:schemeClr val="bg1"/>
+        </a:solidFill>
+        <a:effectLst/>
+      </p:bgPr>
+    </p:bg>
+    <p:spTree>
+      <p:nvGrpSpPr>
+        <p:cNvPr id="1" name=""/>
+        <p:cNvGrpSpPr/>
+        <p:nvPr/>
+      </p:nvGrpSpPr>
+      <p:grpSpPr>
+        <a:xfrm>
+          <a:off x="0" y="0"/>
+          <a:ext cx="0" cy="0"/>
+          <a:chOff x="0" y="0"/>
+          <a:chExt cx="0" cy="0"/>
+        </a:xfrm>
+      </p:grpSpPr>
+      <p:sp>
+        <p:nvSpPr>
+          <p:cNvPr id="10" name="Rectangle 9">
+            <a:extLst>
+              <a:ext uri="{FF2B5EF4-FFF2-40B4-BE49-F238E27FC236}">
+                <a16:creationId xmlns:a16="http://schemas.microsoft.com/office/drawing/2014/main" id="{9228552E-C8B1-4A80-8448-0787CE0FC704}"/>
+              </a:ext>
+              <a:ext uri="{C183D7F6-B498-43B3-948B-1728B52AA6E4}">
+                <adec:decorative xmlns:adec="http://schemas.microsoft.com/office/drawing/2017/decorative" val="1"/>
+              </a:ext>
+            </a:extLst>
+          </p:cNvPr>
+          <p:cNvSpPr>
+            <a:spLocks noGrp="1" noRot="1" noChangeAspect="1" noMove="1" noResize="1" noEditPoints="1" noAdjustHandles="1" noChangeArrowheads="1" noChangeShapeType="1" noTextEdit="1"/>
+          </p:cNvSpPr>
+          <p:nvPr>
+            <p:extLst>
+              <p:ext uri="{386F3935-93C4-4BCD-93E2-E3B085C9AB24}">
+                <p16:designElem xmlns:p16="http://schemas.microsoft.com/office/powerpoint/2015/main" val="1"/>
+              </p:ext>
+            </p:extLst>
+          </p:nvPr>
+        </p:nvSpPr>
+        <p:spPr>
+          <a:xfrm>
+            <a:off x="0" y="0"/>
+            <a:ext cx="12192000" cy="6858000"/>
+          </a:xfrm>
+          <a:prstGeom prst="rect">
+            <a:avLst/>
+          </a:prstGeom>
+          <a:solidFill>
+            <a:srgbClr val="000000"/>
+          </a:solidFill>
+          <a:ln>
+            <a:noFill/>
+          </a:ln>
+        </p:spPr>
+        <p:style>
+          <a:lnRef idx="2">
+            <a:schemeClr val="accent1">
+              <a:shade val="50000"/>
+            </a:schemeClr>
+          </a:lnRef>
+          <a:fillRef idx="1">
+            <a:schemeClr val="accent1"/>
+          </a:fillRef>
+          <a:effectRef idx="0">
+            <a:schemeClr val="accent1"/>
+          </a:effectRef>
+          <a:fontRef idx="minor">
+            <a:schemeClr val="lt1"/>
+          </a:fontRef>
+        </p:style>
+        <p:txBody>
+          <a:bodyPr rtlCol="0" anchor="ctr"/>
+          <a:lstStyle/>
+          <a:p>
+            <a:pPr algn="ctr"/>
+            <a:endParaRPr lang="en-US" dirty="0"/>
+          </a:p>
+        </p:txBody>
+      </p:sp>
+      <p:pic>
+        <p:nvPicPr>
+          <p:cNvPr id="6" name="Picture 5">
+            <a:extLst>
+              <a:ext uri="{FF2B5EF4-FFF2-40B4-BE49-F238E27FC236}">
+                <a16:creationId xmlns:a16="http://schemas.microsoft.com/office/drawing/2014/main" id="{3A87617A-F634-A443-5DB9-83E9456B4771}"/>
+              </a:ext>
+            </a:extLst>
+          </p:cNvPr>
+          <p:cNvPicPr>
+            <a:picLocks noChangeAspect="1"/>
+          </p:cNvPicPr>
+          <p:nvPr/>
+        </p:nvPicPr>
+        <p:blipFill rotWithShape="1">
+          <a:blip r:embed="rId2">
+            <a:alphaModFix amt="35000"/>
+          </a:blip>
+          <a:srcRect/>
+          <a:stretch/>
+        </p:blipFill>
+        <p:spPr>
+          <a:xfrm>
+            <a:off x="20" y="10"/>
+            <a:ext cx="12191980" cy="6857990"/>
+          </a:xfrm>
+          <a:prstGeom prst="rect">
+            <a:avLst/>
+          </a:prstGeom>
+        </p:spPr>
+      </p:pic>
+      <p:sp>
+        <p:nvSpPr>
+          <p:cNvPr id="2" name="Title 1">
+            <a:extLst>
+              <a:ext uri="{FF2B5EF4-FFF2-40B4-BE49-F238E27FC236}">
+                <a16:creationId xmlns:a16="http://schemas.microsoft.com/office/drawing/2014/main" id="{549B3EC0-E085-C599-EC28-06492B05FB74}"/>
+              </a:ext>
+            </a:extLst>
+          </p:cNvPr>
+          <p:cNvSpPr>
+            <a:spLocks noGrp="1"/>
+          </p:cNvSpPr>
+          <p:nvPr>
+            <p:ph type="title"/>
+          </p:nvPr>
+        </p:nvSpPr>
+        <p:spPr>
+          <a:xfrm>
+            <a:off x="838200" y="365125"/>
+            <a:ext cx="10515600" cy="1325563"/>
+          </a:xfrm>
+        </p:spPr>
+        <p:txBody>
+          <a:bodyPr>
+            <a:normAutofit/>
+          </a:bodyPr>
+          <a:lstStyle/>
+          <a:p>
+            <a:pPr algn="ctr"/>
+            <a:r>
+              <a:rPr lang="en-US" dirty="0">
+                <a:solidFill>
+                  <a:srgbClr val="FFFFFF"/>
+                </a:solidFill>
+              </a:rPr>
+              <a:t>Test Cases – Fahrenheit to Kelvin</a:t>
+            </a:r>
+          </a:p>
+        </p:txBody>
+      </p:sp>
+      <p:graphicFrame>
+        <p:nvGraphicFramePr>
+          <p:cNvPr id="11" name="Content Placeholder 2">
+            <a:extLst>
+              <a:ext uri="{FF2B5EF4-FFF2-40B4-BE49-F238E27FC236}">
+                <a16:creationId xmlns:a16="http://schemas.microsoft.com/office/drawing/2014/main" id="{11745A5B-8915-A052-195F-7473D03D6D36}"/>
+              </a:ext>
+            </a:extLst>
+          </p:cNvPr>
+          <p:cNvGraphicFramePr>
+            <a:graphicFrameLocks noGrp="1"/>
+          </p:cNvGraphicFramePr>
+          <p:nvPr>
+            <p:ph idx="1"/>
+            <p:extLst>
+              <p:ext uri="{D42A27DB-BD31-4B8C-83A1-F6EECF244321}">
+                <p14:modId xmlns:p14="http://schemas.microsoft.com/office/powerpoint/2010/main" val="447058708"/>
+              </p:ext>
+            </p:extLst>
+          </p:nvPr>
+        </p:nvGraphicFramePr>
+        <p:xfrm>
+          <a:off x="838200" y="1825625"/>
+          <a:ext cx="10515600" cy="4351338"/>
+        </p:xfrm>
+        <a:graphic>
+          <a:graphicData uri="http://schemas.openxmlformats.org/drawingml/2006/diagram">
+            <dgm:relIds xmlns:dgm="http://schemas.openxmlformats.org/drawingml/2006/diagram" xmlns:r="http://schemas.openxmlformats.org/officeDocument/2006/relationships" r:dm="rId3" r:lo="rId4" r:qs="rId5" r:cs="rId6"/>
+          </a:graphicData>
+        </a:graphic>
+      </p:graphicFrame>
+    </p:spTree>
+    <p:extLst>
+      <p:ext uri="{BB962C8B-B14F-4D97-AF65-F5344CB8AC3E}">
+        <p14:creationId xmlns:p14="http://schemas.microsoft.com/office/powerpoint/2010/main" val="3071326755"/>
+      </p:ext>
+    </p:extLst>
+  </p:cSld>
+  <p:clrMapOvr>
+    <a:overrideClrMapping bg1="dk1" tx1="lt1" bg2="dk2" tx2="lt2" accent1="accent1" accent2="accent2" accent3="accent3" accent4="accent4" accent5="accent5" accent6="accent6" hlink="hlink" folHlink="folHlink"/>
+  </p:clrMapOvr>
+</p:sld>
+</file>
+
+<file path=ppt/slides/slide11.xml><?xml version="1.0" encoding="utf-8"?>
 <p:sld xmlns:a="http://schemas.openxmlformats.org/drawingml/2006/main" xmlns:r="http://schemas.openxmlformats.org/officeDocument/2006/relationships" xmlns:p="http://schemas.openxmlformats.org/presentationml/2006/main">
   <p:cSld>
     <p:bg>
@@ -13166,7 +16556,7 @@
           <a:lstStyle/>
           <a:p>
             <a:pPr algn="ctr"/>
-            <a:endParaRPr lang="en-US"/>
+            <a:endParaRPr lang="en-US" dirty="0"/>
           </a:p>
         </p:txBody>
       </p:sp>
@@ -13293,7 +16683,7 @@
           <a:lstStyle/>
           <a:p>
             <a:r>
-              <a:rPr lang="en-US" sz="2400">
+              <a:rPr lang="en-US" sz="2400" dirty="0">
                 <a:solidFill>
                   <a:srgbClr val="FFFFFF"/>
                 </a:solidFill>
@@ -13303,7 +16693,7 @@
           </a:p>
           <a:p>
             <a:r>
-              <a:rPr lang="en-US" sz="2400">
+              <a:rPr lang="en-US" sz="2400" dirty="0">
                 <a:solidFill>
                   <a:srgbClr val="FFFFFF"/>
                 </a:solidFill>
@@ -13313,7 +16703,7 @@
           </a:p>
           <a:p>
             <a:r>
-              <a:rPr lang="en-US" sz="2400">
+              <a:rPr lang="en-US" sz="2400" dirty="0">
                 <a:solidFill>
                   <a:srgbClr val="FFFFFF"/>
                 </a:solidFill>
@@ -13323,7 +16713,7 @@
           </a:p>
           <a:p>
             <a:r>
-              <a:rPr lang="en-US" sz="2400">
+              <a:rPr lang="en-US" sz="2400" dirty="0">
                 <a:solidFill>
                   <a:srgbClr val="FFFFFF"/>
                 </a:solidFill>
@@ -13333,7 +16723,7 @@
           </a:p>
           <a:p>
             <a:r>
-              <a:rPr lang="en-US" sz="2400">
+              <a:rPr lang="en-US" sz="2400" dirty="0">
                 <a:solidFill>
                   <a:srgbClr val="FFFFFF"/>
                 </a:solidFill>
@@ -13343,7 +16733,7 @@
           </a:p>
           <a:p>
             <a:r>
-              <a:rPr lang="en-US" sz="2400">
+              <a:rPr lang="en-US" sz="2400" dirty="0">
                 <a:solidFill>
                   <a:srgbClr val="FFFFFF"/>
                 </a:solidFill>
@@ -13353,7 +16743,7 @@
           </a:p>
           <a:p>
             <a:r>
-              <a:rPr lang="en-US" sz="2400">
+              <a:rPr lang="en-US" sz="2400" dirty="0">
                 <a:solidFill>
                   <a:srgbClr val="FFFFFF"/>
                 </a:solidFill>
@@ -13363,7 +16753,7 @@
           </a:p>
           <a:p>
             <a:r>
-              <a:rPr lang="en-US" sz="2400">
+              <a:rPr lang="en-US" sz="2400" dirty="0">
                 <a:solidFill>
                   <a:srgbClr val="FFFFFF"/>
                 </a:solidFill>
@@ -13387,6 +16777,200 @@
 </file>
 
 <file path=ppt/slides/slide2.xml><?xml version="1.0" encoding="utf-8"?>
+<p:sld xmlns:a="http://schemas.openxmlformats.org/drawingml/2006/main" xmlns:r="http://schemas.openxmlformats.org/officeDocument/2006/relationships" xmlns:p="http://schemas.openxmlformats.org/presentationml/2006/main">
+  <p:cSld>
+    <p:spTree>
+      <p:nvGrpSpPr>
+        <p:cNvPr id="1" name=""/>
+        <p:cNvGrpSpPr/>
+        <p:nvPr/>
+      </p:nvGrpSpPr>
+      <p:grpSpPr>
+        <a:xfrm>
+          <a:off x="0" y="0"/>
+          <a:ext cx="0" cy="0"/>
+          <a:chOff x="0" y="0"/>
+          <a:chExt cx="0" cy="0"/>
+        </a:xfrm>
+      </p:grpSpPr>
+      <p:graphicFrame>
+        <p:nvGraphicFramePr>
+          <p:cNvPr id="14" name="Content Placeholder 2">
+            <a:extLst>
+              <a:ext uri="{FF2B5EF4-FFF2-40B4-BE49-F238E27FC236}">
+                <a16:creationId xmlns:a16="http://schemas.microsoft.com/office/drawing/2014/main" id="{B8EFB0CF-5F71-7598-54F2-C017883B3E27}"/>
+              </a:ext>
+            </a:extLst>
+          </p:cNvPr>
+          <p:cNvGraphicFramePr>
+            <a:graphicFrameLocks noGrp="1"/>
+          </p:cNvGraphicFramePr>
+          <p:nvPr>
+            <p:ph sz="half" idx="2"/>
+            <p:extLst>
+              <p:ext uri="{D42A27DB-BD31-4B8C-83A1-F6EECF244321}">
+                <p14:modId xmlns:p14="http://schemas.microsoft.com/office/powerpoint/2010/main" val="2348379863"/>
+              </p:ext>
+            </p:extLst>
+          </p:nvPr>
+        </p:nvGraphicFramePr>
+        <p:xfrm>
+          <a:off x="839788" y="539392"/>
+          <a:ext cx="4461677" cy="5804899"/>
+        </p:xfrm>
+        <a:graphic>
+          <a:graphicData uri="http://schemas.openxmlformats.org/drawingml/2006/diagram">
+            <dgm:relIds xmlns:dgm="http://schemas.openxmlformats.org/drawingml/2006/diagram" xmlns:r="http://schemas.openxmlformats.org/officeDocument/2006/relationships" r:dm="rId2" r:lo="rId3" r:qs="rId4" r:cs="rId5"/>
+          </a:graphicData>
+        </a:graphic>
+      </p:graphicFrame>
+      <p:sp>
+        <p:nvSpPr>
+          <p:cNvPr id="12" name="Content Placeholder 11">
+            <a:extLst>
+              <a:ext uri="{FF2B5EF4-FFF2-40B4-BE49-F238E27FC236}">
+                <a16:creationId xmlns:a16="http://schemas.microsoft.com/office/drawing/2014/main" id="{9E00A626-090B-2D27-4B4F-888D98BF4B19}"/>
+              </a:ext>
+            </a:extLst>
+          </p:cNvPr>
+          <p:cNvSpPr>
+            <a:spLocks noGrp="1"/>
+          </p:cNvSpPr>
+          <p:nvPr>
+            <p:ph sz="quarter" idx="4"/>
+          </p:nvPr>
+        </p:nvSpPr>
+        <p:spPr>
+          <a:xfrm>
+            <a:off x="5301465" y="539392"/>
+            <a:ext cx="6053923" cy="5804899"/>
+          </a:xfrm>
+        </p:spPr>
+        <p:txBody>
+          <a:bodyPr>
+            <a:normAutofit fontScale="40000" lnSpcReduction="20000"/>
+          </a:bodyPr>
+          <a:lstStyle/>
+          <a:p>
+            <a:r>
+              <a:rPr lang="en-US" sz="3500" dirty="0">
+                <a:latin typeface="Arial" panose="020B0604020202020204" pitchFamily="34" charset="0"/>
+                <a:cs typeface="Arial" panose="020B0604020202020204" pitchFamily="34" charset="0"/>
+              </a:rPr>
+              <a:t>Temperature Converter built with Java/Android Studio.</a:t>
+            </a:r>
+          </a:p>
+          <a:p>
+            <a:r>
+              <a:rPr lang="en-US" sz="3500" dirty="0">
+                <a:latin typeface="Arial" panose="020B0604020202020204" pitchFamily="34" charset="0"/>
+                <a:cs typeface="Arial" panose="020B0604020202020204" pitchFamily="34" charset="0"/>
+              </a:rPr>
+              <a:t>I would say code is working close to 100% as are some minor bugs.</a:t>
+            </a:r>
+          </a:p>
+          <a:p>
+            <a:r>
+              <a:rPr lang="en-US" sz="3500" dirty="0">
+                <a:latin typeface="Arial" panose="020B0604020202020204" pitchFamily="34" charset="0"/>
+                <a:cs typeface="Arial" panose="020B0604020202020204" pitchFamily="34" charset="0"/>
+              </a:rPr>
+              <a:t>Photos provided in presentation as well as live demo.</a:t>
+            </a:r>
+          </a:p>
+          <a:p>
+            <a:r>
+              <a:rPr lang="en-US" sz="3500" dirty="0">
+                <a:latin typeface="Arial" panose="020B0604020202020204" pitchFamily="34" charset="0"/>
+                <a:cs typeface="Arial" panose="020B0604020202020204" pitchFamily="34" charset="0"/>
+              </a:rPr>
+              <a:t>Code organization explained – ConverterClass.Java, MainActivity.java, activity_main.xml, AndroidManifest.xml, custom_progress_bg.xml, and associated image.</a:t>
+            </a:r>
+          </a:p>
+          <a:p>
+            <a:r>
+              <a:rPr lang="en-US" sz="3500" dirty="0">
+                <a:latin typeface="Arial" panose="020B0604020202020204" pitchFamily="34" charset="0"/>
+                <a:cs typeface="Arial" panose="020B0604020202020204" pitchFamily="34" charset="0"/>
+              </a:rPr>
+              <a:t>The project relies on activities within MainActivity.java utilizing the ConverterClass.java to create new objects for each conversion as well as the layout files such as activity_main.xml and custom_progress_bg.xml as part of the progress bar.</a:t>
+            </a:r>
+          </a:p>
+          <a:p>
+            <a:r>
+              <a:rPr lang="en-US" sz="3500" dirty="0">
+                <a:latin typeface="Arial" panose="020B0604020202020204" pitchFamily="34" charset="0"/>
+                <a:cs typeface="Arial" panose="020B0604020202020204" pitchFamily="34" charset="0"/>
+              </a:rPr>
+              <a:t>No design patterns were purposefully used with the project.</a:t>
+            </a:r>
+          </a:p>
+          <a:p>
+            <a:r>
+              <a:rPr lang="en-US" sz="3500" dirty="0">
+                <a:latin typeface="Arial" panose="020B0604020202020204" pitchFamily="34" charset="0"/>
+                <a:cs typeface="Arial" panose="020B0604020202020204" pitchFamily="34" charset="0"/>
+              </a:rPr>
+              <a:t>We have 24 test cases, 4 for each of the 6 associated temperature conversions. Also tested against existing online conversion calculators to test consistency.</a:t>
+            </a:r>
+          </a:p>
+          <a:p>
+            <a:r>
+              <a:rPr lang="en-US" sz="3500" dirty="0">
+                <a:latin typeface="Arial" panose="020B0604020202020204" pitchFamily="34" charset="0"/>
+                <a:cs typeface="Arial" panose="020B0604020202020204" pitchFamily="34" charset="0"/>
+              </a:rPr>
+              <a:t>Layout needs constantly be updated /resolved with new features being added. Not necessarily the same per device as sequence of design / implementation could be different on each machine that is developing the application.</a:t>
+            </a:r>
+          </a:p>
+          <a:p>
+            <a:r>
+              <a:rPr lang="en-US" sz="3500" dirty="0">
+                <a:latin typeface="Arial" panose="020B0604020202020204" pitchFamily="34" charset="0"/>
+                <a:cs typeface="Arial" panose="020B0604020202020204" pitchFamily="34" charset="0"/>
+              </a:rPr>
+              <a:t>Andre Nasrah contributed conceptual – stripped down code before as well implementing converterclass.java to have a class object associated with program, basic layout in activity_main.xml, and basis of documentation.  Contributed to Github regarding bug editing. Provided test cases along with updates which were regularly pushed to Github. Zoom meeting setups and coordination </a:t>
+            </a:r>
+            <a:r>
+              <a:rPr lang="en-US" sz="3500">
+                <a:latin typeface="Arial" panose="020B0604020202020204" pitchFamily="34" charset="0"/>
+                <a:cs typeface="Arial" panose="020B0604020202020204" pitchFamily="34" charset="0"/>
+              </a:rPr>
+              <a:t>of meetings.</a:t>
+            </a:r>
+            <a:endParaRPr lang="en-US" sz="3500" dirty="0">
+              <a:latin typeface="Arial" panose="020B0604020202020204" pitchFamily="34" charset="0"/>
+              <a:cs typeface="Arial" panose="020B0604020202020204" pitchFamily="34" charset="0"/>
+            </a:endParaRPr>
+          </a:p>
+          <a:p>
+            <a:r>
+              <a:rPr lang="en-US" sz="3500" dirty="0">
+                <a:latin typeface="Arial" panose="020B0604020202020204" pitchFamily="34" charset="0"/>
+                <a:cs typeface="Arial" panose="020B0604020202020204" pitchFamily="34" charset="0"/>
+              </a:rPr>
+              <a:t>Ellie Brown contributed development of additional features such as progress bar/ if/else statements with background changes, spinner/ dropdown menu, implementation of Kelvin associated conversions being integrated with her newly modified of her previous implementations of Fahrenheit/Celsius. Contributed to Github regularly. Created README.md file with original contents.</a:t>
+            </a:r>
+          </a:p>
+          <a:p>
+            <a:endParaRPr lang="en-US" sz="1600" dirty="0"/>
+          </a:p>
+        </p:txBody>
+      </p:sp>
+    </p:spTree>
+    <p:extLst>
+      <p:ext uri="{BB962C8B-B14F-4D97-AF65-F5344CB8AC3E}">
+        <p14:creationId xmlns:p14="http://schemas.microsoft.com/office/powerpoint/2010/main" val="2736222943"/>
+      </p:ext>
+    </p:extLst>
+  </p:cSld>
+  <p:clrMapOvr>
+    <a:masterClrMapping/>
+  </p:clrMapOvr>
+</p:sld>
+</file>
+
+<file path=ppt/slides/slide3.xml><?xml version="1.0" encoding="utf-8"?>
 <p:sld xmlns:a="http://schemas.openxmlformats.org/drawingml/2006/main" xmlns:r="http://schemas.openxmlformats.org/officeDocument/2006/relationships" xmlns:p="http://schemas.openxmlformats.org/presentationml/2006/main">
   <p:cSld>
     <p:bg>
@@ -13470,7 +17054,7 @@
           <a:lstStyle/>
           <a:p>
             <a:pPr algn="ctr"/>
-            <a:endParaRPr lang="en-US"/>
+            <a:endParaRPr lang="en-US" dirty="0"/>
           </a:p>
         </p:txBody>
       </p:sp>
@@ -13582,7 +17166,7 @@
           <a:lstStyle/>
           <a:p>
             <a:pPr algn="ctr"/>
-            <a:endParaRPr lang="en-US"/>
+            <a:endParaRPr lang="en-US" dirty="0"/>
           </a:p>
         </p:txBody>
       </p:sp>
@@ -13693,7 +17277,7 @@
           <a:lstStyle/>
           <a:p>
             <a:pPr algn="ctr"/>
-            <a:endParaRPr lang="en-US"/>
+            <a:endParaRPr lang="en-US" dirty="0"/>
           </a:p>
         </p:txBody>
       </p:sp>
@@ -13726,7 +17310,7 @@
           <a:lstStyle/>
           <a:p>
             <a:r>
-              <a:rPr lang="en-US"/>
+              <a:rPr lang="en-US" dirty="0"/>
               <a:t>Temperature Converter Application Overview</a:t>
             </a:r>
           </a:p>
@@ -13800,8 +17384,8 @@
           <a:lstStyle/>
           <a:p>
             <a:r>
-              <a:rPr lang="en-US" sz="2000"/>
-              <a:t>User inputs a number and selects if they want to convert from Celsius to Fahrenheit, Fahrenheit to Celsius, Kelvin to Fahrenheit, Fahrenheit to Kelvin, Celsius to Kelvin, or Kelvin to Celsius. A progress bar is implemented at the bottom of the screen to indicate freezing, and boiling based on conversion. When the bar is at 0 it means that value was either at freezing or below freezing. When the bar is full it means that value was either at boiling point or above it. For example, when a user inputs 32 and selects to convert from Fahrenheit to Celsius, the bar will be at 0 and the result will be 0 in the output field. This indicates that 32 F and 0 C are the same both visually and numerically.</a:t>
+              <a:rPr lang="en-US" sz="2000" dirty="0"/>
+              <a:t>User inputs a number (temperature) and selects if they want to convert from Celsius to Fahrenheit, Fahrenheit to Celsius, Kelvin to Fahrenheit, Fahrenheit to Kelvin, Celsius to Kelvin, or Kelvin to Celsius. A progress bar is implemented at the bottom of the screen to indicate freezing, and boiling based on conversion. When the bar is at 0 it means that value was either at freezing or below freezing. When the bar is full it means that value was either at boiling point or above it. For example, when a user inputs 32 and selects to convert from Fahrenheit to Celsius, the bar will be at 0 and the result will be 0 in the output field. This indicates that 32 F and 0 C are the same both visually and numerically.</a:t>
             </a:r>
           </a:p>
         </p:txBody>
@@ -13819,7 +17403,7 @@
 </p:sld>
 </file>
 
-<file path=ppt/slides/slide3.xml><?xml version="1.0" encoding="utf-8"?>
+<file path=ppt/slides/slide4.xml><?xml version="1.0" encoding="utf-8"?>
 <p:sld xmlns:a="http://schemas.openxmlformats.org/drawingml/2006/main" xmlns:r="http://schemas.openxmlformats.org/officeDocument/2006/relationships" xmlns:p="http://schemas.openxmlformats.org/presentationml/2006/main">
   <p:cSld>
     <p:bg>
@@ -13954,7 +17538,7 @@
           <a:lstStyle/>
           <a:p>
             <a:pPr algn="ctr"/>
-            <a:endParaRPr lang="en-US"/>
+            <a:endParaRPr lang="en-US" dirty="0"/>
           </a:p>
         </p:txBody>
       </p:sp>
@@ -13987,7 +17571,7 @@
           <a:lstStyle/>
           <a:p>
             <a:r>
-              <a:rPr lang="en-US"/>
+              <a:rPr lang="en-US" dirty="0"/>
               <a:t>How to Use	</a:t>
             </a:r>
           </a:p>
@@ -14009,7 +17593,7 @@
             <p:ph idx="1"/>
             <p:extLst>
               <p:ext uri="{D42A27DB-BD31-4B8C-83A1-F6EECF244321}">
-                <p14:modId xmlns:p14="http://schemas.microsoft.com/office/powerpoint/2010/main" val="3571066701"/>
+                <p14:modId xmlns:p14="http://schemas.microsoft.com/office/powerpoint/2010/main" val="3484742549"/>
               </p:ext>
             </p:extLst>
           </p:nvPr>
@@ -14037,7 +17621,7 @@
 </p:sld>
 </file>
 
-<file path=ppt/slides/slide4.xml><?xml version="1.0" encoding="utf-8"?>
+<file path=ppt/slides/slide5.xml><?xml version="1.0" encoding="utf-8"?>
 <p:sld xmlns:a="http://schemas.openxmlformats.org/drawingml/2006/main" xmlns:r="http://schemas.openxmlformats.org/officeDocument/2006/relationships" xmlns:p="http://schemas.openxmlformats.org/presentationml/2006/main">
   <p:cSld>
     <p:bg>
@@ -14121,7 +17705,7 @@
           <a:lstStyle/>
           <a:p>
             <a:pPr algn="ctr"/>
-            <a:endParaRPr lang="en-US"/>
+            <a:endParaRPr lang="en-US" dirty="0"/>
           </a:p>
         </p:txBody>
       </p:sp>
@@ -14229,7 +17813,7 @@
           <a:lstStyle/>
           <a:p>
             <a:pPr algn="ctr"/>
-            <a:endParaRPr lang="en-US"/>
+            <a:endParaRPr lang="en-US" dirty="0"/>
           </a:p>
         </p:txBody>
       </p:sp>
@@ -14339,7 +17923,7 @@
           <a:lstStyle/>
           <a:p>
             <a:pPr algn="ctr"/>
-            <a:endParaRPr lang="en-US"/>
+            <a:endParaRPr lang="en-US" dirty="0"/>
           </a:p>
         </p:txBody>
       </p:sp>
@@ -14555,7 +18139,7 @@
 </p:sld>
 </file>
 
-<file path=ppt/slides/slide5.xml><?xml version="1.0" encoding="utf-8"?>
+<file path=ppt/slides/slide6.xml><?xml version="1.0" encoding="utf-8"?>
 <p:sld xmlns:a="http://schemas.openxmlformats.org/drawingml/2006/main" xmlns:r="http://schemas.openxmlformats.org/officeDocument/2006/relationships" xmlns:p="http://schemas.openxmlformats.org/presentationml/2006/main">
   <p:cSld>
     <p:bg>
@@ -14639,7 +18223,7 @@
           <a:lstStyle/>
           <a:p>
             <a:pPr algn="ctr"/>
-            <a:endParaRPr lang="en-US"/>
+            <a:endParaRPr lang="en-US" dirty="0"/>
           </a:p>
         </p:txBody>
       </p:sp>
@@ -14743,7 +18327,7 @@
           <a:lstStyle/>
           <a:p>
             <a:r>
-              <a:rPr lang="en-US" sz="2400" i="0">
+              <a:rPr lang="en-US" sz="2400" i="0" dirty="0">
                 <a:solidFill>
                   <a:srgbClr val="FFFFFF"/>
                 </a:solidFill>
@@ -14755,19 +18339,19 @@
           </a:p>
           <a:p>
             <a:r>
-              <a:rPr lang="en-US" sz="2400" i="0">
+              <a:rPr lang="en-US" sz="2400" i="0" dirty="0">
                 <a:solidFill>
                   <a:srgbClr val="FFFFFF"/>
                 </a:solidFill>
                 <a:effectLst/>
                 <a:latin typeface="-apple-system"/>
               </a:rPr>
-              <a:t>-Progress bar will be filled about one-third of the way and background will change to Green.</a:t>
+              <a:t>Progress bar will be filled about one-third of the way and background will change to Green.</a:t>
             </a:r>
           </a:p>
           <a:p>
             <a:r>
-              <a:rPr lang="en-US" sz="2400" i="0">
+              <a:rPr lang="en-US" sz="2400" i="0" dirty="0">
                 <a:solidFill>
                   <a:srgbClr val="FFFFFF"/>
                 </a:solidFill>
@@ -14779,16 +18363,16 @@
           </a:p>
           <a:p>
             <a:r>
-              <a:rPr lang="en-US" sz="2400" i="0">
+              <a:rPr lang="en-US" sz="2400" i="0" dirty="0">
                 <a:solidFill>
                   <a:srgbClr val="FFFFFF"/>
                 </a:solidFill>
                 <a:effectLst/>
                 <a:latin typeface="-apple-system"/>
               </a:rPr>
-              <a:t>-Progress bar will be empty, and background will change to Blue.</a:t>
+              <a:t>Progress bar will be empty, and background will change to Blue.</a:t>
             </a:r>
-            <a:endParaRPr lang="en-US" sz="2400">
+            <a:endParaRPr lang="en-US" sz="2400" dirty="0">
               <a:solidFill>
                 <a:srgbClr val="FFFFFF"/>
               </a:solidFill>
@@ -14796,7 +18380,7 @@
           </a:p>
           <a:p>
             <a:r>
-              <a:rPr lang="en-US" sz="2400">
+              <a:rPr lang="en-US" sz="2400" dirty="0">
                 <a:solidFill>
                   <a:srgbClr val="FFFFFF"/>
                 </a:solidFill>
@@ -14806,7 +18390,7 @@
           </a:p>
           <a:p>
             <a:r>
-              <a:rPr lang="en-US" sz="2400">
+              <a:rPr lang="en-US" sz="2400" dirty="0">
                 <a:solidFill>
                   <a:srgbClr val="FFFFFF"/>
                 </a:solidFill>
@@ -14816,7 +18400,7 @@
           </a:p>
           <a:p>
             <a:r>
-              <a:rPr lang="en-US" sz="2400">
+              <a:rPr lang="en-US" sz="2400" dirty="0">
                 <a:solidFill>
                   <a:srgbClr val="FFFFFF"/>
                 </a:solidFill>
@@ -14826,7 +18410,7 @@
           </a:p>
           <a:p>
             <a:r>
-              <a:rPr lang="en-US" sz="2400">
+              <a:rPr lang="en-US" sz="2400" dirty="0">
                 <a:solidFill>
                   <a:srgbClr val="FFFFFF"/>
                 </a:solidFill>
@@ -14835,7 +18419,7 @@
             </a:r>
           </a:p>
           <a:p>
-            <a:endParaRPr lang="en-US" sz="2400">
+            <a:endParaRPr lang="en-US" sz="2400" dirty="0">
               <a:solidFill>
                 <a:srgbClr val="FFFFFF"/>
               </a:solidFill>
@@ -14856,7 +18440,7 @@
 </p:sld>
 </file>
 
-<file path=ppt/slides/slide6.xml><?xml version="1.0" encoding="utf-8"?>
+<file path=ppt/slides/slide7.xml><?xml version="1.0" encoding="utf-8"?>
 <p:sld xmlns:a="http://schemas.openxmlformats.org/drawingml/2006/main" xmlns:r="http://schemas.openxmlformats.org/officeDocument/2006/relationships" xmlns:p="http://schemas.openxmlformats.org/presentationml/2006/main">
   <p:cSld>
     <p:bg>
@@ -14940,7 +18524,7 @@
           <a:lstStyle/>
           <a:p>
             <a:pPr algn="ctr"/>
-            <a:endParaRPr lang="en-US"/>
+            <a:endParaRPr lang="en-US" dirty="0"/>
           </a:p>
         </p:txBody>
       </p:sp>
@@ -15044,7 +18628,7 @@
           <a:lstStyle/>
           <a:p>
             <a:r>
-              <a:rPr lang="en-US" sz="2400" i="0">
+              <a:rPr lang="en-US" sz="2400" i="0" dirty="0">
                 <a:solidFill>
                   <a:srgbClr val="FFFFFF"/>
                 </a:solidFill>
@@ -15056,7 +18640,7 @@
           </a:p>
           <a:p>
             <a:r>
-              <a:rPr lang="en-US" sz="2400" i="0">
+              <a:rPr lang="en-US" sz="2400" i="0" dirty="0">
                 <a:solidFill>
                   <a:srgbClr val="FFFFFF"/>
                 </a:solidFill>
@@ -15066,7 +18650,7 @@
               <a:t>Progress bar will be empty</a:t>
             </a:r>
             <a:r>
-              <a:rPr lang="en-US" sz="2400">
+              <a:rPr lang="en-US" sz="2400" dirty="0">
                 <a:solidFill>
                   <a:srgbClr val="FFFFFF"/>
                 </a:solidFill>
@@ -15075,7 +18659,7 @@
               <a:t>, </a:t>
             </a:r>
             <a:r>
-              <a:rPr lang="en-US" sz="2400" i="0">
+              <a:rPr lang="en-US" sz="2400" i="0" dirty="0">
                 <a:solidFill>
                   <a:srgbClr val="FFFFFF"/>
                 </a:solidFill>
@@ -15087,7 +18671,7 @@
           </a:p>
           <a:p>
             <a:r>
-              <a:rPr lang="en-US" sz="2400" i="0">
+              <a:rPr lang="en-US" sz="2400" i="0" dirty="0">
                 <a:solidFill>
                   <a:srgbClr val="FFFFFF"/>
                 </a:solidFill>
@@ -15099,7 +18683,7 @@
           </a:p>
           <a:p>
             <a:r>
-              <a:rPr lang="en-US" sz="2400" i="0">
+              <a:rPr lang="en-US" sz="2400" i="0" dirty="0">
                 <a:solidFill>
                   <a:srgbClr val="FFFFFF"/>
                 </a:solidFill>
@@ -15109,7 +18693,7 @@
               <a:t>Progress bar will be full</a:t>
             </a:r>
             <a:r>
-              <a:rPr lang="en-US" sz="2400">
+              <a:rPr lang="en-US" sz="2400" dirty="0">
                 <a:solidFill>
                   <a:srgbClr val="FFFFFF"/>
                 </a:solidFill>
@@ -15118,7 +18702,7 @@
               <a:t>, </a:t>
             </a:r>
             <a:r>
-              <a:rPr lang="en-US" sz="2400" i="0">
+              <a:rPr lang="en-US" sz="2400" i="0" dirty="0">
                 <a:solidFill>
                   <a:srgbClr val="FFFFFF"/>
                 </a:solidFill>
@@ -15130,7 +18714,7 @@
           </a:p>
           <a:p>
             <a:r>
-              <a:rPr lang="en-US" sz="2400" i="0">
+              <a:rPr lang="en-US" sz="2400" i="0" dirty="0">
                 <a:solidFill>
                   <a:srgbClr val="FFFFFF"/>
                 </a:solidFill>
@@ -15142,7 +18726,7 @@
           </a:p>
           <a:p>
             <a:r>
-              <a:rPr lang="en-US" sz="2400" i="0">
+              <a:rPr lang="en-US" sz="2400" i="0" dirty="0">
                 <a:solidFill>
                   <a:srgbClr val="FFFFFF"/>
                 </a:solidFill>
@@ -15154,7 +18738,7 @@
           </a:p>
           <a:p>
             <a:r>
-              <a:rPr lang="en-US" sz="2400" i="0">
+              <a:rPr lang="en-US" sz="2400" i="0" dirty="0">
                 <a:solidFill>
                   <a:srgbClr val="FFFFFF"/>
                 </a:solidFill>
@@ -15166,7 +18750,7 @@
           </a:p>
           <a:p>
             <a:r>
-              <a:rPr lang="en-US" sz="2400" i="0">
+              <a:rPr lang="en-US" sz="2400" i="0" dirty="0">
                 <a:solidFill>
                   <a:srgbClr val="FFFFFF"/>
                 </a:solidFill>
@@ -15177,7 +18761,7 @@
             </a:r>
           </a:p>
           <a:p>
-            <a:endParaRPr lang="en-US" sz="2400">
+            <a:endParaRPr lang="en-US" sz="2400" dirty="0">
               <a:solidFill>
                 <a:srgbClr val="FFFFFF"/>
               </a:solidFill>
@@ -15198,7 +18782,7 @@
 </p:sld>
 </file>
 
-<file path=ppt/slides/slide7.xml><?xml version="1.0" encoding="utf-8"?>
+<file path=ppt/slides/slide8.xml><?xml version="1.0" encoding="utf-8"?>
 <p:sld xmlns:a="http://schemas.openxmlformats.org/drawingml/2006/main" xmlns:r="http://schemas.openxmlformats.org/officeDocument/2006/relationships" xmlns:p="http://schemas.openxmlformats.org/presentationml/2006/main">
   <p:cSld>
     <p:bg>
@@ -15282,7 +18866,7 @@
           <a:lstStyle/>
           <a:p>
             <a:pPr algn="ctr"/>
-            <a:endParaRPr lang="en-US"/>
+            <a:endParaRPr lang="en-US" dirty="0"/>
           </a:p>
         </p:txBody>
       </p:sp>
@@ -15386,7 +18970,7 @@
           <a:lstStyle/>
           <a:p>
             <a:r>
-              <a:rPr lang="en-US" sz="2600">
+              <a:rPr lang="en-US" sz="2600" dirty="0">
                 <a:solidFill>
                   <a:srgbClr val="FFFFFF"/>
                 </a:solidFill>
@@ -15396,7 +18980,7 @@
           </a:p>
           <a:p>
             <a:r>
-              <a:rPr lang="en-US" sz="2600">
+              <a:rPr lang="en-US" sz="2600" dirty="0">
                 <a:solidFill>
                   <a:srgbClr val="FFFFFF"/>
                 </a:solidFill>
@@ -15406,7 +18990,7 @@
           </a:p>
           <a:p>
             <a:r>
-              <a:rPr lang="en-US" sz="2600">
+              <a:rPr lang="en-US" sz="2600" dirty="0">
                 <a:solidFill>
                   <a:srgbClr val="FFFFFF"/>
                 </a:solidFill>
@@ -15416,7 +19000,7 @@
           </a:p>
           <a:p>
             <a:r>
-              <a:rPr lang="en-US" sz="2600">
+              <a:rPr lang="en-US" sz="2600" dirty="0">
                 <a:solidFill>
                   <a:srgbClr val="FFFFFF"/>
                 </a:solidFill>
@@ -15426,7 +19010,7 @@
           </a:p>
           <a:p>
             <a:r>
-              <a:rPr lang="en-US" sz="2600">
+              <a:rPr lang="en-US" sz="2600" dirty="0">
                 <a:solidFill>
                   <a:srgbClr val="FFFFFF"/>
                 </a:solidFill>
@@ -15436,7 +19020,7 @@
           </a:p>
           <a:p>
             <a:r>
-              <a:rPr lang="en-US" sz="2600">
+              <a:rPr lang="en-US" sz="2600" dirty="0">
                 <a:solidFill>
                   <a:srgbClr val="FFFFFF"/>
                 </a:solidFill>
@@ -15446,7 +19030,7 @@
           </a:p>
           <a:p>
             <a:r>
-              <a:rPr lang="en-US" sz="2600">
+              <a:rPr lang="en-US" sz="2600" dirty="0">
                 <a:solidFill>
                   <a:srgbClr val="FFFFFF"/>
                 </a:solidFill>
@@ -15456,7 +19040,7 @@
           </a:p>
           <a:p>
             <a:r>
-              <a:rPr lang="en-US" sz="2600">
+              <a:rPr lang="en-US" sz="2600" dirty="0">
                 <a:solidFill>
                   <a:srgbClr val="FFFFFF"/>
                 </a:solidFill>
@@ -15470,209 +19054,6 @@
     <p:extLst>
       <p:ext uri="{BB962C8B-B14F-4D97-AF65-F5344CB8AC3E}">
         <p14:creationId xmlns:p14="http://schemas.microsoft.com/office/powerpoint/2010/main" val="3170174446"/>
-      </p:ext>
-    </p:extLst>
-  </p:cSld>
-  <p:clrMapOvr>
-    <a:overrideClrMapping bg1="dk1" tx1="lt1" bg2="dk2" tx2="lt2" accent1="accent1" accent2="accent2" accent3="accent3" accent4="accent4" accent5="accent5" accent6="accent6" hlink="hlink" folHlink="folHlink"/>
-  </p:clrMapOvr>
-</p:sld>
-</file>
-
-<file path=ppt/slides/slide8.xml><?xml version="1.0" encoding="utf-8"?>
-<p:sld xmlns:a="http://schemas.openxmlformats.org/drawingml/2006/main" xmlns:r="http://schemas.openxmlformats.org/officeDocument/2006/relationships" xmlns:p="http://schemas.openxmlformats.org/presentationml/2006/main">
-  <p:cSld>
-    <p:bg>
-      <p:bgPr>
-        <a:solidFill>
-          <a:schemeClr val="bg1"/>
-        </a:solidFill>
-        <a:effectLst/>
-      </p:bgPr>
-    </p:bg>
-    <p:spTree>
-      <p:nvGrpSpPr>
-        <p:cNvPr id="1" name=""/>
-        <p:cNvGrpSpPr/>
-        <p:nvPr/>
-      </p:nvGrpSpPr>
-      <p:grpSpPr>
-        <a:xfrm>
-          <a:off x="0" y="0"/>
-          <a:ext cx="0" cy="0"/>
-          <a:chOff x="0" y="0"/>
-          <a:chExt cx="0" cy="0"/>
-        </a:xfrm>
-      </p:grpSpPr>
-      <p:sp>
-        <p:nvSpPr>
-          <p:cNvPr id="10" name="Rectangle 9">
-            <a:extLst>
-              <a:ext uri="{FF2B5EF4-FFF2-40B4-BE49-F238E27FC236}">
-                <a16:creationId xmlns:a16="http://schemas.microsoft.com/office/drawing/2014/main" id="{9228552E-C8B1-4A80-8448-0787CE0FC704}"/>
-              </a:ext>
-              <a:ext uri="{C183D7F6-B498-43B3-948B-1728B52AA6E4}">
-                <adec:decorative xmlns:adec="http://schemas.microsoft.com/office/drawing/2017/decorative" val="1"/>
-              </a:ext>
-            </a:extLst>
-          </p:cNvPr>
-          <p:cNvSpPr>
-            <a:spLocks noGrp="1" noRot="1" noChangeAspect="1" noMove="1" noResize="1" noEditPoints="1" noAdjustHandles="1" noChangeArrowheads="1" noChangeShapeType="1" noTextEdit="1"/>
-          </p:cNvSpPr>
-          <p:nvPr>
-            <p:extLst>
-              <p:ext uri="{386F3935-93C4-4BCD-93E2-E3B085C9AB24}">
-                <p16:designElem xmlns:p16="http://schemas.microsoft.com/office/powerpoint/2015/main" val="1"/>
-              </p:ext>
-            </p:extLst>
-          </p:nvPr>
-        </p:nvSpPr>
-        <p:spPr>
-          <a:xfrm>
-            <a:off x="0" y="0"/>
-            <a:ext cx="12192000" cy="6858000"/>
-          </a:xfrm>
-          <a:prstGeom prst="rect">
-            <a:avLst/>
-          </a:prstGeom>
-          <a:solidFill>
-            <a:srgbClr val="000000"/>
-          </a:solidFill>
-          <a:ln>
-            <a:noFill/>
-          </a:ln>
-        </p:spPr>
-        <p:style>
-          <a:lnRef idx="2">
-            <a:schemeClr val="accent1">
-              <a:shade val="50000"/>
-            </a:schemeClr>
-          </a:lnRef>
-          <a:fillRef idx="1">
-            <a:schemeClr val="accent1"/>
-          </a:fillRef>
-          <a:effectRef idx="0">
-            <a:schemeClr val="accent1"/>
-          </a:effectRef>
-          <a:fontRef idx="minor">
-            <a:schemeClr val="lt1"/>
-          </a:fontRef>
-        </p:style>
-        <p:txBody>
-          <a:bodyPr rtlCol="0" anchor="ctr"/>
-          <a:lstStyle/>
-          <a:p>
-            <a:pPr algn="ctr"/>
-            <a:endParaRPr lang="en-US"/>
-          </a:p>
-        </p:txBody>
-      </p:sp>
-      <p:pic>
-        <p:nvPicPr>
-          <p:cNvPr id="6" name="Picture 5">
-            <a:extLst>
-              <a:ext uri="{FF2B5EF4-FFF2-40B4-BE49-F238E27FC236}">
-                <a16:creationId xmlns:a16="http://schemas.microsoft.com/office/drawing/2014/main" id="{9F18F5C6-4637-2CCD-D8B7-A551197C7BE6}"/>
-              </a:ext>
-            </a:extLst>
-          </p:cNvPr>
-          <p:cNvPicPr>
-            <a:picLocks noChangeAspect="1"/>
-          </p:cNvPicPr>
-          <p:nvPr/>
-        </p:nvPicPr>
-        <p:blipFill rotWithShape="1">
-          <a:blip r:embed="rId2">
-            <a:alphaModFix amt="35000"/>
-          </a:blip>
-          <a:srcRect t="4463" b="14310"/>
-          <a:stretch/>
-        </p:blipFill>
-        <p:spPr>
-          <a:xfrm>
-            <a:off x="20" y="10"/>
-            <a:ext cx="12191980" cy="6857990"/>
-          </a:xfrm>
-          <a:prstGeom prst="rect">
-            <a:avLst/>
-          </a:prstGeom>
-        </p:spPr>
-      </p:pic>
-      <p:sp>
-        <p:nvSpPr>
-          <p:cNvPr id="2" name="Title 1">
-            <a:extLst>
-              <a:ext uri="{FF2B5EF4-FFF2-40B4-BE49-F238E27FC236}">
-                <a16:creationId xmlns:a16="http://schemas.microsoft.com/office/drawing/2014/main" id="{4790DBB1-B7BB-2603-33D9-D781AA02A0CD}"/>
-              </a:ext>
-            </a:extLst>
-          </p:cNvPr>
-          <p:cNvSpPr>
-            <a:spLocks noGrp="1"/>
-          </p:cNvSpPr>
-          <p:nvPr>
-            <p:ph type="title"/>
-          </p:nvPr>
-        </p:nvSpPr>
-        <p:spPr>
-          <a:xfrm>
-            <a:off x="838200" y="365125"/>
-            <a:ext cx="10515600" cy="1325563"/>
-          </a:xfrm>
-        </p:spPr>
-        <p:txBody>
-          <a:bodyPr>
-            <a:normAutofit/>
-          </a:bodyPr>
-          <a:lstStyle/>
-          <a:p>
-            <a:pPr algn="ctr"/>
-            <a:r>
-              <a:rPr lang="en-US" dirty="0">
-                <a:solidFill>
-                  <a:srgbClr val="FFFFFF"/>
-                </a:solidFill>
-              </a:rPr>
-              <a:t>Test Cases – Kelvin to Fahrenheit</a:t>
-            </a:r>
-          </a:p>
-        </p:txBody>
-      </p:sp>
-      <p:graphicFrame>
-        <p:nvGraphicFramePr>
-          <p:cNvPr id="5" name="Content Placeholder 2">
-            <a:extLst>
-              <a:ext uri="{FF2B5EF4-FFF2-40B4-BE49-F238E27FC236}">
-                <a16:creationId xmlns:a16="http://schemas.microsoft.com/office/drawing/2014/main" id="{DF989675-A336-9E49-81C3-E23DC86A7683}"/>
-              </a:ext>
-            </a:extLst>
-          </p:cNvPr>
-          <p:cNvGraphicFramePr>
-            <a:graphicFrameLocks noGrp="1"/>
-          </p:cNvGraphicFramePr>
-          <p:nvPr>
-            <p:ph idx="1"/>
-            <p:extLst>
-              <p:ext uri="{D42A27DB-BD31-4B8C-83A1-F6EECF244321}">
-                <p14:modId xmlns:p14="http://schemas.microsoft.com/office/powerpoint/2010/main" val="759424052"/>
-              </p:ext>
-            </p:extLst>
-          </p:nvPr>
-        </p:nvGraphicFramePr>
-        <p:xfrm>
-          <a:off x="838200" y="1825625"/>
-          <a:ext cx="10515600" cy="4351338"/>
-        </p:xfrm>
-        <a:graphic>
-          <a:graphicData uri="http://schemas.openxmlformats.org/drawingml/2006/diagram">
-            <dgm:relIds xmlns:dgm="http://schemas.openxmlformats.org/drawingml/2006/diagram" xmlns:r="http://schemas.openxmlformats.org/officeDocument/2006/relationships" r:dm="rId3" r:lo="rId4" r:qs="rId5" r:cs="rId6"/>
-          </a:graphicData>
-        </a:graphic>
-      </p:graphicFrame>
-    </p:spTree>
-    <p:extLst>
-      <p:ext uri="{BB962C8B-B14F-4D97-AF65-F5344CB8AC3E}">
-        <p14:creationId xmlns:p14="http://schemas.microsoft.com/office/powerpoint/2010/main" val="59273838"/>
       </p:ext>
     </p:extLst>
   </p:cSld>
@@ -15766,7 +19147,7 @@
           <a:lstStyle/>
           <a:p>
             <a:pPr algn="ctr"/>
-            <a:endParaRPr lang="en-US"/>
+            <a:endParaRPr lang="en-US" dirty="0"/>
           </a:p>
         </p:txBody>
       </p:sp>
@@ -15775,7 +19156,7 @@
           <p:cNvPr id="6" name="Picture 5">
             <a:extLst>
               <a:ext uri="{FF2B5EF4-FFF2-40B4-BE49-F238E27FC236}">
-                <a16:creationId xmlns:a16="http://schemas.microsoft.com/office/drawing/2014/main" id="{3A87617A-F634-A443-5DB9-83E9456B4771}"/>
+                <a16:creationId xmlns:a16="http://schemas.microsoft.com/office/drawing/2014/main" id="{9F18F5C6-4637-2CCD-D8B7-A551197C7BE6}"/>
               </a:ext>
             </a:extLst>
           </p:cNvPr>
@@ -15788,7 +19169,7 @@
           <a:blip r:embed="rId2">
             <a:alphaModFix amt="35000"/>
           </a:blip>
-          <a:srcRect/>
+          <a:srcRect t="4463" b="14310"/>
           <a:stretch/>
         </p:blipFill>
         <p:spPr>
@@ -15806,7 +19187,7 @@
           <p:cNvPr id="2" name="Title 1">
             <a:extLst>
               <a:ext uri="{FF2B5EF4-FFF2-40B4-BE49-F238E27FC236}">
-                <a16:creationId xmlns:a16="http://schemas.microsoft.com/office/drawing/2014/main" id="{549B3EC0-E085-C599-EC28-06492B05FB74}"/>
+                <a16:creationId xmlns:a16="http://schemas.microsoft.com/office/drawing/2014/main" id="{4790DBB1-B7BB-2603-33D9-D781AA02A0CD}"/>
               </a:ext>
             </a:extLst>
           </p:cNvPr>
@@ -15836,17 +19217,17 @@
                   <a:srgbClr val="FFFFFF"/>
                 </a:solidFill>
               </a:rPr>
-              <a:t>Test Cases – Fahrenheit to Kelvin</a:t>
+              <a:t>Test Cases – Kelvin to Fahrenheit</a:t>
             </a:r>
           </a:p>
         </p:txBody>
       </p:sp>
       <p:graphicFrame>
         <p:nvGraphicFramePr>
-          <p:cNvPr id="11" name="Content Placeholder 2">
+          <p:cNvPr id="5" name="Content Placeholder 2">
             <a:extLst>
               <a:ext uri="{FF2B5EF4-FFF2-40B4-BE49-F238E27FC236}">
-                <a16:creationId xmlns:a16="http://schemas.microsoft.com/office/drawing/2014/main" id="{11745A5B-8915-A052-195F-7473D03D6D36}"/>
+                <a16:creationId xmlns:a16="http://schemas.microsoft.com/office/drawing/2014/main" id="{DF989675-A336-9E49-81C3-E23DC86A7683}"/>
               </a:ext>
             </a:extLst>
           </p:cNvPr>
@@ -15857,7 +19238,7 @@
             <p:ph idx="1"/>
             <p:extLst>
               <p:ext uri="{D42A27DB-BD31-4B8C-83A1-F6EECF244321}">
-                <p14:modId xmlns:p14="http://schemas.microsoft.com/office/powerpoint/2010/main" val="447058708"/>
+                <p14:modId xmlns:p14="http://schemas.microsoft.com/office/powerpoint/2010/main" val="2404431429"/>
               </p:ext>
             </p:extLst>
           </p:nvPr>
@@ -15875,7 +19256,7 @@
     </p:spTree>
     <p:extLst>
       <p:ext uri="{BB962C8B-B14F-4D97-AF65-F5344CB8AC3E}">
-        <p14:creationId xmlns:p14="http://schemas.microsoft.com/office/powerpoint/2010/main" val="3071326755"/>
+        <p14:creationId xmlns:p14="http://schemas.microsoft.com/office/powerpoint/2010/main" val="59273838"/>
       </p:ext>
     </p:extLst>
   </p:cSld>

--- a/Final Project.pptx
+++ b/Final Project.pptx
@@ -7863,7 +7863,7 @@
         <a:p>
           <a:r>
             <a:rPr lang="en-US" dirty="0"/>
-            <a:t>Input 40 and convert from Celsius to Fahrenheit; result will be 104.0</a:t>
+            <a:t>Input 40 and convert from Celsius to Fahrenheit; result will be 104.0.</a:t>
           </a:r>
         </a:p>
       </dgm:t>
@@ -7892,14 +7892,18 @@
     </dgm:pt>
     <dgm:pt modelId="{F129F19F-4211-4F54-B70A-4E49CC2D320B}">
       <dgm:prSet/>
-      <dgm:spPr/>
+      <dgm:spPr>
+        <a:solidFill>
+          <a:srgbClr val="00B050"/>
+        </a:solidFill>
+      </dgm:spPr>
       <dgm:t>
         <a:bodyPr/>
         <a:lstStyle/>
         <a:p>
           <a:r>
             <a:rPr lang="en-US" dirty="0"/>
-            <a:t>Progress bar will be filled about one-third of the way and background will change to Green.</a:t>
+            <a:t>Progress bar will be filled about one-third of the way and background will change to green.</a:t>
           </a:r>
         </a:p>
       </dgm:t>
@@ -7928,14 +7932,18 @@
     </dgm:pt>
     <dgm:pt modelId="{3DB1C17E-E677-4696-B648-E6C49C9A993A}">
       <dgm:prSet/>
-      <dgm:spPr/>
+      <dgm:spPr>
+        <a:solidFill>
+          <a:schemeClr val="accent2"/>
+        </a:solidFill>
+      </dgm:spPr>
       <dgm:t>
         <a:bodyPr/>
         <a:lstStyle/>
         <a:p>
           <a:r>
             <a:rPr lang="en-US" dirty="0"/>
-            <a:t>Input -100 and convert from Celsius to Fahrenheit; result will be -148.0</a:t>
+            <a:t>Input -100 and convert from Celsius to Fahrenheit; result will be -148.0.</a:t>
           </a:r>
         </a:p>
       </dgm:t>
@@ -7964,14 +7972,18 @@
     </dgm:pt>
     <dgm:pt modelId="{89B26805-2FBB-4D1E-8E68-C5C87CAE506F}">
       <dgm:prSet/>
-      <dgm:spPr/>
+      <dgm:spPr>
+        <a:solidFill>
+          <a:srgbClr val="0070C0"/>
+        </a:solidFill>
+      </dgm:spPr>
       <dgm:t>
         <a:bodyPr/>
         <a:lstStyle/>
         <a:p>
           <a:r>
             <a:rPr lang="en-US" dirty="0"/>
-            <a:t>Progress bar will be empty, and background will change to Blue.</a:t>
+            <a:t>Progress bar will be empty, and background will change to blue.</a:t>
           </a:r>
         </a:p>
       </dgm:t>
@@ -8000,14 +8012,18 @@
     </dgm:pt>
     <dgm:pt modelId="{9D209BD4-B140-472A-AB62-C4BA3DABAC6F}">
       <dgm:prSet/>
-      <dgm:spPr/>
+      <dgm:spPr>
+        <a:solidFill>
+          <a:schemeClr val="accent2"/>
+        </a:solidFill>
+      </dgm:spPr>
       <dgm:t>
         <a:bodyPr/>
         <a:lstStyle/>
         <a:p>
           <a:r>
             <a:rPr lang="en-US" dirty="0"/>
-            <a:t>Input 40 and convert from Celsius to Fahrenheit; result will be 104.0</a:t>
+            <a:t>Input 40 and convert from Celsius to Fahrenheit; result will be 104.0.</a:t>
           </a:r>
         </a:p>
       </dgm:t>
@@ -8036,14 +8052,18 @@
     </dgm:pt>
     <dgm:pt modelId="{45A78B40-4E09-43BE-A86A-6A3229A31700}">
       <dgm:prSet/>
-      <dgm:spPr/>
+      <dgm:spPr>
+        <a:solidFill>
+          <a:srgbClr val="00B050"/>
+        </a:solidFill>
+      </dgm:spPr>
       <dgm:t>
         <a:bodyPr/>
         <a:lstStyle/>
         <a:p>
           <a:r>
             <a:rPr lang="en-US" dirty="0"/>
-            <a:t>Progress bar will be filled about one-third of the way and background will change to Green.</a:t>
+            <a:t>Progress bar will be filled about one-third of the way and background will change to green.</a:t>
           </a:r>
         </a:p>
       </dgm:t>
@@ -8072,14 +8092,18 @@
     </dgm:pt>
     <dgm:pt modelId="{463160D7-DB6B-4DE9-B1F2-DF557EC36E46}">
       <dgm:prSet/>
-      <dgm:spPr/>
+      <dgm:spPr>
+        <a:solidFill>
+          <a:schemeClr val="accent2"/>
+        </a:solidFill>
+      </dgm:spPr>
       <dgm:t>
         <a:bodyPr/>
         <a:lstStyle/>
         <a:p>
           <a:r>
             <a:rPr lang="en-US" dirty="0"/>
-            <a:t>Input -100 and convert from Celsius to Fahrenheit; result will be -148.0</a:t>
+            <a:t>Input -100 and convert from Celsius to Fahrenheit; result will be -148.0.</a:t>
           </a:r>
         </a:p>
       </dgm:t>
@@ -8108,7 +8132,11 @@
     </dgm:pt>
     <dgm:pt modelId="{7E2E4E04-B114-4B50-9153-BAB3CA344846}">
       <dgm:prSet/>
-      <dgm:spPr/>
+      <dgm:spPr>
+        <a:solidFill>
+          <a:srgbClr val="0070C0"/>
+        </a:solidFill>
+      </dgm:spPr>
       <dgm:t>
         <a:bodyPr/>
         <a:lstStyle/>
@@ -8165,7 +8193,7 @@
       <dgm:spPr/>
     </dgm:pt>
     <dgm:pt modelId="{860FA518-7590-49EC-9B8E-3EF58511575A}" type="pres">
-      <dgm:prSet presAssocID="{F129F19F-4211-4F54-B70A-4E49CC2D320B}" presName="parentText" presStyleLbl="node1" presStyleIdx="1" presStyleCnt="8" custLinFactNeighborY="-13806">
+      <dgm:prSet presAssocID="{F129F19F-4211-4F54-B70A-4E49CC2D320B}" presName="parentText" presStyleLbl="node1" presStyleIdx="1" presStyleCnt="8" custLinFactNeighborY="13803">
         <dgm:presLayoutVars>
           <dgm:chMax val="0"/>
           <dgm:bulletEnabled val="1"/>
@@ -8348,14 +8376,18 @@
     </dgm:pt>
     <dgm:pt modelId="{F129F19F-4211-4F54-B70A-4E49CC2D320B}">
       <dgm:prSet/>
-      <dgm:spPr/>
+      <dgm:spPr>
+        <a:solidFill>
+          <a:srgbClr val="0070C0"/>
+        </a:solidFill>
+      </dgm:spPr>
       <dgm:t>
         <a:bodyPr/>
         <a:lstStyle/>
         <a:p>
           <a:r>
             <a:rPr lang="en-US" dirty="0"/>
-            <a:t>Progress bar will be empty, and background will change to Blue.</a:t>
+            <a:t>Progress bar will be empty, and background will change to blue.</a:t>
           </a:r>
         </a:p>
       </dgm:t>
@@ -8384,7 +8416,11 @@
     </dgm:pt>
     <dgm:pt modelId="{3DB1C17E-E677-4696-B648-E6C49C9A993A}">
       <dgm:prSet/>
-      <dgm:spPr/>
+      <dgm:spPr>
+        <a:solidFill>
+          <a:schemeClr val="accent2"/>
+        </a:solidFill>
+      </dgm:spPr>
       <dgm:t>
         <a:bodyPr/>
         <a:lstStyle/>
@@ -8420,14 +8456,18 @@
     </dgm:pt>
     <dgm:pt modelId="{89B26805-2FBB-4D1E-8E68-C5C87CAE506F}">
       <dgm:prSet/>
-      <dgm:spPr/>
+      <dgm:spPr>
+        <a:solidFill>
+          <a:srgbClr val="FF0000"/>
+        </a:solidFill>
+      </dgm:spPr>
       <dgm:t>
         <a:bodyPr/>
         <a:lstStyle/>
         <a:p>
           <a:r>
             <a:rPr lang="en-US" dirty="0"/>
-            <a:t>Progress bar will be full, and background will change to Red.</a:t>
+            <a:t>Progress bar will be full, and background will change to red.</a:t>
           </a:r>
         </a:p>
       </dgm:t>
@@ -8456,7 +8496,11 @@
     </dgm:pt>
     <dgm:pt modelId="{9D209BD4-B140-472A-AB62-C4BA3DABAC6F}">
       <dgm:prSet/>
-      <dgm:spPr/>
+      <dgm:spPr>
+        <a:solidFill>
+          <a:schemeClr val="accent2"/>
+        </a:solidFill>
+      </dgm:spPr>
       <dgm:t>
         <a:bodyPr/>
         <a:lstStyle/>
@@ -8492,14 +8536,18 @@
     </dgm:pt>
     <dgm:pt modelId="{45A78B40-4E09-43BE-A86A-6A3229A31700}">
       <dgm:prSet/>
-      <dgm:spPr/>
+      <dgm:spPr>
+        <a:solidFill>
+          <a:srgbClr val="00B050"/>
+        </a:solidFill>
+      </dgm:spPr>
       <dgm:t>
         <a:bodyPr/>
         <a:lstStyle/>
         <a:p>
           <a:r>
             <a:rPr lang="en-US" dirty="0"/>
-            <a:t>Progress bar will be 80% full and background will change to Green.</a:t>
+            <a:t>Progress bar will be 80% full and background will change to green.</a:t>
           </a:r>
         </a:p>
       </dgm:t>
@@ -8528,7 +8576,11 @@
     </dgm:pt>
     <dgm:pt modelId="{463160D7-DB6B-4DE9-B1F2-DF557EC36E46}">
       <dgm:prSet/>
-      <dgm:spPr/>
+      <dgm:spPr>
+        <a:solidFill>
+          <a:schemeClr val="accent2"/>
+        </a:solidFill>
+      </dgm:spPr>
       <dgm:t>
         <a:bodyPr/>
         <a:lstStyle/>
@@ -8564,7 +8616,11 @@
     </dgm:pt>
     <dgm:pt modelId="{7E2E4E04-B114-4B50-9153-BAB3CA344846}">
       <dgm:prSet/>
-      <dgm:spPr/>
+      <dgm:spPr>
+        <a:solidFill>
+          <a:srgbClr val="0070C0"/>
+        </a:solidFill>
+      </dgm:spPr>
       <dgm:t>
         <a:bodyPr/>
         <a:lstStyle/>
@@ -8804,7 +8860,11 @@
     </dgm:pt>
     <dgm:pt modelId="{F129F19F-4211-4F54-B70A-4E49CC2D320B}">
       <dgm:prSet/>
-      <dgm:spPr/>
+      <dgm:spPr>
+        <a:solidFill>
+          <a:srgbClr val="FF0000"/>
+        </a:solidFill>
+      </dgm:spPr>
       <dgm:t>
         <a:bodyPr/>
         <a:lstStyle/>
@@ -8840,7 +8900,11 @@
     </dgm:pt>
     <dgm:pt modelId="{3DB1C17E-E677-4696-B648-E6C49C9A993A}">
       <dgm:prSet/>
-      <dgm:spPr/>
+      <dgm:spPr>
+        <a:solidFill>
+          <a:schemeClr val="accent2"/>
+        </a:solidFill>
+      </dgm:spPr>
       <dgm:t>
         <a:bodyPr/>
         <a:lstStyle/>
@@ -8876,7 +8940,11 @@
     </dgm:pt>
     <dgm:pt modelId="{89B26805-2FBB-4D1E-8E68-C5C87CAE506F}">
       <dgm:prSet/>
-      <dgm:spPr/>
+      <dgm:spPr>
+        <a:solidFill>
+          <a:srgbClr val="0070C0"/>
+        </a:solidFill>
+      </dgm:spPr>
       <dgm:t>
         <a:bodyPr/>
         <a:lstStyle/>
@@ -8912,7 +8980,11 @@
     </dgm:pt>
     <dgm:pt modelId="{9D209BD4-B140-472A-AB62-C4BA3DABAC6F}">
       <dgm:prSet/>
-      <dgm:spPr/>
+      <dgm:spPr>
+        <a:solidFill>
+          <a:schemeClr val="accent2"/>
+        </a:solidFill>
+      </dgm:spPr>
       <dgm:t>
         <a:bodyPr/>
         <a:lstStyle/>
@@ -8948,7 +9020,11 @@
     </dgm:pt>
     <dgm:pt modelId="{45A78B40-4E09-43BE-A86A-6A3229A31700}">
       <dgm:prSet/>
-      <dgm:spPr/>
+      <dgm:spPr>
+        <a:solidFill>
+          <a:srgbClr val="00B050"/>
+        </a:solidFill>
+      </dgm:spPr>
       <dgm:t>
         <a:bodyPr/>
         <a:lstStyle/>
@@ -8984,7 +9060,11 @@
     </dgm:pt>
     <dgm:pt modelId="{463160D7-DB6B-4DE9-B1F2-DF557EC36E46}">
       <dgm:prSet/>
-      <dgm:spPr/>
+      <dgm:spPr>
+        <a:solidFill>
+          <a:schemeClr val="accent2"/>
+        </a:solidFill>
+      </dgm:spPr>
       <dgm:t>
         <a:bodyPr/>
         <a:lstStyle/>
@@ -9020,7 +9100,11 @@
     </dgm:pt>
     <dgm:pt modelId="{7E2E4E04-B114-4B50-9153-BAB3CA344846}">
       <dgm:prSet/>
-      <dgm:spPr/>
+      <dgm:spPr>
+        <a:solidFill>
+          <a:srgbClr val="0070C0"/>
+        </a:solidFill>
+      </dgm:spPr>
       <dgm:t>
         <a:bodyPr/>
         <a:lstStyle/>
@@ -9231,7 +9315,7 @@
         <a:p>
           <a:r>
             <a:rPr lang="en-US" dirty="0"/>
-            <a:t>Input 373.15 and convert from Kelvin to Fahrenheit result will be 212.0</a:t>
+            <a:t>Input 373.15 and convert from Kelvin to Fahrenheit result will be 212.0.</a:t>
           </a:r>
         </a:p>
       </dgm:t>
@@ -9260,7 +9344,11 @@
     </dgm:pt>
     <dgm:pt modelId="{F129F19F-4211-4F54-B70A-4E49CC2D320B}">
       <dgm:prSet/>
-      <dgm:spPr/>
+      <dgm:spPr>
+        <a:solidFill>
+          <a:schemeClr val="accent1"/>
+        </a:solidFill>
+      </dgm:spPr>
       <dgm:t>
         <a:bodyPr/>
         <a:lstStyle/>
@@ -9296,14 +9384,18 @@
     </dgm:pt>
     <dgm:pt modelId="{3DB1C17E-E677-4696-B648-E6C49C9A993A}">
       <dgm:prSet/>
-      <dgm:spPr/>
+      <dgm:spPr>
+        <a:solidFill>
+          <a:schemeClr val="accent2"/>
+        </a:solidFill>
+      </dgm:spPr>
       <dgm:t>
         <a:bodyPr/>
         <a:lstStyle/>
         <a:p>
           <a:r>
             <a:rPr lang="en-US" dirty="0"/>
-            <a:t>Input 273.15 and convert from Kelvin to Fahrenheit; result will be 32.0</a:t>
+            <a:t>Input 273.15 and convert from Kelvin to Fahrenheit; result will be 32.0.</a:t>
           </a:r>
         </a:p>
       </dgm:t>
@@ -9332,7 +9424,11 @@
     </dgm:pt>
     <dgm:pt modelId="{89B26805-2FBB-4D1E-8E68-C5C87CAE506F}">
       <dgm:prSet/>
-      <dgm:spPr/>
+      <dgm:spPr>
+        <a:solidFill>
+          <a:schemeClr val="accent1"/>
+        </a:solidFill>
+      </dgm:spPr>
       <dgm:t>
         <a:bodyPr/>
         <a:lstStyle/>
@@ -9368,14 +9464,18 @@
     </dgm:pt>
     <dgm:pt modelId="{9D209BD4-B140-472A-AB62-C4BA3DABAC6F}">
       <dgm:prSet/>
-      <dgm:spPr/>
+      <dgm:spPr>
+        <a:solidFill>
+          <a:schemeClr val="accent2"/>
+        </a:solidFill>
+      </dgm:spPr>
       <dgm:t>
         <a:bodyPr/>
         <a:lstStyle/>
         <a:p>
           <a:r>
             <a:rPr lang="en-US" dirty="0"/>
-            <a:t>Input 323.15 and convert from Kelvin to Fahrenheit; result will be 122.0</a:t>
+            <a:t>Input 323.15 and convert from Kelvin to Fahrenheit; result will be 122.0.</a:t>
           </a:r>
         </a:p>
       </dgm:t>
@@ -9404,7 +9504,11 @@
     </dgm:pt>
     <dgm:pt modelId="{45A78B40-4E09-43BE-A86A-6A3229A31700}">
       <dgm:prSet/>
-      <dgm:spPr/>
+      <dgm:spPr>
+        <a:solidFill>
+          <a:srgbClr val="00B050"/>
+        </a:solidFill>
+      </dgm:spPr>
       <dgm:t>
         <a:bodyPr/>
         <a:lstStyle/>
@@ -9440,7 +9544,11 @@
     </dgm:pt>
     <dgm:pt modelId="{463160D7-DB6B-4DE9-B1F2-DF557EC36E46}">
       <dgm:prSet/>
-      <dgm:spPr/>
+      <dgm:spPr>
+        <a:solidFill>
+          <a:schemeClr val="accent2"/>
+        </a:solidFill>
+      </dgm:spPr>
       <dgm:t>
         <a:bodyPr/>
         <a:lstStyle/>
@@ -9476,7 +9584,11 @@
     </dgm:pt>
     <dgm:pt modelId="{7E2E4E04-B114-4B50-9153-BAB3CA344846}">
       <dgm:prSet/>
-      <dgm:spPr/>
+      <dgm:spPr>
+        <a:solidFill>
+          <a:schemeClr val="accent1"/>
+        </a:solidFill>
+      </dgm:spPr>
       <dgm:t>
         <a:bodyPr/>
         <a:lstStyle/>
@@ -9668,7 +9780,7 @@
 <dgm:dataModel xmlns:dgm="http://schemas.openxmlformats.org/drawingml/2006/diagram" xmlns:a="http://schemas.openxmlformats.org/drawingml/2006/main">
   <dgm:ptLst>
     <dgm:pt modelId="{A2D99FCC-A05F-40B2-B705-9882EF089A4E}" type="doc">
-      <dgm:prSet loTypeId="urn:microsoft.com/office/officeart/2005/8/layout/vList2" loCatId="list" qsTypeId="urn:microsoft.com/office/officeart/2005/8/quickstyle/simple1" qsCatId="simple" csTypeId="urn:microsoft.com/office/officeart/2005/8/colors/colorful1" csCatId="colorful"/>
+      <dgm:prSet loTypeId="urn:microsoft.com/office/officeart/2005/8/layout/vList2" loCatId="list" qsTypeId="urn:microsoft.com/office/officeart/2005/8/quickstyle/simple1" qsCatId="simple" csTypeId="urn:microsoft.com/office/officeart/2005/8/colors/colorful1" csCatId="colorful" phldr="1"/>
       <dgm:spPr/>
       <dgm:t>
         <a:bodyPr/>
@@ -9716,7 +9828,11 @@
     </dgm:pt>
     <dgm:pt modelId="{2C4B0C64-2FB6-4273-A89B-6B76140D0529}">
       <dgm:prSet/>
-      <dgm:spPr/>
+      <dgm:spPr>
+        <a:solidFill>
+          <a:srgbClr val="FF0000"/>
+        </a:solidFill>
+      </dgm:spPr>
       <dgm:t>
         <a:bodyPr/>
         <a:lstStyle/>
@@ -9752,7 +9868,11 @@
     </dgm:pt>
     <dgm:pt modelId="{F3E8CF89-F7C0-4156-A04A-4E6BB8E1A7CE}">
       <dgm:prSet/>
-      <dgm:spPr/>
+      <dgm:spPr>
+        <a:solidFill>
+          <a:schemeClr val="accent2"/>
+        </a:solidFill>
+      </dgm:spPr>
       <dgm:t>
         <a:bodyPr/>
         <a:lstStyle/>
@@ -9788,7 +9908,11 @@
     </dgm:pt>
     <dgm:pt modelId="{D5E92175-223A-4E50-AE7E-38698FD7062C}">
       <dgm:prSet/>
-      <dgm:spPr/>
+      <dgm:spPr>
+        <a:solidFill>
+          <a:schemeClr val="accent1"/>
+        </a:solidFill>
+      </dgm:spPr>
       <dgm:t>
         <a:bodyPr/>
         <a:lstStyle/>
@@ -9824,7 +9948,11 @@
     </dgm:pt>
     <dgm:pt modelId="{9E85ED9F-D93C-496A-8EB3-3C4E18A0311E}">
       <dgm:prSet/>
-      <dgm:spPr/>
+      <dgm:spPr>
+        <a:solidFill>
+          <a:schemeClr val="accent2"/>
+        </a:solidFill>
+      </dgm:spPr>
       <dgm:t>
         <a:bodyPr/>
         <a:lstStyle/>
@@ -9860,7 +9988,11 @@
     </dgm:pt>
     <dgm:pt modelId="{A51FA530-9693-460C-A065-6DAEF4A7B8F8}">
       <dgm:prSet/>
-      <dgm:spPr/>
+      <dgm:spPr>
+        <a:solidFill>
+          <a:srgbClr val="00B050"/>
+        </a:solidFill>
+      </dgm:spPr>
       <dgm:t>
         <a:bodyPr/>
         <a:lstStyle/>
@@ -9896,14 +10028,18 @@
     </dgm:pt>
     <dgm:pt modelId="{E6294B74-DB6C-498A-898F-00F3E7981DEA}">
       <dgm:prSet/>
-      <dgm:spPr/>
+      <dgm:spPr>
+        <a:solidFill>
+          <a:schemeClr val="accent2"/>
+        </a:solidFill>
+      </dgm:spPr>
       <dgm:t>
         <a:bodyPr/>
         <a:lstStyle/>
         <a:p>
           <a:r>
             <a:rPr lang="en-US" dirty="0"/>
-            <a:t>Input -212.00 and convert from Fahrenheit to Kelvin result will be 137.594444444444443</a:t>
+            <a:t>Input -212.00 and convert from Fahrenheit to Kelvin result will be 137.594444444444443.</a:t>
           </a:r>
         </a:p>
       </dgm:t>
@@ -9932,7 +10068,11 @@
     </dgm:pt>
     <dgm:pt modelId="{169C27F7-9CD3-4132-9EE1-33BC0088545A}">
       <dgm:prSet/>
-      <dgm:spPr/>
+      <dgm:spPr>
+        <a:solidFill>
+          <a:schemeClr val="accent1"/>
+        </a:solidFill>
+      </dgm:spPr>
       <dgm:t>
         <a:bodyPr/>
         <a:lstStyle/>
@@ -10177,7 +10317,11 @@
     </dgm:pt>
     <dgm:pt modelId="{F3E8CF89-F7C0-4156-A04A-4E6BB8E1A7CE}">
       <dgm:prSet/>
-      <dgm:spPr/>
+      <dgm:spPr>
+        <a:solidFill>
+          <a:schemeClr val="accent2"/>
+        </a:solidFill>
+      </dgm:spPr>
       <dgm:t>
         <a:bodyPr/>
         <a:lstStyle/>
@@ -10218,7 +10362,11 @@
     </dgm:pt>
     <dgm:pt modelId="{D5E92175-223A-4E50-AE7E-38698FD7062C}">
       <dgm:prSet/>
-      <dgm:spPr/>
+      <dgm:spPr>
+        <a:solidFill>
+          <a:schemeClr val="accent1"/>
+        </a:solidFill>
+      </dgm:spPr>
       <dgm:t>
         <a:bodyPr/>
         <a:lstStyle/>
@@ -10259,7 +10407,11 @@
     </dgm:pt>
     <dgm:pt modelId="{9E85ED9F-D93C-496A-8EB3-3C4E18A0311E}">
       <dgm:prSet/>
-      <dgm:spPr/>
+      <dgm:spPr>
+        <a:solidFill>
+          <a:schemeClr val="accent2"/>
+        </a:solidFill>
+      </dgm:spPr>
       <dgm:t>
         <a:bodyPr/>
         <a:lstStyle/>
@@ -10300,7 +10452,11 @@
     </dgm:pt>
     <dgm:pt modelId="{A51FA530-9693-460C-A065-6DAEF4A7B8F8}">
       <dgm:prSet/>
-      <dgm:spPr/>
+      <dgm:spPr>
+        <a:solidFill>
+          <a:srgbClr val="00B050"/>
+        </a:solidFill>
+      </dgm:spPr>
       <dgm:t>
         <a:bodyPr/>
         <a:lstStyle/>
@@ -10336,7 +10492,11 @@
     </dgm:pt>
     <dgm:pt modelId="{E6294B74-DB6C-498A-898F-00F3E7981DEA}">
       <dgm:prSet/>
-      <dgm:spPr/>
+      <dgm:spPr>
+        <a:solidFill>
+          <a:schemeClr val="accent2"/>
+        </a:solidFill>
+      </dgm:spPr>
       <dgm:t>
         <a:bodyPr/>
         <a:lstStyle/>
@@ -10377,7 +10537,11 @@
     </dgm:pt>
     <dgm:pt modelId="{169C27F7-9CD3-4132-9EE1-33BC0088545A}">
       <dgm:prSet/>
-      <dgm:spPr/>
+      <dgm:spPr>
+        <a:solidFill>
+          <a:schemeClr val="accent1"/>
+        </a:solidFill>
+      </dgm:spPr>
       <dgm:t>
         <a:bodyPr/>
         <a:lstStyle/>
@@ -10413,7 +10577,11 @@
     </dgm:pt>
     <dgm:pt modelId="{83E1F670-19A2-47D0-AB29-62FEEDECE8A5}">
       <dgm:prSet/>
-      <dgm:spPr/>
+      <dgm:spPr>
+        <a:solidFill>
+          <a:srgbClr val="FF0000"/>
+        </a:solidFill>
+      </dgm:spPr>
       <dgm:t>
         <a:bodyPr/>
         <a:lstStyle/>
@@ -11707,7 +11875,7 @@
           </a:pPr>
           <a:r>
             <a:rPr lang="en-US" sz="2000" kern="1200" dirty="0"/>
-            <a:t>Input 40 and convert from Celsius to Fahrenheit; result will be 104.0</a:t>
+            <a:t>Input 40 and convert from Celsius to Fahrenheit; result will be 104.0.</a:t>
           </a:r>
         </a:p>
       </dsp:txBody>
@@ -11723,19 +11891,14 @@
       </dsp:nvSpPr>
       <dsp:spPr>
         <a:xfrm>
-          <a:off x="0" y="584616"/>
+          <a:off x="0" y="600519"/>
           <a:ext cx="10515600" cy="479700"/>
         </a:xfrm>
         <a:prstGeom prst="roundRect">
           <a:avLst/>
         </a:prstGeom>
         <a:solidFill>
-          <a:schemeClr val="accent3">
-            <a:hueOff val="0"/>
-            <a:satOff val="0"/>
-            <a:lumOff val="0"/>
-            <a:alphaOff val="0"/>
-          </a:schemeClr>
+          <a:srgbClr val="00B050"/>
         </a:solidFill>
         <a:ln w="12700" cap="flat" cmpd="sng" algn="ctr">
           <a:solidFill>
@@ -11785,12 +11948,12 @@
           </a:pPr>
           <a:r>
             <a:rPr lang="en-US" sz="2000" kern="1200" dirty="0"/>
-            <a:t>Progress bar will be filled about one-third of the way and background will change to Green.</a:t>
+            <a:t>Progress bar will be filled about one-third of the way and background will change to green.</a:t>
           </a:r>
         </a:p>
       </dsp:txBody>
       <dsp:txXfrm>
-        <a:off x="23417" y="608033"/>
+        <a:off x="23417" y="623936"/>
         <a:ext cx="10468766" cy="432866"/>
       </dsp:txXfrm>
     </dsp:sp>
@@ -11808,12 +11971,7 @@
           <a:avLst/>
         </a:prstGeom>
         <a:solidFill>
-          <a:schemeClr val="accent4">
-            <a:hueOff val="0"/>
-            <a:satOff val="0"/>
-            <a:lumOff val="0"/>
-            <a:alphaOff val="0"/>
-          </a:schemeClr>
+          <a:schemeClr val="accent2"/>
         </a:solidFill>
         <a:ln w="12700" cap="flat" cmpd="sng" algn="ctr">
           <a:solidFill>
@@ -11863,7 +12021,7 @@
           </a:pPr>
           <a:r>
             <a:rPr lang="en-US" sz="2000" kern="1200" dirty="0"/>
-            <a:t>Input -100 and convert from Celsius to Fahrenheit; result will be -148.0</a:t>
+            <a:t>Input -100 and convert from Celsius to Fahrenheit; result will be -148.0.</a:t>
           </a:r>
         </a:p>
       </dsp:txBody>
@@ -11886,12 +12044,7 @@
           <a:avLst/>
         </a:prstGeom>
         <a:solidFill>
-          <a:schemeClr val="accent5">
-            <a:hueOff val="0"/>
-            <a:satOff val="0"/>
-            <a:lumOff val="0"/>
-            <a:alphaOff val="0"/>
-          </a:schemeClr>
+          <a:srgbClr val="0070C0"/>
         </a:solidFill>
         <a:ln w="12700" cap="flat" cmpd="sng" algn="ctr">
           <a:solidFill>
@@ -11941,7 +12094,7 @@
           </a:pPr>
           <a:r>
             <a:rPr lang="en-US" sz="2000" kern="1200" dirty="0"/>
-            <a:t>Progress bar will be empty, and background will change to Blue.</a:t>
+            <a:t>Progress bar will be empty, and background will change to blue.</a:t>
           </a:r>
         </a:p>
       </dsp:txBody>
@@ -11964,12 +12117,7 @@
           <a:avLst/>
         </a:prstGeom>
         <a:solidFill>
-          <a:schemeClr val="accent6">
-            <a:hueOff val="0"/>
-            <a:satOff val="0"/>
-            <a:lumOff val="0"/>
-            <a:alphaOff val="0"/>
-          </a:schemeClr>
+          <a:schemeClr val="accent2"/>
         </a:solidFill>
         <a:ln w="12700" cap="flat" cmpd="sng" algn="ctr">
           <a:solidFill>
@@ -12019,7 +12167,7 @@
           </a:pPr>
           <a:r>
             <a:rPr lang="en-US" sz="2000" kern="1200" dirty="0"/>
-            <a:t>Input 40 and convert from Celsius to Fahrenheit; result will be 104.0</a:t>
+            <a:t>Input 40 and convert from Celsius to Fahrenheit; result will be 104.0.</a:t>
           </a:r>
         </a:p>
       </dsp:txBody>
@@ -12042,12 +12190,7 @@
           <a:avLst/>
         </a:prstGeom>
         <a:solidFill>
-          <a:schemeClr val="accent2">
-            <a:hueOff val="0"/>
-            <a:satOff val="0"/>
-            <a:lumOff val="0"/>
-            <a:alphaOff val="0"/>
-          </a:schemeClr>
+          <a:srgbClr val="00B050"/>
         </a:solidFill>
         <a:ln w="12700" cap="flat" cmpd="sng" algn="ctr">
           <a:solidFill>
@@ -12097,7 +12240,7 @@
           </a:pPr>
           <a:r>
             <a:rPr lang="en-US" sz="2000" kern="1200" dirty="0"/>
-            <a:t>Progress bar will be filled about one-third of the way and background will change to Green.</a:t>
+            <a:t>Progress bar will be filled about one-third of the way and background will change to green.</a:t>
           </a:r>
         </a:p>
       </dsp:txBody>
@@ -12120,12 +12263,7 @@
           <a:avLst/>
         </a:prstGeom>
         <a:solidFill>
-          <a:schemeClr val="accent3">
-            <a:hueOff val="0"/>
-            <a:satOff val="0"/>
-            <a:lumOff val="0"/>
-            <a:alphaOff val="0"/>
-          </a:schemeClr>
+          <a:schemeClr val="accent2"/>
         </a:solidFill>
         <a:ln w="12700" cap="flat" cmpd="sng" algn="ctr">
           <a:solidFill>
@@ -12175,7 +12313,7 @@
           </a:pPr>
           <a:r>
             <a:rPr lang="en-US" sz="2000" kern="1200" dirty="0"/>
-            <a:t>Input -100 and convert from Celsius to Fahrenheit; result will be -148.0</a:t>
+            <a:t>Input -100 and convert from Celsius to Fahrenheit; result will be -148.0.</a:t>
           </a:r>
         </a:p>
       </dsp:txBody>
@@ -12198,12 +12336,7 @@
           <a:avLst/>
         </a:prstGeom>
         <a:solidFill>
-          <a:schemeClr val="accent4">
-            <a:hueOff val="0"/>
-            <a:satOff val="0"/>
-            <a:lumOff val="0"/>
-            <a:alphaOff val="0"/>
-          </a:schemeClr>
+          <a:srgbClr val="0070C0"/>
         </a:solidFill>
         <a:ln w="12700" cap="flat" cmpd="sng" algn="ctr">
           <a:solidFill>
@@ -12366,12 +12499,7 @@
           <a:avLst/>
         </a:prstGeom>
         <a:solidFill>
-          <a:schemeClr val="accent3">
-            <a:hueOff val="0"/>
-            <a:satOff val="0"/>
-            <a:lumOff val="0"/>
-            <a:alphaOff val="0"/>
-          </a:schemeClr>
+          <a:srgbClr val="0070C0"/>
         </a:solidFill>
         <a:ln w="12700" cap="flat" cmpd="sng" algn="ctr">
           <a:solidFill>
@@ -12421,7 +12549,7 @@
           </a:pPr>
           <a:r>
             <a:rPr lang="en-US" sz="2000" kern="1200" dirty="0"/>
-            <a:t>Progress bar will be empty, and background will change to Blue.</a:t>
+            <a:t>Progress bar will be empty, and background will change to blue.</a:t>
           </a:r>
         </a:p>
       </dsp:txBody>
@@ -12444,12 +12572,7 @@
           <a:avLst/>
         </a:prstGeom>
         <a:solidFill>
-          <a:schemeClr val="accent4">
-            <a:hueOff val="0"/>
-            <a:satOff val="0"/>
-            <a:lumOff val="0"/>
-            <a:alphaOff val="0"/>
-          </a:schemeClr>
+          <a:schemeClr val="accent2"/>
         </a:solidFill>
         <a:ln w="12700" cap="flat" cmpd="sng" algn="ctr">
           <a:solidFill>
@@ -12522,12 +12645,7 @@
           <a:avLst/>
         </a:prstGeom>
         <a:solidFill>
-          <a:schemeClr val="accent5">
-            <a:hueOff val="0"/>
-            <a:satOff val="0"/>
-            <a:lumOff val="0"/>
-            <a:alphaOff val="0"/>
-          </a:schemeClr>
+          <a:srgbClr val="FF0000"/>
         </a:solidFill>
         <a:ln w="12700" cap="flat" cmpd="sng" algn="ctr">
           <a:solidFill>
@@ -12577,7 +12695,7 @@
           </a:pPr>
           <a:r>
             <a:rPr lang="en-US" sz="2000" kern="1200" dirty="0"/>
-            <a:t>Progress bar will be full, and background will change to Red.</a:t>
+            <a:t>Progress bar will be full, and background will change to red.</a:t>
           </a:r>
         </a:p>
       </dsp:txBody>
@@ -12600,12 +12718,7 @@
           <a:avLst/>
         </a:prstGeom>
         <a:solidFill>
-          <a:schemeClr val="accent6">
-            <a:hueOff val="0"/>
-            <a:satOff val="0"/>
-            <a:lumOff val="0"/>
-            <a:alphaOff val="0"/>
-          </a:schemeClr>
+          <a:schemeClr val="accent2"/>
         </a:solidFill>
         <a:ln w="12700" cap="flat" cmpd="sng" algn="ctr">
           <a:solidFill>
@@ -12678,12 +12791,7 @@
           <a:avLst/>
         </a:prstGeom>
         <a:solidFill>
-          <a:schemeClr val="accent2">
-            <a:hueOff val="0"/>
-            <a:satOff val="0"/>
-            <a:lumOff val="0"/>
-            <a:alphaOff val="0"/>
-          </a:schemeClr>
+          <a:srgbClr val="00B050"/>
         </a:solidFill>
         <a:ln w="12700" cap="flat" cmpd="sng" algn="ctr">
           <a:solidFill>
@@ -12733,7 +12841,7 @@
           </a:pPr>
           <a:r>
             <a:rPr lang="en-US" sz="2000" kern="1200" dirty="0"/>
-            <a:t>Progress bar will be 80% full and background will change to Green.</a:t>
+            <a:t>Progress bar will be 80% full and background will change to green.</a:t>
           </a:r>
         </a:p>
       </dsp:txBody>
@@ -12756,12 +12864,7 @@
           <a:avLst/>
         </a:prstGeom>
         <a:solidFill>
-          <a:schemeClr val="accent3">
-            <a:hueOff val="0"/>
-            <a:satOff val="0"/>
-            <a:lumOff val="0"/>
-            <a:alphaOff val="0"/>
-          </a:schemeClr>
+          <a:schemeClr val="accent2"/>
         </a:solidFill>
         <a:ln w="12700" cap="flat" cmpd="sng" algn="ctr">
           <a:solidFill>
@@ -12834,12 +12937,7 @@
           <a:avLst/>
         </a:prstGeom>
         <a:solidFill>
-          <a:schemeClr val="accent4">
-            <a:hueOff val="0"/>
-            <a:satOff val="0"/>
-            <a:lumOff val="0"/>
-            <a:alphaOff val="0"/>
-          </a:schemeClr>
+          <a:srgbClr val="0070C0"/>
         </a:solidFill>
         <a:ln w="12700" cap="flat" cmpd="sng" algn="ctr">
           <a:solidFill>
@@ -13002,12 +13100,7 @@
           <a:avLst/>
         </a:prstGeom>
         <a:solidFill>
-          <a:schemeClr val="accent3">
-            <a:hueOff val="0"/>
-            <a:satOff val="0"/>
-            <a:lumOff val="0"/>
-            <a:alphaOff val="0"/>
-          </a:schemeClr>
+          <a:srgbClr val="FF0000"/>
         </a:solidFill>
         <a:ln w="12700" cap="flat" cmpd="sng" algn="ctr">
           <a:solidFill>
@@ -13080,12 +13173,7 @@
           <a:avLst/>
         </a:prstGeom>
         <a:solidFill>
-          <a:schemeClr val="accent4">
-            <a:hueOff val="0"/>
-            <a:satOff val="0"/>
-            <a:lumOff val="0"/>
-            <a:alphaOff val="0"/>
-          </a:schemeClr>
+          <a:schemeClr val="accent2"/>
         </a:solidFill>
         <a:ln w="12700" cap="flat" cmpd="sng" algn="ctr">
           <a:solidFill>
@@ -13158,12 +13246,7 @@
           <a:avLst/>
         </a:prstGeom>
         <a:solidFill>
-          <a:schemeClr val="accent5">
-            <a:hueOff val="0"/>
-            <a:satOff val="0"/>
-            <a:lumOff val="0"/>
-            <a:alphaOff val="0"/>
-          </a:schemeClr>
+          <a:srgbClr val="0070C0"/>
         </a:solidFill>
         <a:ln w="12700" cap="flat" cmpd="sng" algn="ctr">
           <a:solidFill>
@@ -13236,12 +13319,7 @@
           <a:avLst/>
         </a:prstGeom>
         <a:solidFill>
-          <a:schemeClr val="accent6">
-            <a:hueOff val="0"/>
-            <a:satOff val="0"/>
-            <a:lumOff val="0"/>
-            <a:alphaOff val="0"/>
-          </a:schemeClr>
+          <a:schemeClr val="accent2"/>
         </a:solidFill>
         <a:ln w="12700" cap="flat" cmpd="sng" algn="ctr">
           <a:solidFill>
@@ -13314,12 +13392,7 @@
           <a:avLst/>
         </a:prstGeom>
         <a:solidFill>
-          <a:schemeClr val="accent2">
-            <a:hueOff val="0"/>
-            <a:satOff val="0"/>
-            <a:lumOff val="0"/>
-            <a:alphaOff val="0"/>
-          </a:schemeClr>
+          <a:srgbClr val="00B050"/>
         </a:solidFill>
         <a:ln w="12700" cap="flat" cmpd="sng" algn="ctr">
           <a:solidFill>
@@ -13392,12 +13465,7 @@
           <a:avLst/>
         </a:prstGeom>
         <a:solidFill>
-          <a:schemeClr val="accent3">
-            <a:hueOff val="0"/>
-            <a:satOff val="0"/>
-            <a:lumOff val="0"/>
-            <a:alphaOff val="0"/>
-          </a:schemeClr>
+          <a:schemeClr val="accent2"/>
         </a:solidFill>
         <a:ln w="12700" cap="flat" cmpd="sng" algn="ctr">
           <a:solidFill>
@@ -13470,12 +13538,7 @@
           <a:avLst/>
         </a:prstGeom>
         <a:solidFill>
-          <a:schemeClr val="accent4">
-            <a:hueOff val="0"/>
-            <a:satOff val="0"/>
-            <a:lumOff val="0"/>
-            <a:alphaOff val="0"/>
-          </a:schemeClr>
+          <a:srgbClr val="0070C0"/>
         </a:solidFill>
         <a:ln w="12700" cap="flat" cmpd="sng" algn="ctr">
           <a:solidFill>
@@ -13615,7 +13678,7 @@
           </a:pPr>
           <a:r>
             <a:rPr lang="en-US" sz="2000" kern="1200" dirty="0"/>
-            <a:t>Input 373.15 and convert from Kelvin to Fahrenheit result will be 212.0</a:t>
+            <a:t>Input 373.15 and convert from Kelvin to Fahrenheit result will be 212.0.</a:t>
           </a:r>
         </a:p>
       </dsp:txBody>
@@ -13638,12 +13701,7 @@
           <a:avLst/>
         </a:prstGeom>
         <a:solidFill>
-          <a:schemeClr val="accent3">
-            <a:hueOff val="0"/>
-            <a:satOff val="0"/>
-            <a:lumOff val="0"/>
-            <a:alphaOff val="0"/>
-          </a:schemeClr>
+          <a:schemeClr val="accent1"/>
         </a:solidFill>
         <a:ln w="12700" cap="flat" cmpd="sng" algn="ctr">
           <a:solidFill>
@@ -13716,12 +13774,7 @@
           <a:avLst/>
         </a:prstGeom>
         <a:solidFill>
-          <a:schemeClr val="accent4">
-            <a:hueOff val="0"/>
-            <a:satOff val="0"/>
-            <a:lumOff val="0"/>
-            <a:alphaOff val="0"/>
-          </a:schemeClr>
+          <a:schemeClr val="accent2"/>
         </a:solidFill>
         <a:ln w="12700" cap="flat" cmpd="sng" algn="ctr">
           <a:solidFill>
@@ -13771,7 +13824,7 @@
           </a:pPr>
           <a:r>
             <a:rPr lang="en-US" sz="2000" kern="1200" dirty="0"/>
-            <a:t>Input 273.15 and convert from Kelvin to Fahrenheit; result will be 32.0</a:t>
+            <a:t>Input 273.15 and convert from Kelvin to Fahrenheit; result will be 32.0.</a:t>
           </a:r>
         </a:p>
       </dsp:txBody>
@@ -13794,12 +13847,7 @@
           <a:avLst/>
         </a:prstGeom>
         <a:solidFill>
-          <a:schemeClr val="accent5">
-            <a:hueOff val="0"/>
-            <a:satOff val="0"/>
-            <a:lumOff val="0"/>
-            <a:alphaOff val="0"/>
-          </a:schemeClr>
+          <a:schemeClr val="accent1"/>
         </a:solidFill>
         <a:ln w="12700" cap="flat" cmpd="sng" algn="ctr">
           <a:solidFill>
@@ -13872,12 +13920,7 @@
           <a:avLst/>
         </a:prstGeom>
         <a:solidFill>
-          <a:schemeClr val="accent6">
-            <a:hueOff val="0"/>
-            <a:satOff val="0"/>
-            <a:lumOff val="0"/>
-            <a:alphaOff val="0"/>
-          </a:schemeClr>
+          <a:schemeClr val="accent2"/>
         </a:solidFill>
         <a:ln w="12700" cap="flat" cmpd="sng" algn="ctr">
           <a:solidFill>
@@ -13927,7 +13970,7 @@
           </a:pPr>
           <a:r>
             <a:rPr lang="en-US" sz="2000" kern="1200" dirty="0"/>
-            <a:t>Input 323.15 and convert from Kelvin to Fahrenheit; result will be 122.0</a:t>
+            <a:t>Input 323.15 and convert from Kelvin to Fahrenheit; result will be 122.0.</a:t>
           </a:r>
         </a:p>
       </dsp:txBody>
@@ -13950,12 +13993,7 @@
           <a:avLst/>
         </a:prstGeom>
         <a:solidFill>
-          <a:schemeClr val="accent2">
-            <a:hueOff val="0"/>
-            <a:satOff val="0"/>
-            <a:lumOff val="0"/>
-            <a:alphaOff val="0"/>
-          </a:schemeClr>
+          <a:srgbClr val="00B050"/>
         </a:solidFill>
         <a:ln w="12700" cap="flat" cmpd="sng" algn="ctr">
           <a:solidFill>
@@ -14028,12 +14066,7 @@
           <a:avLst/>
         </a:prstGeom>
         <a:solidFill>
-          <a:schemeClr val="accent3">
-            <a:hueOff val="0"/>
-            <a:satOff val="0"/>
-            <a:lumOff val="0"/>
-            <a:alphaOff val="0"/>
-          </a:schemeClr>
+          <a:schemeClr val="accent2"/>
         </a:solidFill>
         <a:ln w="12700" cap="flat" cmpd="sng" algn="ctr">
           <a:solidFill>
@@ -14106,12 +14139,7 @@
           <a:avLst/>
         </a:prstGeom>
         <a:solidFill>
-          <a:schemeClr val="accent4">
-            <a:hueOff val="0"/>
-            <a:satOff val="0"/>
-            <a:lumOff val="0"/>
-            <a:alphaOff val="0"/>
-          </a:schemeClr>
+          <a:schemeClr val="accent1"/>
         </a:solidFill>
         <a:ln w="12700" cap="flat" cmpd="sng" algn="ctr">
           <a:solidFill>
@@ -14274,12 +14302,7 @@
           <a:avLst/>
         </a:prstGeom>
         <a:solidFill>
-          <a:schemeClr val="accent3">
-            <a:hueOff val="0"/>
-            <a:satOff val="0"/>
-            <a:lumOff val="0"/>
-            <a:alphaOff val="0"/>
-          </a:schemeClr>
+          <a:srgbClr val="FF0000"/>
         </a:solidFill>
         <a:ln w="12700" cap="flat" cmpd="sng" algn="ctr">
           <a:solidFill>
@@ -14352,12 +14375,7 @@
           <a:avLst/>
         </a:prstGeom>
         <a:solidFill>
-          <a:schemeClr val="accent4">
-            <a:hueOff val="0"/>
-            <a:satOff val="0"/>
-            <a:lumOff val="0"/>
-            <a:alphaOff val="0"/>
-          </a:schemeClr>
+          <a:schemeClr val="accent2"/>
         </a:solidFill>
         <a:ln w="12700" cap="flat" cmpd="sng" algn="ctr">
           <a:solidFill>
@@ -14430,12 +14448,7 @@
           <a:avLst/>
         </a:prstGeom>
         <a:solidFill>
-          <a:schemeClr val="accent5">
-            <a:hueOff val="0"/>
-            <a:satOff val="0"/>
-            <a:lumOff val="0"/>
-            <a:alphaOff val="0"/>
-          </a:schemeClr>
+          <a:schemeClr val="accent1"/>
         </a:solidFill>
         <a:ln w="12700" cap="flat" cmpd="sng" algn="ctr">
           <a:solidFill>
@@ -14508,12 +14521,7 @@
           <a:avLst/>
         </a:prstGeom>
         <a:solidFill>
-          <a:schemeClr val="accent6">
-            <a:hueOff val="0"/>
-            <a:satOff val="0"/>
-            <a:lumOff val="0"/>
-            <a:alphaOff val="0"/>
-          </a:schemeClr>
+          <a:schemeClr val="accent2"/>
         </a:solidFill>
         <a:ln w="12700" cap="flat" cmpd="sng" algn="ctr">
           <a:solidFill>
@@ -14586,12 +14594,7 @@
           <a:avLst/>
         </a:prstGeom>
         <a:solidFill>
-          <a:schemeClr val="accent2">
-            <a:hueOff val="0"/>
-            <a:satOff val="0"/>
-            <a:lumOff val="0"/>
-            <a:alphaOff val="0"/>
-          </a:schemeClr>
+          <a:srgbClr val="00B050"/>
         </a:solidFill>
         <a:ln w="12700" cap="flat" cmpd="sng" algn="ctr">
           <a:solidFill>
@@ -14664,12 +14667,7 @@
           <a:avLst/>
         </a:prstGeom>
         <a:solidFill>
-          <a:schemeClr val="accent3">
-            <a:hueOff val="0"/>
-            <a:satOff val="0"/>
-            <a:lumOff val="0"/>
-            <a:alphaOff val="0"/>
-          </a:schemeClr>
+          <a:schemeClr val="accent2"/>
         </a:solidFill>
         <a:ln w="12700" cap="flat" cmpd="sng" algn="ctr">
           <a:solidFill>
@@ -14719,7 +14717,7 @@
           </a:pPr>
           <a:r>
             <a:rPr lang="en-US" sz="2000" kern="1200" dirty="0"/>
-            <a:t>Input -212.00 and convert from Fahrenheit to Kelvin result will be 137.594444444444443</a:t>
+            <a:t>Input -212.00 and convert from Fahrenheit to Kelvin result will be 137.594444444444443.</a:t>
           </a:r>
         </a:p>
       </dsp:txBody>
@@ -14742,12 +14740,7 @@
           <a:avLst/>
         </a:prstGeom>
         <a:solidFill>
-          <a:schemeClr val="accent4">
-            <a:hueOff val="0"/>
-            <a:satOff val="0"/>
-            <a:lumOff val="0"/>
-            <a:alphaOff val="0"/>
-          </a:schemeClr>
+          <a:schemeClr val="accent1"/>
         </a:solidFill>
         <a:ln w="12700" cap="flat" cmpd="sng" algn="ctr">
           <a:solidFill>
@@ -14915,12 +14908,7 @@
           <a:avLst/>
         </a:prstGeom>
         <a:solidFill>
-          <a:schemeClr val="accent3">
-            <a:hueOff val="0"/>
-            <a:satOff val="0"/>
-            <a:lumOff val="0"/>
-            <a:alphaOff val="0"/>
-          </a:schemeClr>
+          <a:srgbClr val="FF0000"/>
         </a:solidFill>
         <a:ln w="12700" cap="flat" cmpd="sng" algn="ctr">
           <a:solidFill>
@@ -14993,12 +14981,7 @@
           <a:avLst/>
         </a:prstGeom>
         <a:solidFill>
-          <a:schemeClr val="accent4">
-            <a:hueOff val="0"/>
-            <a:satOff val="0"/>
-            <a:lumOff val="0"/>
-            <a:alphaOff val="0"/>
-          </a:schemeClr>
+          <a:schemeClr val="accent2"/>
         </a:solidFill>
         <a:ln w="12700" cap="flat" cmpd="sng" algn="ctr">
           <a:solidFill>
@@ -15076,12 +15059,7 @@
           <a:avLst/>
         </a:prstGeom>
         <a:solidFill>
-          <a:schemeClr val="accent5">
-            <a:hueOff val="0"/>
-            <a:satOff val="0"/>
-            <a:lumOff val="0"/>
-            <a:alphaOff val="0"/>
-          </a:schemeClr>
+          <a:schemeClr val="accent1"/>
         </a:solidFill>
         <a:ln w="12700" cap="flat" cmpd="sng" algn="ctr">
           <a:solidFill>
@@ -15159,12 +15137,7 @@
           <a:avLst/>
         </a:prstGeom>
         <a:solidFill>
-          <a:schemeClr val="accent6">
-            <a:hueOff val="0"/>
-            <a:satOff val="0"/>
-            <a:lumOff val="0"/>
-            <a:alphaOff val="0"/>
-          </a:schemeClr>
+          <a:schemeClr val="accent2"/>
         </a:solidFill>
         <a:ln w="12700" cap="flat" cmpd="sng" algn="ctr">
           <a:solidFill>
@@ -15242,12 +15215,7 @@
           <a:avLst/>
         </a:prstGeom>
         <a:solidFill>
-          <a:schemeClr val="accent2">
-            <a:hueOff val="0"/>
-            <a:satOff val="0"/>
-            <a:lumOff val="0"/>
-            <a:alphaOff val="0"/>
-          </a:schemeClr>
+          <a:srgbClr val="00B050"/>
         </a:solidFill>
         <a:ln w="12700" cap="flat" cmpd="sng" algn="ctr">
           <a:solidFill>
@@ -15320,12 +15288,7 @@
           <a:avLst/>
         </a:prstGeom>
         <a:solidFill>
-          <a:schemeClr val="accent3">
-            <a:hueOff val="0"/>
-            <a:satOff val="0"/>
-            <a:lumOff val="0"/>
-            <a:alphaOff val="0"/>
-          </a:schemeClr>
+          <a:schemeClr val="accent2"/>
         </a:solidFill>
         <a:ln w="12700" cap="flat" cmpd="sng" algn="ctr">
           <a:solidFill>
@@ -15403,12 +15366,7 @@
           <a:avLst/>
         </a:prstGeom>
         <a:solidFill>
-          <a:schemeClr val="accent4">
-            <a:hueOff val="0"/>
-            <a:satOff val="0"/>
-            <a:lumOff val="0"/>
-            <a:alphaOff val="0"/>
-          </a:schemeClr>
+          <a:schemeClr val="accent1"/>
         </a:solidFill>
         <a:ln w="12700" cap="flat" cmpd="sng" algn="ctr">
           <a:solidFill>
@@ -29348,7 +29306,7 @@
             <p:ph idx="1"/>
             <p:extLst>
               <p:ext uri="{D42A27DB-BD31-4B8C-83A1-F6EECF244321}">
-                <p14:modId xmlns:p14="http://schemas.microsoft.com/office/powerpoint/2010/main" val="1126109218"/>
+                <p14:modId xmlns:p14="http://schemas.microsoft.com/office/powerpoint/2010/main" val="3916004525"/>
               </p:ext>
             </p:extLst>
           </p:nvPr>
@@ -29551,7 +29509,7 @@
             <p:ph idx="1"/>
             <p:extLst>
               <p:ext uri="{D42A27DB-BD31-4B8C-83A1-F6EECF244321}">
-                <p14:modId xmlns:p14="http://schemas.microsoft.com/office/powerpoint/2010/main" val="3658514080"/>
+                <p14:modId xmlns:p14="http://schemas.microsoft.com/office/powerpoint/2010/main" val="2102358795"/>
               </p:ext>
             </p:extLst>
           </p:nvPr>
@@ -41759,7 +41717,7 @@
             <p:ph idx="1"/>
             <p:extLst>
               <p:ext uri="{D42A27DB-BD31-4B8C-83A1-F6EECF244321}">
-                <p14:modId xmlns:p14="http://schemas.microsoft.com/office/powerpoint/2010/main" val="3346274382"/>
+                <p14:modId xmlns:p14="http://schemas.microsoft.com/office/powerpoint/2010/main" val="2473236051"/>
               </p:ext>
             </p:extLst>
           </p:nvPr>
@@ -41960,6 +41918,11 @@
           </p:cNvGraphicFramePr>
           <p:nvPr>
             <p:ph idx="1"/>
+            <p:extLst>
+              <p:ext uri="{D42A27DB-BD31-4B8C-83A1-F6EECF244321}">
+                <p14:modId xmlns:p14="http://schemas.microsoft.com/office/powerpoint/2010/main" val="2902534398"/>
+              </p:ext>
+            </p:extLst>
           </p:nvPr>
         </p:nvGraphicFramePr>
         <p:xfrm>
@@ -42158,6 +42121,11 @@
           </p:cNvGraphicFramePr>
           <p:nvPr>
             <p:ph idx="1"/>
+            <p:extLst>
+              <p:ext uri="{D42A27DB-BD31-4B8C-83A1-F6EECF244321}">
+                <p14:modId xmlns:p14="http://schemas.microsoft.com/office/powerpoint/2010/main" val="3073045299"/>
+              </p:ext>
+            </p:extLst>
           </p:nvPr>
         </p:nvGraphicFramePr>
         <p:xfrm>
@@ -42356,6 +42324,11 @@
           </p:cNvGraphicFramePr>
           <p:nvPr>
             <p:ph idx="1"/>
+            <p:extLst>
+              <p:ext uri="{D42A27DB-BD31-4B8C-83A1-F6EECF244321}">
+                <p14:modId xmlns:p14="http://schemas.microsoft.com/office/powerpoint/2010/main" val="1367311015"/>
+              </p:ext>
+            </p:extLst>
           </p:nvPr>
         </p:nvGraphicFramePr>
         <p:xfrm>

--- a/Final Project.pptx
+++ b/Final Project.pptx
@@ -40269,7 +40269,7 @@
                 <a:latin typeface="Arial" panose="020B0604020202020204" pitchFamily="34" charset="0"/>
                 <a:cs typeface="Arial" panose="020B0604020202020204" pitchFamily="34" charset="0"/>
               </a:rPr>
-              <a:t>I would say code is working close to 100% as are some minor bugs.</a:t>
+              <a:t>Code appears to be at 100pct as all minor bugs seem to be fixed</a:t>
             </a:r>
           </a:p>
           <a:p>
@@ -40332,19 +40332,8 @@
                 <a:latin typeface="Arial" panose="020B0604020202020204" pitchFamily="34" charset="0"/>
                 <a:cs typeface="Arial" panose="020B0604020202020204" pitchFamily="34" charset="0"/>
               </a:rPr>
-              <a:t>Andre Nasrah contributed conceptual – stripped down code before as well implementing converterclass.java to have a class object associated with program, basic layout in activity_main.xml, and basis of documentation.  Contributed to Github regarding bug editing. Provided test cases along with updates which were regularly pushed to Github. Zoom meeting setups and coordination </a:t>
+              <a:t>Andre Nasrah contributed conceptual – stripped down code before as well implementing converterclass.java to have a class object associated with program, basic layout in activity_main.xml, and basis of documentation.  Contributed to Github regarding bug editing. Provided test cases along with updates which were regularly pushed to Github. Zoom meeting setups and coordination of meetings.</a:t>
             </a:r>
-            <a:r>
-              <a:rPr lang="en-US" sz="3500">
-                <a:latin typeface="Arial" panose="020B0604020202020204" pitchFamily="34" charset="0"/>
-                <a:cs typeface="Arial" panose="020B0604020202020204" pitchFamily="34" charset="0"/>
-              </a:rPr>
-              <a:t>of meetings.</a:t>
-            </a:r>
-            <a:endParaRPr lang="en-US" sz="3500" dirty="0">
-              <a:latin typeface="Arial" panose="020B0604020202020204" pitchFamily="34" charset="0"/>
-              <a:cs typeface="Arial" panose="020B0604020202020204" pitchFamily="34" charset="0"/>
-            </a:endParaRPr>
           </a:p>
           <a:p>
             <a:r>

--- a/Final Project.pptx
+++ b/Final Project.pptx
@@ -8023,7 +8023,7 @@
         <a:p>
           <a:r>
             <a:rPr lang="en-US" dirty="0"/>
-            <a:t>Input 40 and convert from Celsius to Fahrenheit; result will be 104.0.</a:t>
+            <a:t>Input 100 and convert from Celsius to Fahrenheit; result will be 212.0.</a:t>
           </a:r>
         </a:p>
       </dgm:t>
@@ -8054,7 +8054,7 @@
       <dgm:prSet/>
       <dgm:spPr>
         <a:solidFill>
-          <a:srgbClr val="00B050"/>
+          <a:srgbClr val="FF0000"/>
         </a:solidFill>
       </dgm:spPr>
       <dgm:t>
@@ -8063,7 +8063,7 @@
         <a:p>
           <a:r>
             <a:rPr lang="en-US" dirty="0"/>
-            <a:t>Progress bar will be filled about one-third of the way and background will change to green.</a:t>
+            <a:t>Progress bar will be full, and background will change to red.</a:t>
           </a:r>
         </a:p>
       </dgm:t>
@@ -8103,7 +8103,7 @@
         <a:p>
           <a:r>
             <a:rPr lang="en-US" dirty="0"/>
-            <a:t>Input -100 and convert from Celsius to Fahrenheit; result will be -148.0.</a:t>
+            <a:t>Input 0 and convert from Celsius to Fahrenheit; result will be 32.</a:t>
           </a:r>
         </a:p>
       </dgm:t>
@@ -8245,7 +8245,7 @@
       <dgm:spPr/>
     </dgm:pt>
     <dgm:pt modelId="{562090F9-DB7F-4833-8C2D-CC93C8605B3B}" type="pres">
-      <dgm:prSet presAssocID="{45A78B40-4E09-43BE-A86A-6A3229A31700}" presName="parentText" presStyleLbl="node1" presStyleIdx="5" presStyleCnt="8">
+      <dgm:prSet presAssocID="{45A78B40-4E09-43BE-A86A-6A3229A31700}" presName="parentText" presStyleLbl="node1" presStyleIdx="5" presStyleCnt="8" custLinFactNeighborY="-44097">
         <dgm:presLayoutVars>
           <dgm:chMax val="0"/>
           <dgm:bulletEnabled val="1"/>
@@ -12167,7 +12167,7 @@
           </a:pPr>
           <a:r>
             <a:rPr lang="en-US" sz="2000" kern="1200" dirty="0"/>
-            <a:t>Input 40 and convert from Celsius to Fahrenheit; result will be 104.0.</a:t>
+            <a:t>Input 100 and convert from Celsius to Fahrenheit; result will be 212.0.</a:t>
           </a:r>
         </a:p>
       </dsp:txBody>
@@ -12183,14 +12183,14 @@
       </dsp:nvSpPr>
       <dsp:spPr>
         <a:xfrm>
-          <a:off x="0" y="2741769"/>
+          <a:off x="0" y="2716369"/>
           <a:ext cx="10515600" cy="479700"/>
         </a:xfrm>
         <a:prstGeom prst="roundRect">
           <a:avLst/>
         </a:prstGeom>
         <a:solidFill>
-          <a:srgbClr val="00B050"/>
+          <a:srgbClr val="FF0000"/>
         </a:solidFill>
         <a:ln w="12700" cap="flat" cmpd="sng" algn="ctr">
           <a:solidFill>
@@ -12240,12 +12240,12 @@
           </a:pPr>
           <a:r>
             <a:rPr lang="en-US" sz="2000" kern="1200" dirty="0"/>
-            <a:t>Progress bar will be filled about one-third of the way and background will change to green.</a:t>
+            <a:t>Progress bar will be full, and background will change to red.</a:t>
           </a:r>
         </a:p>
       </dsp:txBody>
       <dsp:txXfrm>
-        <a:off x="23417" y="2765186"/>
+        <a:off x="23417" y="2739786"/>
         <a:ext cx="10468766" cy="432866"/>
       </dsp:txXfrm>
     </dsp:sp>
@@ -12313,7 +12313,7 @@
           </a:pPr>
           <a:r>
             <a:rPr lang="en-US" sz="2000" kern="1200" dirty="0"/>
-            <a:t>Input -100 and convert from Celsius to Fahrenheit; result will be -148.0.</a:t>
+            <a:t>Input 0 and convert from Celsius to Fahrenheit; result will be 32.</a:t>
           </a:r>
         </a:p>
       </dsp:txBody>
@@ -25483,7 +25483,7 @@
           <a:p>
             <a:fld id="{3E0B6BEE-5E84-4370-8644-E3C3FCC0D5CB}" type="datetimeFigureOut">
               <a:rPr lang="en-US" smtClean="0"/>
-              <a:t>12/4/2022</a:t>
+              <a:t>12/8/2022</a:t>
             </a:fld>
             <a:endParaRPr lang="en-US" dirty="0"/>
           </a:p>
@@ -25681,7 +25681,7 @@
           <a:p>
             <a:fld id="{3E0B6BEE-5E84-4370-8644-E3C3FCC0D5CB}" type="datetimeFigureOut">
               <a:rPr lang="en-US" smtClean="0"/>
-              <a:t>12/4/2022</a:t>
+              <a:t>12/8/2022</a:t>
             </a:fld>
             <a:endParaRPr lang="en-US" dirty="0"/>
           </a:p>
@@ -25889,7 +25889,7 @@
           <a:p>
             <a:fld id="{3E0B6BEE-5E84-4370-8644-E3C3FCC0D5CB}" type="datetimeFigureOut">
               <a:rPr lang="en-US" smtClean="0"/>
-              <a:t>12/4/2022</a:t>
+              <a:t>12/8/2022</a:t>
             </a:fld>
             <a:endParaRPr lang="en-US" dirty="0"/>
           </a:p>
@@ -26087,7 +26087,7 @@
           <a:p>
             <a:fld id="{3E0B6BEE-5E84-4370-8644-E3C3FCC0D5CB}" type="datetimeFigureOut">
               <a:rPr lang="en-US" smtClean="0"/>
-              <a:t>12/4/2022</a:t>
+              <a:t>12/8/2022</a:t>
             </a:fld>
             <a:endParaRPr lang="en-US" dirty="0"/>
           </a:p>
@@ -26362,7 +26362,7 @@
           <a:p>
             <a:fld id="{3E0B6BEE-5E84-4370-8644-E3C3FCC0D5CB}" type="datetimeFigureOut">
               <a:rPr lang="en-US" smtClean="0"/>
-              <a:t>12/4/2022</a:t>
+              <a:t>12/8/2022</a:t>
             </a:fld>
             <a:endParaRPr lang="en-US" dirty="0"/>
           </a:p>
@@ -26627,7 +26627,7 @@
           <a:p>
             <a:fld id="{3E0B6BEE-5E84-4370-8644-E3C3FCC0D5CB}" type="datetimeFigureOut">
               <a:rPr lang="en-US" smtClean="0"/>
-              <a:t>12/4/2022</a:t>
+              <a:t>12/8/2022</a:t>
             </a:fld>
             <a:endParaRPr lang="en-US" dirty="0"/>
           </a:p>
@@ -27039,7 +27039,7 @@
           <a:p>
             <a:fld id="{3E0B6BEE-5E84-4370-8644-E3C3FCC0D5CB}" type="datetimeFigureOut">
               <a:rPr lang="en-US" smtClean="0"/>
-              <a:t>12/4/2022</a:t>
+              <a:t>12/8/2022</a:t>
             </a:fld>
             <a:endParaRPr lang="en-US" dirty="0"/>
           </a:p>
@@ -27180,7 +27180,7 @@
           <a:p>
             <a:fld id="{3E0B6BEE-5E84-4370-8644-E3C3FCC0D5CB}" type="datetimeFigureOut">
               <a:rPr lang="en-US" smtClean="0"/>
-              <a:t>12/4/2022</a:t>
+              <a:t>12/8/2022</a:t>
             </a:fld>
             <a:endParaRPr lang="en-US" dirty="0"/>
           </a:p>
@@ -27293,7 +27293,7 @@
           <a:p>
             <a:fld id="{3E0B6BEE-5E84-4370-8644-E3C3FCC0D5CB}" type="datetimeFigureOut">
               <a:rPr lang="en-US" smtClean="0"/>
-              <a:t>12/4/2022</a:t>
+              <a:t>12/8/2022</a:t>
             </a:fld>
             <a:endParaRPr lang="en-US" dirty="0"/>
           </a:p>
@@ -27604,7 +27604,7 @@
           <a:p>
             <a:fld id="{3E0B6BEE-5E84-4370-8644-E3C3FCC0D5CB}" type="datetimeFigureOut">
               <a:rPr lang="en-US" smtClean="0"/>
-              <a:t>12/4/2022</a:t>
+              <a:t>12/8/2022</a:t>
             </a:fld>
             <a:endParaRPr lang="en-US" dirty="0"/>
           </a:p>
@@ -27892,7 +27892,7 @@
           <a:p>
             <a:fld id="{3E0B6BEE-5E84-4370-8644-E3C3FCC0D5CB}" type="datetimeFigureOut">
               <a:rPr lang="en-US" smtClean="0"/>
-              <a:t>12/4/2022</a:t>
+              <a:t>12/8/2022</a:t>
             </a:fld>
             <a:endParaRPr lang="en-US" dirty="0"/>
           </a:p>
@@ -28133,7 +28133,7 @@
           <a:p>
             <a:fld id="{3E0B6BEE-5E84-4370-8644-E3C3FCC0D5CB}" type="datetimeFigureOut">
               <a:rPr lang="en-US" smtClean="0"/>
-              <a:t>12/4/2022</a:t>
+              <a:t>12/8/2022</a:t>
             </a:fld>
             <a:endParaRPr lang="en-US" dirty="0"/>
           </a:p>
@@ -41706,7 +41706,7 @@
             <p:ph idx="1"/>
             <p:extLst>
               <p:ext uri="{D42A27DB-BD31-4B8C-83A1-F6EECF244321}">
-                <p14:modId xmlns:p14="http://schemas.microsoft.com/office/powerpoint/2010/main" val="2473236051"/>
+                <p14:modId xmlns:p14="http://schemas.microsoft.com/office/powerpoint/2010/main" val="1767778465"/>
               </p:ext>
             </p:extLst>
           </p:nvPr>

--- a/Final Project.pptx
+++ b/Final Project.pptx
@@ -8347,7 +8347,7 @@
         <a:p>
           <a:r>
             <a:rPr lang="en-US" dirty="0"/>
-            <a:t>Input 32 and covert from Fahrenheit to Celsius; result will be 0 and bar will be empty.</a:t>
+            <a:t>Input 32 and covert from Fahrenheit to Celsius; result will be 0.0.</a:t>
           </a:r>
         </a:p>
       </dgm:t>
@@ -8587,7 +8587,15 @@
         <a:p>
           <a:r>
             <a:rPr lang="en-US" dirty="0"/>
-            <a:t>Input -32 and convert from Fahrenheit to Celsius; result will be -35.55555555555556 repeating.</a:t>
+            <a:t>Input -32 and convert from Fahrenheit to Celsius; result will be </a:t>
+          </a:r>
+          <a:r>
+            <a:rPr lang="en-US"/>
+            <a:t>-35.5 </a:t>
+          </a:r>
+          <a:r>
+            <a:rPr lang="en-US" dirty="0"/>
+            <a:t>repeating.</a:t>
           </a:r>
         </a:p>
       </dgm:t>
@@ -9071,7 +9079,15 @@
         <a:p>
           <a:r>
             <a:rPr lang="en-US" dirty="0"/>
-            <a:t>Input -373.15 and convert from Kelvin to Celsius; result will be 646.30.</a:t>
+            <a:t>Input -373.15 and convert from Kelvin to Celsius; result will </a:t>
+          </a:r>
+          <a:r>
+            <a:rPr lang="en-US"/>
+            <a:t>be -646.30</a:t>
+          </a:r>
+          <a:r>
+            <a:rPr lang="en-US" dirty="0"/>
+            <a:t>.</a:t>
           </a:r>
         </a:p>
       </dgm:t>
@@ -9346,7 +9362,7 @@
       <dgm:prSet/>
       <dgm:spPr>
         <a:solidFill>
-          <a:schemeClr val="accent1"/>
+          <a:srgbClr val="FF0000"/>
         </a:solidFill>
       </dgm:spPr>
       <dgm:t>
@@ -9355,8 +9371,13 @@
         <a:p>
           <a:r>
             <a:rPr lang="en-US" dirty="0"/>
-            <a:t>Progress bar will be empty, and background will change to blue.</a:t>
+            <a:t>Progress bar will be full, and background will change </a:t>
           </a:r>
+          <a:r>
+            <a:rPr lang="en-US"/>
+            <a:t>to red.</a:t>
+          </a:r>
+          <a:endParaRPr lang="en-US" dirty="0"/>
         </a:p>
       </dgm:t>
     </dgm:pt>
@@ -12476,7 +12497,7 @@
           </a:pPr>
           <a:r>
             <a:rPr lang="en-US" sz="2000" kern="1200" dirty="0"/>
-            <a:t>Input 32 and covert from Fahrenheit to Celsius; result will be 0 and bar will be empty.</a:t>
+            <a:t>Input 32 and covert from Fahrenheit to Celsius; result will be 0.0.</a:t>
           </a:r>
         </a:p>
       </dsp:txBody>
@@ -12914,7 +12935,15 @@
           </a:pPr>
           <a:r>
             <a:rPr lang="en-US" sz="2000" kern="1200" dirty="0"/>
-            <a:t>Input -32 and convert from Fahrenheit to Celsius; result will be -35.55555555555556 repeating.</a:t>
+            <a:t>Input -32 and convert from Fahrenheit to Celsius; result will be </a:t>
+          </a:r>
+          <a:r>
+            <a:rPr lang="en-US" sz="2000" kern="1200"/>
+            <a:t>-35.5 </a:t>
+          </a:r>
+          <a:r>
+            <a:rPr lang="en-US" sz="2000" kern="1200" dirty="0"/>
+            <a:t>repeating.</a:t>
           </a:r>
         </a:p>
       </dsp:txBody>
@@ -13515,7 +13544,15 @@
           </a:pPr>
           <a:r>
             <a:rPr lang="en-US" sz="2000" kern="1200" dirty="0"/>
-            <a:t>Input -373.15 and convert from Kelvin to Celsius; result will be 646.30.</a:t>
+            <a:t>Input -373.15 and convert from Kelvin to Celsius; result will </a:t>
+          </a:r>
+          <a:r>
+            <a:rPr lang="en-US" sz="2000" kern="1200"/>
+            <a:t>be -646.30</a:t>
+          </a:r>
+          <a:r>
+            <a:rPr lang="en-US" sz="2000" kern="1200" dirty="0"/>
+            <a:t>.</a:t>
           </a:r>
         </a:p>
       </dsp:txBody>
@@ -13701,7 +13738,7 @@
           <a:avLst/>
         </a:prstGeom>
         <a:solidFill>
-          <a:schemeClr val="accent1"/>
+          <a:srgbClr val="FF0000"/>
         </a:solidFill>
         <a:ln w="12700" cap="flat" cmpd="sng" algn="ctr">
           <a:solidFill>
@@ -13751,8 +13788,13 @@
           </a:pPr>
           <a:r>
             <a:rPr lang="en-US" sz="2000" kern="1200" dirty="0"/>
-            <a:t>Progress bar will be empty, and background will change to blue.</a:t>
+            <a:t>Progress bar will be full, and background will change </a:t>
           </a:r>
+          <a:r>
+            <a:rPr lang="en-US" sz="2000" kern="1200"/>
+            <a:t>to red.</a:t>
+          </a:r>
+          <a:endParaRPr lang="en-US" sz="2000" kern="1200" dirty="0"/>
         </a:p>
       </dsp:txBody>
       <dsp:txXfrm>
@@ -25483,7 +25525,7 @@
           <a:p>
             <a:fld id="{3E0B6BEE-5E84-4370-8644-E3C3FCC0D5CB}" type="datetimeFigureOut">
               <a:rPr lang="en-US" smtClean="0"/>
-              <a:t>12/8/2022</a:t>
+              <a:t>12/10/2022</a:t>
             </a:fld>
             <a:endParaRPr lang="en-US" dirty="0"/>
           </a:p>
@@ -25681,7 +25723,7 @@
           <a:p>
             <a:fld id="{3E0B6BEE-5E84-4370-8644-E3C3FCC0D5CB}" type="datetimeFigureOut">
               <a:rPr lang="en-US" smtClean="0"/>
-              <a:t>12/8/2022</a:t>
+              <a:t>12/10/2022</a:t>
             </a:fld>
             <a:endParaRPr lang="en-US" dirty="0"/>
           </a:p>
@@ -25889,7 +25931,7 @@
           <a:p>
             <a:fld id="{3E0B6BEE-5E84-4370-8644-E3C3FCC0D5CB}" type="datetimeFigureOut">
               <a:rPr lang="en-US" smtClean="0"/>
-              <a:t>12/8/2022</a:t>
+              <a:t>12/10/2022</a:t>
             </a:fld>
             <a:endParaRPr lang="en-US" dirty="0"/>
           </a:p>
@@ -26087,7 +26129,7 @@
           <a:p>
             <a:fld id="{3E0B6BEE-5E84-4370-8644-E3C3FCC0D5CB}" type="datetimeFigureOut">
               <a:rPr lang="en-US" smtClean="0"/>
-              <a:t>12/8/2022</a:t>
+              <a:t>12/10/2022</a:t>
             </a:fld>
             <a:endParaRPr lang="en-US" dirty="0"/>
           </a:p>
@@ -26362,7 +26404,7 @@
           <a:p>
             <a:fld id="{3E0B6BEE-5E84-4370-8644-E3C3FCC0D5CB}" type="datetimeFigureOut">
               <a:rPr lang="en-US" smtClean="0"/>
-              <a:t>12/8/2022</a:t>
+              <a:t>12/10/2022</a:t>
             </a:fld>
             <a:endParaRPr lang="en-US" dirty="0"/>
           </a:p>
@@ -26627,7 +26669,7 @@
           <a:p>
             <a:fld id="{3E0B6BEE-5E84-4370-8644-E3C3FCC0D5CB}" type="datetimeFigureOut">
               <a:rPr lang="en-US" smtClean="0"/>
-              <a:t>12/8/2022</a:t>
+              <a:t>12/10/2022</a:t>
             </a:fld>
             <a:endParaRPr lang="en-US" dirty="0"/>
           </a:p>
@@ -27039,7 +27081,7 @@
           <a:p>
             <a:fld id="{3E0B6BEE-5E84-4370-8644-E3C3FCC0D5CB}" type="datetimeFigureOut">
               <a:rPr lang="en-US" smtClean="0"/>
-              <a:t>12/8/2022</a:t>
+              <a:t>12/10/2022</a:t>
             </a:fld>
             <a:endParaRPr lang="en-US" dirty="0"/>
           </a:p>
@@ -27180,7 +27222,7 @@
           <a:p>
             <a:fld id="{3E0B6BEE-5E84-4370-8644-E3C3FCC0D5CB}" type="datetimeFigureOut">
               <a:rPr lang="en-US" smtClean="0"/>
-              <a:t>12/8/2022</a:t>
+              <a:t>12/10/2022</a:t>
             </a:fld>
             <a:endParaRPr lang="en-US" dirty="0"/>
           </a:p>
@@ -27293,7 +27335,7 @@
           <a:p>
             <a:fld id="{3E0B6BEE-5E84-4370-8644-E3C3FCC0D5CB}" type="datetimeFigureOut">
               <a:rPr lang="en-US" smtClean="0"/>
-              <a:t>12/8/2022</a:t>
+              <a:t>12/10/2022</a:t>
             </a:fld>
             <a:endParaRPr lang="en-US" dirty="0"/>
           </a:p>
@@ -27604,7 +27646,7 @@
           <a:p>
             <a:fld id="{3E0B6BEE-5E84-4370-8644-E3C3FCC0D5CB}" type="datetimeFigureOut">
               <a:rPr lang="en-US" smtClean="0"/>
-              <a:t>12/8/2022</a:t>
+              <a:t>12/10/2022</a:t>
             </a:fld>
             <a:endParaRPr lang="en-US" dirty="0"/>
           </a:p>
@@ -27892,7 +27934,7 @@
           <a:p>
             <a:fld id="{3E0B6BEE-5E84-4370-8644-E3C3FCC0D5CB}" type="datetimeFigureOut">
               <a:rPr lang="en-US" smtClean="0"/>
-              <a:t>12/8/2022</a:t>
+              <a:t>12/10/2022</a:t>
             </a:fld>
             <a:endParaRPr lang="en-US" dirty="0"/>
           </a:p>
@@ -28133,7 +28175,7 @@
           <a:p>
             <a:fld id="{3E0B6BEE-5E84-4370-8644-E3C3FCC0D5CB}" type="datetimeFigureOut">
               <a:rPr lang="en-US" smtClean="0"/>
-              <a:t>12/8/2022</a:t>
+              <a:t>12/10/2022</a:t>
             </a:fld>
             <a:endParaRPr lang="en-US" dirty="0"/>
           </a:p>
@@ -41909,7 +41951,7 @@
             <p:ph idx="1"/>
             <p:extLst>
               <p:ext uri="{D42A27DB-BD31-4B8C-83A1-F6EECF244321}">
-                <p14:modId xmlns:p14="http://schemas.microsoft.com/office/powerpoint/2010/main" val="2902534398"/>
+                <p14:modId xmlns:p14="http://schemas.microsoft.com/office/powerpoint/2010/main" val="444217298"/>
               </p:ext>
             </p:extLst>
           </p:nvPr>
@@ -42112,7 +42154,7 @@
             <p:ph idx="1"/>
             <p:extLst>
               <p:ext uri="{D42A27DB-BD31-4B8C-83A1-F6EECF244321}">
-                <p14:modId xmlns:p14="http://schemas.microsoft.com/office/powerpoint/2010/main" val="3073045299"/>
+                <p14:modId xmlns:p14="http://schemas.microsoft.com/office/powerpoint/2010/main" val="1699879556"/>
               </p:ext>
             </p:extLst>
           </p:nvPr>
@@ -42315,7 +42357,7 @@
             <p:ph idx="1"/>
             <p:extLst>
               <p:ext uri="{D42A27DB-BD31-4B8C-83A1-F6EECF244321}">
-                <p14:modId xmlns:p14="http://schemas.microsoft.com/office/powerpoint/2010/main" val="1367311015"/>
+                <p14:modId xmlns:p14="http://schemas.microsoft.com/office/powerpoint/2010/main" val="285701255"/>
               </p:ext>
             </p:extLst>
           </p:nvPr>
